--- a/docs/医疗管理系统.pptx
+++ b/docs/医疗管理系统.pptx
@@ -1,37 +1,42 @@
 
 <file path=ppt/presentation.xml><?xml version="1.0" encoding="utf-8"?>
-<p:presentation xmlns:a="http://schemas.openxmlformats.org/drawingml/2006/main" xmlns:r="http://schemas.openxmlformats.org/officeDocument/2006/relationships" xmlns:p="http://schemas.openxmlformats.org/presentationml/2006/main" saveSubsetFonts="1">
+<p:presentation xmlns:a="http://schemas.openxmlformats.org/drawingml/2006/main" xmlns:r="http://schemas.openxmlformats.org/officeDocument/2006/relationships" xmlns:p="http://schemas.openxmlformats.org/presentationml/2006/main">
   <p:sldMasterIdLst>
-    <p:sldMasterId id="2147483660" r:id="rId1"/>
+    <p:sldMasterId id="2147483648" r:id="rId1"/>
   </p:sldMasterIdLst>
   <p:notesMasterIdLst>
-    <p:notesMasterId r:id="rId23"/>
+    <p:notesMasterId r:id="rId4"/>
   </p:notesMasterIdLst>
   <p:sldIdLst>
-    <p:sldId id="256" r:id="rId2"/>
-    <p:sldId id="257" r:id="rId3"/>
-    <p:sldId id="323" r:id="rId4"/>
-    <p:sldId id="324" r:id="rId5"/>
-    <p:sldId id="301" r:id="rId6"/>
-    <p:sldId id="314" r:id="rId7"/>
-    <p:sldId id="270" r:id="rId8"/>
-    <p:sldId id="265" r:id="rId9"/>
-    <p:sldId id="280" r:id="rId10"/>
-    <p:sldId id="274" r:id="rId11"/>
-    <p:sldId id="319" r:id="rId12"/>
-    <p:sldId id="320" r:id="rId13"/>
-    <p:sldId id="326" r:id="rId14"/>
-    <p:sldId id="327" r:id="rId15"/>
-    <p:sldId id="328" r:id="rId16"/>
-    <p:sldId id="329" r:id="rId17"/>
-    <p:sldId id="321" r:id="rId18"/>
-    <p:sldId id="322" r:id="rId19"/>
-    <p:sldId id="275" r:id="rId20"/>
-    <p:sldId id="325" r:id="rId21"/>
-    <p:sldId id="318" r:id="rId22"/>
+    <p:sldId id="256" r:id="rId3"/>
+    <p:sldId id="257" r:id="rId5"/>
+    <p:sldId id="323" r:id="rId6"/>
+    <p:sldId id="301" r:id="rId7"/>
+    <p:sldId id="314" r:id="rId8"/>
+    <p:sldId id="270" r:id="rId9"/>
+    <p:sldId id="265" r:id="rId10"/>
+    <p:sldId id="280" r:id="rId11"/>
+    <p:sldId id="274" r:id="rId12"/>
+    <p:sldId id="319" r:id="rId13"/>
+    <p:sldId id="320" r:id="rId14"/>
+    <p:sldId id="326" r:id="rId15"/>
+    <p:sldId id="327" r:id="rId16"/>
+    <p:sldId id="328" r:id="rId17"/>
+    <p:sldId id="329" r:id="rId18"/>
+    <p:sldId id="321" r:id="rId19"/>
+    <p:sldId id="322" r:id="rId20"/>
+    <p:sldId id="275" r:id="rId21"/>
+    <p:sldId id="325" r:id="rId22"/>
+    <p:sldId id="341" r:id="rId23"/>
+    <p:sldId id="342" r:id="rId24"/>
+    <p:sldId id="343" r:id="rId25"/>
+    <p:sldId id="318" r:id="rId26"/>
   </p:sldIdLst>
   <p:sldSz cx="12192000" cy="6858000"/>
   <p:notesSz cx="6858000" cy="9144000"/>
+  <p:custDataLst>
+    <p:tags r:id="rId30"/>
+  </p:custDataLst>
   <p:defaultTextStyle>
     <a:defPPr>
       <a:defRPr lang="en-US"/>
@@ -127,11 +132,6 @@
       </a:defRPr>
     </a:lvl9pPr>
   </p:defaultTextStyle>
-  <p:extLst>
-    <p:ext uri="{EFAFB233-063F-42B5-8137-9DF3F51BA10A}">
-      <p15:sldGuideLst xmlns:p15="http://schemas.microsoft.com/office/powerpoint/2012/main"/>
-    </p:ext>
-  </p:extLst>
 </p:presentation>
 </file>
 
@@ -217,7 +217,6 @@
           <a:p>
             <a:fld id="{9D3B6EC6-F0D6-4FBB-AE45-67293B88E00B}" type="datetimeFigureOut">
               <a:rPr lang="en-US" smtClean="0"/>
-              <a:t>3/18/2022</a:t>
             </a:fld>
             <a:endParaRPr lang="en-US"/>
           </a:p>
@@ -284,6 +283,7 @@
               <a:rPr lang="zh-CN" altLang="en-US"/>
               <a:t>编辑母版文本样式</a:t>
             </a:r>
+            <a:endParaRPr lang="zh-CN" altLang="en-US"/>
           </a:p>
           <a:p>
             <a:pPr lvl="1"/>
@@ -291,6 +291,7 @@
               <a:rPr lang="zh-CN" altLang="en-US"/>
               <a:t>第二级</a:t>
             </a:r>
+            <a:endParaRPr lang="zh-CN" altLang="en-US"/>
           </a:p>
           <a:p>
             <a:pPr lvl="2"/>
@@ -298,6 +299,7 @@
               <a:rPr lang="zh-CN" altLang="en-US"/>
               <a:t>第三级</a:t>
             </a:r>
+            <a:endParaRPr lang="zh-CN" altLang="en-US"/>
           </a:p>
           <a:p>
             <a:pPr lvl="3"/>
@@ -305,6 +307,7 @@
               <a:rPr lang="zh-CN" altLang="en-US"/>
               <a:t>第四级</a:t>
             </a:r>
+            <a:endParaRPr lang="zh-CN" altLang="en-US"/>
           </a:p>
           <a:p>
             <a:pPr lvl="4"/>
@@ -376,18 +379,12 @@
           <a:p>
             <a:fld id="{86122305-EA56-459C-A41F-676AFCBD5CD9}" type="slidenum">
               <a:rPr lang="en-US" smtClean="0"/>
-              <a:t>‹#›</a:t>
             </a:fld>
             <a:endParaRPr lang="en-US"/>
           </a:p>
         </p:txBody>
       </p:sp>
     </p:spTree>
-    <p:extLst>
-      <p:ext uri="{BB962C8B-B14F-4D97-AF65-F5344CB8AC3E}">
-        <p14:creationId xmlns:p14="http://schemas.microsoft.com/office/powerpoint/2010/main" val="2517224506"/>
-      </p:ext>
-    </p:extLst>
   </p:cSld>
   <p:clrMap bg1="lt1" tx1="dk1" bg2="lt2" tx2="dk2" accent1="accent1" accent2="accent2" accent3="accent3" accent4="accent4" accent5="accent5" accent6="accent6" hlink="hlink" folHlink="folHlink"/>
   <p:notesStyle>
@@ -548,7 +545,7 @@
           <a:bodyPr/>
           <a:lstStyle/>
           <a:p>
-            <a:pPr marL="0" marR="0" lvl="0" indent="0" algn="r" defTabSz="1828434" rtl="0" eaLnBrk="1" fontAlgn="auto" latinLnBrk="0" hangingPunct="1">
+            <a:pPr marL="0" marR="0" lvl="0" indent="0" algn="r" defTabSz="1828165" rtl="0" eaLnBrk="1" fontAlgn="auto" latinLnBrk="0" hangingPunct="1">
               <a:lnSpc>
                 <a:spcPct val="100000"/>
               </a:lnSpc>
@@ -562,7 +559,6 @@
               <a:buSzTx/>
               <a:buFontTx/>
               <a:buNone/>
-              <a:tabLst/>
               <a:defRPr/>
             </a:pPr>
             <a:fld id="{006BE02D-20C0-F840-AFAC-BEA99C74FDC2}" type="slidenum">
@@ -576,28 +572,10 @@
                 <a:effectLst/>
                 <a:uLnTx/>
                 <a:uFillTx/>
-                <a:latin typeface="Calibri Light"/>
+                <a:latin typeface="Calibri Light" panose="020F0302020204030204"/>
                 <a:ea typeface="+mn-ea"/>
                 <a:cs typeface="+mn-cs"/>
               </a:rPr>
-              <a:pPr marL="0" marR="0" lvl="0" indent="0" algn="r" defTabSz="1828434" rtl="0" eaLnBrk="1" fontAlgn="auto" latinLnBrk="0" hangingPunct="1">
-                <a:lnSpc>
-                  <a:spcPct val="100000"/>
-                </a:lnSpc>
-                <a:spcBef>
-                  <a:spcPts val="0"/>
-                </a:spcBef>
-                <a:spcAft>
-                  <a:spcPts val="0"/>
-                </a:spcAft>
-                <a:buClrTx/>
-                <a:buSzTx/>
-                <a:buFontTx/>
-                <a:buNone/>
-                <a:tabLst/>
-                <a:defRPr/>
-              </a:pPr>
-              <a:t>1</a:t>
             </a:fld>
             <a:endParaRPr kumimoji="0" lang="en-US" sz="1200" b="0" i="0" u="none" strike="noStrike" kern="1200" cap="none" spc="0" normalizeH="0" baseline="0" noProof="0" dirty="0">
               <a:ln>
@@ -609,7 +587,7 @@
               <a:effectLst/>
               <a:uLnTx/>
               <a:uFillTx/>
-              <a:latin typeface="Calibri Light"/>
+              <a:latin typeface="Calibri Light" panose="020F0302020204030204"/>
               <a:ea typeface="+mn-ea"/>
               <a:cs typeface="+mn-cs"/>
             </a:endParaRPr>
@@ -617,11 +595,6 @@
         </p:txBody>
       </p:sp>
     </p:spTree>
-    <p:extLst>
-      <p:ext uri="{BB962C8B-B14F-4D97-AF65-F5344CB8AC3E}">
-        <p14:creationId xmlns:p14="http://schemas.microsoft.com/office/powerpoint/2010/main" val="31561990"/>
-      </p:ext>
-    </p:extLst>
   </p:cSld>
   <p:clrMapOvr>
     <a:masterClrMapping/>
@@ -692,7 +665,7 @@
           <a:bodyPr/>
           <a:lstStyle/>
           <a:p>
-            <a:pPr marL="0" marR="0" lvl="0" indent="0" algn="r" defTabSz="1828434" rtl="0" eaLnBrk="1" fontAlgn="auto" latinLnBrk="0" hangingPunct="1">
+            <a:pPr marL="0" marR="0" lvl="0" indent="0" algn="r" defTabSz="1828165" rtl="0" eaLnBrk="1" fontAlgn="auto" latinLnBrk="0" hangingPunct="1">
               <a:lnSpc>
                 <a:spcPct val="100000"/>
               </a:lnSpc>
@@ -706,7 +679,6 @@
               <a:buSzTx/>
               <a:buFontTx/>
               <a:buNone/>
-              <a:tabLst/>
               <a:defRPr/>
             </a:pPr>
             <a:fld id="{006BE02D-20C0-F840-AFAC-BEA99C74FDC2}" type="slidenum">
@@ -720,28 +692,10 @@
                 <a:effectLst/>
                 <a:uLnTx/>
                 <a:uFillTx/>
-                <a:latin typeface="Calibri Light"/>
+                <a:latin typeface="Calibri Light" panose="020F0302020204030204"/>
                 <a:ea typeface="+mn-ea"/>
                 <a:cs typeface="+mn-cs"/>
               </a:rPr>
-              <a:pPr marL="0" marR="0" lvl="0" indent="0" algn="r" defTabSz="1828434" rtl="0" eaLnBrk="1" fontAlgn="auto" latinLnBrk="0" hangingPunct="1">
-                <a:lnSpc>
-                  <a:spcPct val="100000"/>
-                </a:lnSpc>
-                <a:spcBef>
-                  <a:spcPts val="0"/>
-                </a:spcBef>
-                <a:spcAft>
-                  <a:spcPts val="0"/>
-                </a:spcAft>
-                <a:buClrTx/>
-                <a:buSzTx/>
-                <a:buFontTx/>
-                <a:buNone/>
-                <a:tabLst/>
-                <a:defRPr/>
-              </a:pPr>
-              <a:t>2</a:t>
             </a:fld>
             <a:endParaRPr kumimoji="0" lang="en-US" sz="1200" b="0" i="0" u="none" strike="noStrike" kern="1200" cap="none" spc="0" normalizeH="0" baseline="0" noProof="0" dirty="0">
               <a:ln>
@@ -753,7 +707,7 @@
               <a:effectLst/>
               <a:uLnTx/>
               <a:uFillTx/>
-              <a:latin typeface="Calibri Light"/>
+              <a:latin typeface="Calibri Light" panose="020F0302020204030204"/>
               <a:ea typeface="+mn-ea"/>
               <a:cs typeface="+mn-cs"/>
             </a:endParaRPr>
@@ -761,11 +715,6 @@
         </p:txBody>
       </p:sp>
     </p:spTree>
-    <p:extLst>
-      <p:ext uri="{BB962C8B-B14F-4D97-AF65-F5344CB8AC3E}">
-        <p14:creationId xmlns:p14="http://schemas.microsoft.com/office/powerpoint/2010/main" val="992236822"/>
-      </p:ext>
-    </p:extLst>
   </p:cSld>
   <p:clrMapOvr>
     <a:masterClrMapping/>
@@ -836,7 +785,7 @@
           <a:bodyPr/>
           <a:lstStyle/>
           <a:p>
-            <a:pPr marL="0" marR="0" lvl="0" indent="0" algn="r" defTabSz="1828434" rtl="0" eaLnBrk="1" fontAlgn="auto" latinLnBrk="0" hangingPunct="1">
+            <a:pPr marL="0" marR="0" lvl="0" indent="0" algn="r" defTabSz="1828165" rtl="0" eaLnBrk="1" fontAlgn="auto" latinLnBrk="0" hangingPunct="1">
               <a:lnSpc>
                 <a:spcPct val="100000"/>
               </a:lnSpc>
@@ -850,7 +799,6 @@
               <a:buSzTx/>
               <a:buFontTx/>
               <a:buNone/>
-              <a:tabLst/>
               <a:defRPr/>
             </a:pPr>
             <a:fld id="{006BE02D-20C0-F840-AFAC-BEA99C74FDC2}" type="slidenum">
@@ -864,28 +812,10 @@
                 <a:effectLst/>
                 <a:uLnTx/>
                 <a:uFillTx/>
-                <a:latin typeface="Calibri Light"/>
+                <a:latin typeface="Calibri Light" panose="020F0302020204030204"/>
                 <a:ea typeface="+mn-ea"/>
                 <a:cs typeface="+mn-cs"/>
               </a:rPr>
-              <a:pPr marL="0" marR="0" lvl="0" indent="0" algn="r" defTabSz="1828434" rtl="0" eaLnBrk="1" fontAlgn="auto" latinLnBrk="0" hangingPunct="1">
-                <a:lnSpc>
-                  <a:spcPct val="100000"/>
-                </a:lnSpc>
-                <a:spcBef>
-                  <a:spcPts val="0"/>
-                </a:spcBef>
-                <a:spcAft>
-                  <a:spcPts val="0"/>
-                </a:spcAft>
-                <a:buClrTx/>
-                <a:buSzTx/>
-                <a:buFontTx/>
-                <a:buNone/>
-                <a:tabLst/>
-                <a:defRPr/>
-              </a:pPr>
-              <a:t>3</a:t>
             </a:fld>
             <a:endParaRPr kumimoji="0" lang="en-US" sz="1200" b="0" i="0" u="none" strike="noStrike" kern="1200" cap="none" spc="0" normalizeH="0" baseline="0" noProof="0" dirty="0">
               <a:ln>
@@ -897,7 +827,7 @@
               <a:effectLst/>
               <a:uLnTx/>
               <a:uFillTx/>
-              <a:latin typeface="Calibri Light"/>
+              <a:latin typeface="Calibri Light" panose="020F0302020204030204"/>
               <a:ea typeface="+mn-ea"/>
               <a:cs typeface="+mn-cs"/>
             </a:endParaRPr>
@@ -905,11 +835,6 @@
         </p:txBody>
       </p:sp>
     </p:spTree>
-    <p:extLst>
-      <p:ext uri="{BB962C8B-B14F-4D97-AF65-F5344CB8AC3E}">
-        <p14:creationId xmlns:p14="http://schemas.microsoft.com/office/powerpoint/2010/main" val="2233094762"/>
-      </p:ext>
-    </p:extLst>
   </p:cSld>
   <p:clrMapOvr>
     <a:masterClrMapping/>
@@ -980,7 +905,7 @@
           <a:bodyPr/>
           <a:lstStyle/>
           <a:p>
-            <a:pPr marL="0" marR="0" lvl="0" indent="0" algn="r" defTabSz="1828434" rtl="0" eaLnBrk="1" fontAlgn="auto" latinLnBrk="0" hangingPunct="1">
+            <a:pPr marL="0" marR="0" lvl="0" indent="0" algn="r" defTabSz="1828165" rtl="0" eaLnBrk="1" fontAlgn="auto" latinLnBrk="0" hangingPunct="1">
               <a:lnSpc>
                 <a:spcPct val="100000"/>
               </a:lnSpc>
@@ -994,7 +919,6 @@
               <a:buSzTx/>
               <a:buFontTx/>
               <a:buNone/>
-              <a:tabLst/>
               <a:defRPr/>
             </a:pPr>
             <a:fld id="{006BE02D-20C0-F840-AFAC-BEA99C74FDC2}" type="slidenum">
@@ -1008,28 +932,10 @@
                 <a:effectLst/>
                 <a:uLnTx/>
                 <a:uFillTx/>
-                <a:latin typeface="Calibri Light"/>
+                <a:latin typeface="Calibri Light" panose="020F0302020204030204"/>
                 <a:ea typeface="+mn-ea"/>
                 <a:cs typeface="+mn-cs"/>
               </a:rPr>
-              <a:pPr marL="0" marR="0" lvl="0" indent="0" algn="r" defTabSz="1828434" rtl="0" eaLnBrk="1" fontAlgn="auto" latinLnBrk="0" hangingPunct="1">
-                <a:lnSpc>
-                  <a:spcPct val="100000"/>
-                </a:lnSpc>
-                <a:spcBef>
-                  <a:spcPts val="0"/>
-                </a:spcBef>
-                <a:spcAft>
-                  <a:spcPts val="0"/>
-                </a:spcAft>
-                <a:buClrTx/>
-                <a:buSzTx/>
-                <a:buFontTx/>
-                <a:buNone/>
-                <a:tabLst/>
-                <a:defRPr/>
-              </a:pPr>
-              <a:t>4</a:t>
             </a:fld>
             <a:endParaRPr kumimoji="0" lang="en-US" sz="1200" b="0" i="0" u="none" strike="noStrike" kern="1200" cap="none" spc="0" normalizeH="0" baseline="0" noProof="0" dirty="0">
               <a:ln>
@@ -1041,7 +947,7 @@
               <a:effectLst/>
               <a:uLnTx/>
               <a:uFillTx/>
-              <a:latin typeface="Calibri Light"/>
+              <a:latin typeface="Calibri Light" panose="020F0302020204030204"/>
               <a:ea typeface="+mn-ea"/>
               <a:cs typeface="+mn-cs"/>
             </a:endParaRPr>
@@ -1049,11 +955,6 @@
         </p:txBody>
       </p:sp>
     </p:spTree>
-    <p:extLst>
-      <p:ext uri="{BB962C8B-B14F-4D97-AF65-F5344CB8AC3E}">
-        <p14:creationId xmlns:p14="http://schemas.microsoft.com/office/powerpoint/2010/main" val="1138431703"/>
-      </p:ext>
-    </p:extLst>
   </p:cSld>
   <p:clrMapOvr>
     <a:masterClrMapping/>
@@ -1124,7 +1025,7 @@
           <a:bodyPr/>
           <a:lstStyle/>
           <a:p>
-            <a:pPr marL="0" marR="0" lvl="0" indent="0" algn="r" defTabSz="1828434" rtl="0" eaLnBrk="1" fontAlgn="auto" latinLnBrk="0" hangingPunct="1">
+            <a:pPr marL="0" marR="0" lvl="0" indent="0" algn="r" defTabSz="1828165" rtl="0" eaLnBrk="1" fontAlgn="auto" latinLnBrk="0" hangingPunct="1">
               <a:lnSpc>
                 <a:spcPct val="100000"/>
               </a:lnSpc>
@@ -1138,7 +1039,6 @@
               <a:buSzTx/>
               <a:buFontTx/>
               <a:buNone/>
-              <a:tabLst/>
               <a:defRPr/>
             </a:pPr>
             <a:fld id="{006BE02D-20C0-F840-AFAC-BEA99C74FDC2}" type="slidenum">
@@ -1152,28 +1052,10 @@
                 <a:effectLst/>
                 <a:uLnTx/>
                 <a:uFillTx/>
-                <a:latin typeface="Calibri Light"/>
+                <a:latin typeface="Calibri Light" panose="020F0302020204030204"/>
                 <a:ea typeface="+mn-ea"/>
                 <a:cs typeface="+mn-cs"/>
               </a:rPr>
-              <a:pPr marL="0" marR="0" lvl="0" indent="0" algn="r" defTabSz="1828434" rtl="0" eaLnBrk="1" fontAlgn="auto" latinLnBrk="0" hangingPunct="1">
-                <a:lnSpc>
-                  <a:spcPct val="100000"/>
-                </a:lnSpc>
-                <a:spcBef>
-                  <a:spcPts val="0"/>
-                </a:spcBef>
-                <a:spcAft>
-                  <a:spcPts val="0"/>
-                </a:spcAft>
-                <a:buClrTx/>
-                <a:buSzTx/>
-                <a:buFontTx/>
-                <a:buNone/>
-                <a:tabLst/>
-                <a:defRPr/>
-              </a:pPr>
-              <a:t>5</a:t>
             </a:fld>
             <a:endParaRPr kumimoji="0" lang="en-US" sz="1200" b="0" i="0" u="none" strike="noStrike" kern="1200" cap="none" spc="0" normalizeH="0" baseline="0" noProof="0" dirty="0">
               <a:ln>
@@ -1185,7 +1067,7 @@
               <a:effectLst/>
               <a:uLnTx/>
               <a:uFillTx/>
-              <a:latin typeface="Calibri Light"/>
+              <a:latin typeface="Calibri Light" panose="020F0302020204030204"/>
               <a:ea typeface="+mn-ea"/>
               <a:cs typeface="+mn-cs"/>
             </a:endParaRPr>
@@ -1193,11 +1075,6 @@
         </p:txBody>
       </p:sp>
     </p:spTree>
-    <p:extLst>
-      <p:ext uri="{BB962C8B-B14F-4D97-AF65-F5344CB8AC3E}">
-        <p14:creationId xmlns:p14="http://schemas.microsoft.com/office/powerpoint/2010/main" val="264934638"/>
-      </p:ext>
-    </p:extLst>
   </p:cSld>
   <p:clrMapOvr>
     <a:masterClrMapping/>
@@ -1268,7 +1145,7 @@
           <a:bodyPr/>
           <a:lstStyle/>
           <a:p>
-            <a:pPr marL="0" marR="0" lvl="0" indent="0" algn="r" defTabSz="1828434" rtl="0" eaLnBrk="1" fontAlgn="auto" latinLnBrk="0" hangingPunct="1">
+            <a:pPr marL="0" marR="0" lvl="0" indent="0" algn="r" defTabSz="1828165" rtl="0" eaLnBrk="1" fontAlgn="auto" latinLnBrk="0" hangingPunct="1">
               <a:lnSpc>
                 <a:spcPct val="100000"/>
               </a:lnSpc>
@@ -1282,7 +1159,6 @@
               <a:buSzTx/>
               <a:buFontTx/>
               <a:buNone/>
-              <a:tabLst/>
               <a:defRPr/>
             </a:pPr>
             <a:fld id="{006BE02D-20C0-F840-AFAC-BEA99C74FDC2}" type="slidenum">
@@ -1296,28 +1172,10 @@
                 <a:effectLst/>
                 <a:uLnTx/>
                 <a:uFillTx/>
-                <a:latin typeface="Calibri Light"/>
+                <a:latin typeface="Calibri Light" panose="020F0302020204030204"/>
                 <a:ea typeface="+mn-ea"/>
                 <a:cs typeface="+mn-cs"/>
               </a:rPr>
-              <a:pPr marL="0" marR="0" lvl="0" indent="0" algn="r" defTabSz="1828434" rtl="0" eaLnBrk="1" fontAlgn="auto" latinLnBrk="0" hangingPunct="1">
-                <a:lnSpc>
-                  <a:spcPct val="100000"/>
-                </a:lnSpc>
-                <a:spcBef>
-                  <a:spcPts val="0"/>
-                </a:spcBef>
-                <a:spcAft>
-                  <a:spcPts val="0"/>
-                </a:spcAft>
-                <a:buClrTx/>
-                <a:buSzTx/>
-                <a:buFontTx/>
-                <a:buNone/>
-                <a:tabLst/>
-                <a:defRPr/>
-              </a:pPr>
-              <a:t>7</a:t>
             </a:fld>
             <a:endParaRPr kumimoji="0" lang="en-US" sz="1200" b="0" i="0" u="none" strike="noStrike" kern="1200" cap="none" spc="0" normalizeH="0" baseline="0" noProof="0" dirty="0">
               <a:ln>
@@ -1329,7 +1187,7 @@
               <a:effectLst/>
               <a:uLnTx/>
               <a:uFillTx/>
-              <a:latin typeface="Calibri Light"/>
+              <a:latin typeface="Calibri Light" panose="020F0302020204030204"/>
               <a:ea typeface="+mn-ea"/>
               <a:cs typeface="+mn-cs"/>
             </a:endParaRPr>
@@ -1337,11 +1195,6 @@
         </p:txBody>
       </p:sp>
     </p:spTree>
-    <p:extLst>
-      <p:ext uri="{BB962C8B-B14F-4D97-AF65-F5344CB8AC3E}">
-        <p14:creationId xmlns:p14="http://schemas.microsoft.com/office/powerpoint/2010/main" val="4147332862"/>
-      </p:ext>
-    </p:extLst>
   </p:cSld>
   <p:clrMapOvr>
     <a:masterClrMapping/>
@@ -1412,7 +1265,7 @@
           <a:bodyPr/>
           <a:lstStyle/>
           <a:p>
-            <a:pPr marL="0" marR="0" lvl="0" indent="0" algn="r" defTabSz="1828434" rtl="0" eaLnBrk="1" fontAlgn="auto" latinLnBrk="0" hangingPunct="1">
+            <a:pPr marL="0" marR="0" lvl="0" indent="0" algn="r" defTabSz="1828165" rtl="0" eaLnBrk="1" fontAlgn="auto" latinLnBrk="0" hangingPunct="1">
               <a:lnSpc>
                 <a:spcPct val="100000"/>
               </a:lnSpc>
@@ -1426,7 +1279,6 @@
               <a:buSzTx/>
               <a:buFontTx/>
               <a:buNone/>
-              <a:tabLst/>
               <a:defRPr/>
             </a:pPr>
             <a:fld id="{006BE02D-20C0-F840-AFAC-BEA99C74FDC2}" type="slidenum">
@@ -1440,28 +1292,10 @@
                 <a:effectLst/>
                 <a:uLnTx/>
                 <a:uFillTx/>
-                <a:latin typeface="Calibri Light"/>
+                <a:latin typeface="Calibri Light" panose="020F0302020204030204"/>
                 <a:ea typeface="+mn-ea"/>
                 <a:cs typeface="+mn-cs"/>
               </a:rPr>
-              <a:pPr marL="0" marR="0" lvl="0" indent="0" algn="r" defTabSz="1828434" rtl="0" eaLnBrk="1" fontAlgn="auto" latinLnBrk="0" hangingPunct="1">
-                <a:lnSpc>
-                  <a:spcPct val="100000"/>
-                </a:lnSpc>
-                <a:spcBef>
-                  <a:spcPts val="0"/>
-                </a:spcBef>
-                <a:spcAft>
-                  <a:spcPts val="0"/>
-                </a:spcAft>
-                <a:buClrTx/>
-                <a:buSzTx/>
-                <a:buFontTx/>
-                <a:buNone/>
-                <a:tabLst/>
-                <a:defRPr/>
-              </a:pPr>
-              <a:t>9</a:t>
             </a:fld>
             <a:endParaRPr kumimoji="0" lang="en-US" sz="1200" b="0" i="0" u="none" strike="noStrike" kern="1200" cap="none" spc="0" normalizeH="0" baseline="0" noProof="0" dirty="0">
               <a:ln>
@@ -1473,7 +1307,7 @@
               <a:effectLst/>
               <a:uLnTx/>
               <a:uFillTx/>
-              <a:latin typeface="Calibri Light"/>
+              <a:latin typeface="Calibri Light" panose="020F0302020204030204"/>
               <a:ea typeface="+mn-ea"/>
               <a:cs typeface="+mn-cs"/>
             </a:endParaRPr>
@@ -1481,11 +1315,6 @@
         </p:txBody>
       </p:sp>
     </p:spTree>
-    <p:extLst>
-      <p:ext uri="{BB962C8B-B14F-4D97-AF65-F5344CB8AC3E}">
-        <p14:creationId xmlns:p14="http://schemas.microsoft.com/office/powerpoint/2010/main" val="3262737888"/>
-      </p:ext>
-    </p:extLst>
   </p:cSld>
   <p:clrMapOvr>
     <a:masterClrMapping/>
@@ -1556,7 +1385,7 @@
           <a:bodyPr/>
           <a:lstStyle/>
           <a:p>
-            <a:pPr marL="0" marR="0" lvl="0" indent="0" algn="r" defTabSz="1828434" rtl="0" eaLnBrk="1" fontAlgn="auto" latinLnBrk="0" hangingPunct="1">
+            <a:pPr marL="0" marR="0" lvl="0" indent="0" algn="r" defTabSz="1828165" rtl="0" eaLnBrk="1" fontAlgn="auto" latinLnBrk="0" hangingPunct="1">
               <a:lnSpc>
                 <a:spcPct val="100000"/>
               </a:lnSpc>
@@ -1570,7 +1399,6 @@
               <a:buSzTx/>
               <a:buFontTx/>
               <a:buNone/>
-              <a:tabLst/>
               <a:defRPr/>
             </a:pPr>
             <a:fld id="{006BE02D-20C0-F840-AFAC-BEA99C74FDC2}" type="slidenum">
@@ -1584,28 +1412,10 @@
                 <a:effectLst/>
                 <a:uLnTx/>
                 <a:uFillTx/>
-                <a:latin typeface="Calibri Light"/>
+                <a:latin typeface="Calibri Light" panose="020F0302020204030204"/>
                 <a:ea typeface="+mn-ea"/>
                 <a:cs typeface="+mn-cs"/>
               </a:rPr>
-              <a:pPr marL="0" marR="0" lvl="0" indent="0" algn="r" defTabSz="1828434" rtl="0" eaLnBrk="1" fontAlgn="auto" latinLnBrk="0" hangingPunct="1">
-                <a:lnSpc>
-                  <a:spcPct val="100000"/>
-                </a:lnSpc>
-                <a:spcBef>
-                  <a:spcPts val="0"/>
-                </a:spcBef>
-                <a:spcAft>
-                  <a:spcPts val="0"/>
-                </a:spcAft>
-                <a:buClrTx/>
-                <a:buSzTx/>
-                <a:buFontTx/>
-                <a:buNone/>
-                <a:tabLst/>
-                <a:defRPr/>
-              </a:pPr>
-              <a:t>19</a:t>
             </a:fld>
             <a:endParaRPr kumimoji="0" lang="en-US" sz="1200" b="0" i="0" u="none" strike="noStrike" kern="1200" cap="none" spc="0" normalizeH="0" baseline="0" noProof="0" dirty="0">
               <a:ln>
@@ -1617,7 +1427,7 @@
               <a:effectLst/>
               <a:uLnTx/>
               <a:uFillTx/>
-              <a:latin typeface="Calibri Light"/>
+              <a:latin typeface="Calibri Light" panose="020F0302020204030204"/>
               <a:ea typeface="+mn-ea"/>
               <a:cs typeface="+mn-cs"/>
             </a:endParaRPr>
@@ -1625,155 +1435,6 @@
         </p:txBody>
       </p:sp>
     </p:spTree>
-    <p:extLst>
-      <p:ext uri="{BB962C8B-B14F-4D97-AF65-F5344CB8AC3E}">
-        <p14:creationId xmlns:p14="http://schemas.microsoft.com/office/powerpoint/2010/main" val="2361478814"/>
-      </p:ext>
-    </p:extLst>
-  </p:cSld>
-  <p:clrMapOvr>
-    <a:masterClrMapping/>
-  </p:clrMapOvr>
-</p:notes>
-</file>
-
-<file path=ppt/notesSlides/notesSlide9.xml><?xml version="1.0" encoding="utf-8"?>
-<p:notes xmlns:a="http://schemas.openxmlformats.org/drawingml/2006/main" xmlns:r="http://schemas.openxmlformats.org/officeDocument/2006/relationships" xmlns:p="http://schemas.openxmlformats.org/presentationml/2006/main">
-  <p:cSld>
-    <p:spTree>
-      <p:nvGrpSpPr>
-        <p:cNvPr id="1" name=""/>
-        <p:cNvGrpSpPr/>
-        <p:nvPr/>
-      </p:nvGrpSpPr>
-      <p:grpSpPr>
-        <a:xfrm>
-          <a:off x="0" y="0"/>
-          <a:ext cx="0" cy="0"/>
-          <a:chOff x="0" y="0"/>
-          <a:chExt cx="0" cy="0"/>
-        </a:xfrm>
-      </p:grpSpPr>
-      <p:sp>
-        <p:nvSpPr>
-          <p:cNvPr id="2" name="Slide Image Placeholder 1"/>
-          <p:cNvSpPr>
-            <a:spLocks noGrp="1" noRot="1" noChangeAspect="1"/>
-          </p:cNvSpPr>
-          <p:nvPr>
-            <p:ph type="sldImg"/>
-          </p:nvPr>
-        </p:nvSpPr>
-        <p:spPr/>
-      </p:sp>
-      <p:sp>
-        <p:nvSpPr>
-          <p:cNvPr id="3" name="Notes Placeholder 2"/>
-          <p:cNvSpPr>
-            <a:spLocks noGrp="1"/>
-          </p:cNvSpPr>
-          <p:nvPr>
-            <p:ph type="body" idx="1"/>
-          </p:nvPr>
-        </p:nvSpPr>
-        <p:spPr/>
-        <p:txBody>
-          <a:bodyPr/>
-          <a:lstStyle/>
-          <a:p>
-            <a:endParaRPr lang="en-US" dirty="0"/>
-          </a:p>
-        </p:txBody>
-      </p:sp>
-      <p:sp>
-        <p:nvSpPr>
-          <p:cNvPr id="4" name="Slide Number Placeholder 3"/>
-          <p:cNvSpPr>
-            <a:spLocks noGrp="1"/>
-          </p:cNvSpPr>
-          <p:nvPr>
-            <p:ph type="sldNum" sz="quarter" idx="10"/>
-          </p:nvPr>
-        </p:nvSpPr>
-        <p:spPr/>
-        <p:txBody>
-          <a:bodyPr/>
-          <a:lstStyle/>
-          <a:p>
-            <a:pPr marL="0" marR="0" lvl="0" indent="0" algn="r" defTabSz="1828434" rtl="0" eaLnBrk="1" fontAlgn="auto" latinLnBrk="0" hangingPunct="1">
-              <a:lnSpc>
-                <a:spcPct val="100000"/>
-              </a:lnSpc>
-              <a:spcBef>
-                <a:spcPts val="0"/>
-              </a:spcBef>
-              <a:spcAft>
-                <a:spcPts val="0"/>
-              </a:spcAft>
-              <a:buClrTx/>
-              <a:buSzTx/>
-              <a:buFontTx/>
-              <a:buNone/>
-              <a:tabLst/>
-              <a:defRPr/>
-            </a:pPr>
-            <a:fld id="{006BE02D-20C0-F840-AFAC-BEA99C74FDC2}" type="slidenum">
-              <a:rPr kumimoji="0" lang="en-US" sz="1200" b="0" i="0" u="none" strike="noStrike" kern="1200" cap="none" spc="0" normalizeH="0" baseline="0" noProof="0" smtClean="0">
-                <a:ln>
-                  <a:noFill/>
-                </a:ln>
-                <a:solidFill>
-                  <a:prstClr val="black"/>
-                </a:solidFill>
-                <a:effectLst/>
-                <a:uLnTx/>
-                <a:uFillTx/>
-                <a:latin typeface="Calibri Light"/>
-                <a:ea typeface="+mn-ea"/>
-                <a:cs typeface="+mn-cs"/>
-              </a:rPr>
-              <a:pPr marL="0" marR="0" lvl="0" indent="0" algn="r" defTabSz="1828434" rtl="0" eaLnBrk="1" fontAlgn="auto" latinLnBrk="0" hangingPunct="1">
-                <a:lnSpc>
-                  <a:spcPct val="100000"/>
-                </a:lnSpc>
-                <a:spcBef>
-                  <a:spcPts val="0"/>
-                </a:spcBef>
-                <a:spcAft>
-                  <a:spcPts val="0"/>
-                </a:spcAft>
-                <a:buClrTx/>
-                <a:buSzTx/>
-                <a:buFontTx/>
-                <a:buNone/>
-                <a:tabLst/>
-                <a:defRPr/>
-              </a:pPr>
-              <a:t>21</a:t>
-            </a:fld>
-            <a:endParaRPr kumimoji="0" lang="en-US" sz="1200" b="0" i="0" u="none" strike="noStrike" kern="1200" cap="none" spc="0" normalizeH="0" baseline="0" noProof="0" dirty="0">
-              <a:ln>
-                <a:noFill/>
-              </a:ln>
-              <a:solidFill>
-                <a:prstClr val="black"/>
-              </a:solidFill>
-              <a:effectLst/>
-              <a:uLnTx/>
-              <a:uFillTx/>
-              <a:latin typeface="Calibri Light"/>
-              <a:ea typeface="+mn-ea"/>
-              <a:cs typeface="+mn-cs"/>
-            </a:endParaRPr>
-          </a:p>
-        </p:txBody>
-      </p:sp>
-    </p:spTree>
-    <p:extLst>
-      <p:ext uri="{BB962C8B-B14F-4D97-AF65-F5344CB8AC3E}">
-        <p14:creationId xmlns:p14="http://schemas.microsoft.com/office/powerpoint/2010/main" val="190699575"/>
-      </p:ext>
-    </p:extLst>
   </p:cSld>
   <p:clrMapOvr>
     <a:masterClrMapping/>
@@ -1799,11 +1460,6 @@
         </a:xfrm>
       </p:grpSpPr>
     </p:spTree>
-    <p:extLst>
-      <p:ext uri="{BB962C8B-B14F-4D97-AF65-F5344CB8AC3E}">
-        <p14:creationId xmlns:p14="http://schemas.microsoft.com/office/powerpoint/2010/main" val="730138091"/>
-      </p:ext>
-    </p:extLst>
   </p:cSld>
   <p:clrMapOvr>
     <a:masterClrMapping/>
@@ -1934,11 +1590,6 @@
         </p:txBody>
       </p:sp>
     </p:spTree>
-    <p:extLst>
-      <p:ext uri="{BB962C8B-B14F-4D97-AF65-F5344CB8AC3E}">
-        <p14:creationId xmlns:p14="http://schemas.microsoft.com/office/powerpoint/2010/main" val="3411455530"/>
-      </p:ext>
-    </p:extLst>
   </p:cSld>
   <p:clrMapOvr>
     <a:masterClrMapping/>
@@ -1999,11 +1650,6 @@
         </p:txBody>
       </p:sp>
     </p:spTree>
-    <p:extLst>
-      <p:ext uri="{BB962C8B-B14F-4D97-AF65-F5344CB8AC3E}">
-        <p14:creationId xmlns:p14="http://schemas.microsoft.com/office/powerpoint/2010/main" val="3163552728"/>
-      </p:ext>
-    </p:extLst>
   </p:cSld>
   <p:clrMapOvr>
     <a:masterClrMapping/>
@@ -2119,11 +1765,6 @@
         </p:txBody>
       </p:sp>
     </p:spTree>
-    <p:extLst>
-      <p:ext uri="{BB962C8B-B14F-4D97-AF65-F5344CB8AC3E}">
-        <p14:creationId xmlns:p14="http://schemas.microsoft.com/office/powerpoint/2010/main" val="215878149"/>
-      </p:ext>
-    </p:extLst>
   </p:cSld>
   <p:clrMapOvr>
     <a:masterClrMapping/>
@@ -2179,11 +1820,6 @@
         </p:txBody>
       </p:sp>
     </p:spTree>
-    <p:extLst>
-      <p:ext uri="{BB962C8B-B14F-4D97-AF65-F5344CB8AC3E}">
-        <p14:creationId xmlns:p14="http://schemas.microsoft.com/office/powerpoint/2010/main" val="2881843502"/>
-      </p:ext>
-    </p:extLst>
   </p:cSld>
   <p:clrMapOvr>
     <a:masterClrMapping/>
@@ -2279,11 +1915,6 @@
         </p:txBody>
       </p:sp>
     </p:spTree>
-    <p:extLst>
-      <p:ext uri="{BB962C8B-B14F-4D97-AF65-F5344CB8AC3E}">
-        <p14:creationId xmlns:p14="http://schemas.microsoft.com/office/powerpoint/2010/main" val="573301508"/>
-      </p:ext>
-    </p:extLst>
   </p:cSld>
   <p:clrMapOvr>
     <a:masterClrMapping/>
@@ -2344,11 +1975,6 @@
         </p:txBody>
       </p:sp>
     </p:spTree>
-    <p:extLst>
-      <p:ext uri="{BB962C8B-B14F-4D97-AF65-F5344CB8AC3E}">
-        <p14:creationId xmlns:p14="http://schemas.microsoft.com/office/powerpoint/2010/main" val="2162208498"/>
-      </p:ext>
-    </p:extLst>
   </p:cSld>
   <p:clrMapOvr>
     <a:masterClrMapping/>
@@ -2584,11 +2210,6 @@
         </p:txBody>
       </p:sp>
     </p:spTree>
-    <p:extLst>
-      <p:ext uri="{BB962C8B-B14F-4D97-AF65-F5344CB8AC3E}">
-        <p14:creationId xmlns:p14="http://schemas.microsoft.com/office/powerpoint/2010/main" val="2100718020"/>
-      </p:ext>
-    </p:extLst>
   </p:cSld>
   <p:clrMapOvr>
     <a:masterClrMapping/>
@@ -2824,11 +2445,6 @@
         </p:txBody>
       </p:sp>
     </p:spTree>
-    <p:extLst>
-      <p:ext uri="{BB962C8B-B14F-4D97-AF65-F5344CB8AC3E}">
-        <p14:creationId xmlns:p14="http://schemas.microsoft.com/office/powerpoint/2010/main" val="175426525"/>
-      </p:ext>
-    </p:extLst>
   </p:cSld>
   <p:clrMapOvr>
     <a:masterClrMapping/>
@@ -2889,11 +2505,6 @@
         </p:txBody>
       </p:sp>
     </p:spTree>
-    <p:extLst>
-      <p:ext uri="{BB962C8B-B14F-4D97-AF65-F5344CB8AC3E}">
-        <p14:creationId xmlns:p14="http://schemas.microsoft.com/office/powerpoint/2010/main" val="3087288178"/>
-      </p:ext>
-    </p:extLst>
   </p:cSld>
   <p:clrMapOvr>
     <a:masterClrMapping/>
@@ -3024,11 +2635,6 @@
         </p:txBody>
       </p:sp>
     </p:spTree>
-    <p:extLst>
-      <p:ext uri="{BB962C8B-B14F-4D97-AF65-F5344CB8AC3E}">
-        <p14:creationId xmlns:p14="http://schemas.microsoft.com/office/powerpoint/2010/main" val="410539556"/>
-      </p:ext>
-    </p:extLst>
   </p:cSld>
   <p:clrMapOvr>
     <a:masterClrMapping/>
@@ -3100,11 +2706,6 @@
         </p:txBody>
       </p:sp>
     </p:spTree>
-    <p:extLst>
-      <p:ext uri="{BB962C8B-B14F-4D97-AF65-F5344CB8AC3E}">
-        <p14:creationId xmlns:p14="http://schemas.microsoft.com/office/powerpoint/2010/main" val="1205249666"/>
-      </p:ext>
-    </p:extLst>
   </p:cSld>
   <p:clrMapOvr>
     <a:masterClrMapping/>
@@ -3165,11 +2766,6 @@
         </p:txBody>
       </p:sp>
     </p:spTree>
-    <p:extLst>
-      <p:ext uri="{BB962C8B-B14F-4D97-AF65-F5344CB8AC3E}">
-        <p14:creationId xmlns:p14="http://schemas.microsoft.com/office/powerpoint/2010/main" val="917417014"/>
-      </p:ext>
-    </p:extLst>
   </p:cSld>
   <p:clrMapOvr>
     <a:masterClrMapping/>
@@ -3230,11 +2826,6 @@
         </p:txBody>
       </p:sp>
     </p:spTree>
-    <p:extLst>
-      <p:ext uri="{BB962C8B-B14F-4D97-AF65-F5344CB8AC3E}">
-        <p14:creationId xmlns:p14="http://schemas.microsoft.com/office/powerpoint/2010/main" val="2444433162"/>
-      </p:ext>
-    </p:extLst>
   </p:cSld>
   <p:clrMapOvr>
     <a:masterClrMapping/>
@@ -3295,11 +2886,6 @@
         </p:txBody>
       </p:sp>
     </p:spTree>
-    <p:extLst>
-      <p:ext uri="{BB962C8B-B14F-4D97-AF65-F5344CB8AC3E}">
-        <p14:creationId xmlns:p14="http://schemas.microsoft.com/office/powerpoint/2010/main" val="45592980"/>
-      </p:ext>
-    </p:extLst>
   </p:cSld>
   <p:clrMapOvr>
     <a:masterClrMapping/>
@@ -3395,11 +2981,6 @@
         </p:txBody>
       </p:sp>
     </p:spTree>
-    <p:extLst>
-      <p:ext uri="{BB962C8B-B14F-4D97-AF65-F5344CB8AC3E}">
-        <p14:creationId xmlns:p14="http://schemas.microsoft.com/office/powerpoint/2010/main" val="16042255"/>
-      </p:ext>
-    </p:extLst>
   </p:cSld>
   <p:clrMapOvr>
     <a:masterClrMapping/>
@@ -3460,11 +3041,6 @@
         </p:txBody>
       </p:sp>
     </p:spTree>
-    <p:extLst>
-      <p:ext uri="{BB962C8B-B14F-4D97-AF65-F5344CB8AC3E}">
-        <p14:creationId xmlns:p14="http://schemas.microsoft.com/office/powerpoint/2010/main" val="1182851689"/>
-      </p:ext>
-    </p:extLst>
   </p:cSld>
   <p:clrMapOvr>
     <a:masterClrMapping/>
@@ -3560,11 +3136,6 @@
         </p:txBody>
       </p:sp>
     </p:spTree>
-    <p:extLst>
-      <p:ext uri="{BB962C8B-B14F-4D97-AF65-F5344CB8AC3E}">
-        <p14:creationId xmlns:p14="http://schemas.microsoft.com/office/powerpoint/2010/main" val="2192574150"/>
-      </p:ext>
-    </p:extLst>
   </p:cSld>
   <p:clrMapOvr>
     <a:masterClrMapping/>
@@ -3625,11 +3196,6 @@
         </p:txBody>
       </p:sp>
     </p:spTree>
-    <p:extLst>
-      <p:ext uri="{BB962C8B-B14F-4D97-AF65-F5344CB8AC3E}">
-        <p14:creationId xmlns:p14="http://schemas.microsoft.com/office/powerpoint/2010/main" val="1542477156"/>
-      </p:ext>
-    </p:extLst>
   </p:cSld>
   <p:clrMapOvr>
     <a:masterClrMapping/>
@@ -3690,11 +3256,6 @@
         </p:txBody>
       </p:sp>
     </p:spTree>
-    <p:extLst>
-      <p:ext uri="{BB962C8B-B14F-4D97-AF65-F5344CB8AC3E}">
-        <p14:creationId xmlns:p14="http://schemas.microsoft.com/office/powerpoint/2010/main" val="1145027354"/>
-      </p:ext>
-    </p:extLst>
   </p:cSld>
   <p:clrMapOvr>
     <a:masterClrMapping/>
@@ -3755,11 +3316,6 @@
         </p:txBody>
       </p:sp>
     </p:spTree>
-    <p:extLst>
-      <p:ext uri="{BB962C8B-B14F-4D97-AF65-F5344CB8AC3E}">
-        <p14:creationId xmlns:p14="http://schemas.microsoft.com/office/powerpoint/2010/main" val="2813293358"/>
-      </p:ext>
-    </p:extLst>
   </p:cSld>
   <p:clrMapOvr>
     <a:masterClrMapping/>
@@ -3855,11 +3411,6 @@
         </p:txBody>
       </p:sp>
     </p:spTree>
-    <p:extLst>
-      <p:ext uri="{BB962C8B-B14F-4D97-AF65-F5344CB8AC3E}">
-        <p14:creationId xmlns:p14="http://schemas.microsoft.com/office/powerpoint/2010/main" val="467571006"/>
-      </p:ext>
-    </p:extLst>
   </p:cSld>
   <p:clrMapOvr>
     <a:masterClrMapping/>
@@ -3920,11 +3471,6 @@
         </p:txBody>
       </p:sp>
     </p:spTree>
-    <p:extLst>
-      <p:ext uri="{BB962C8B-B14F-4D97-AF65-F5344CB8AC3E}">
-        <p14:creationId xmlns:p14="http://schemas.microsoft.com/office/powerpoint/2010/main" val="458787447"/>
-      </p:ext>
-    </p:extLst>
   </p:cSld>
   <p:clrMapOvr>
     <a:masterClrMapping/>
@@ -3985,11 +3531,6 @@
         </p:txBody>
       </p:sp>
     </p:spTree>
-    <p:extLst>
-      <p:ext uri="{BB962C8B-B14F-4D97-AF65-F5344CB8AC3E}">
-        <p14:creationId xmlns:p14="http://schemas.microsoft.com/office/powerpoint/2010/main" val="3730557870"/>
-      </p:ext>
-    </p:extLst>
   </p:cSld>
   <p:clrMapOvr>
     <a:masterClrMapping/>
@@ -4050,11 +3591,6 @@
         </p:txBody>
       </p:sp>
     </p:spTree>
-    <p:extLst>
-      <p:ext uri="{BB962C8B-B14F-4D97-AF65-F5344CB8AC3E}">
-        <p14:creationId xmlns:p14="http://schemas.microsoft.com/office/powerpoint/2010/main" val="2257657857"/>
-      </p:ext>
-    </p:extLst>
   </p:cSld>
   <p:clrMapOvr>
     <a:masterClrMapping/>
@@ -4140,11 +3676,6 @@
         </p:txBody>
       </p:sp>
     </p:spTree>
-    <p:extLst>
-      <p:ext uri="{BB962C8B-B14F-4D97-AF65-F5344CB8AC3E}">
-        <p14:creationId xmlns:p14="http://schemas.microsoft.com/office/powerpoint/2010/main" val="3222482832"/>
-      </p:ext>
-    </p:extLst>
   </p:cSld>
   <p:clrMapOvr>
     <a:masterClrMapping/>
@@ -4207,6 +3738,7 @@
               <a:rPr lang="en-US" dirty="0"/>
               <a:t>Click to edit Master text styles</a:t>
             </a:r>
+            <a:endParaRPr lang="en-US" dirty="0"/>
           </a:p>
           <a:p>
             <a:pPr lvl="1"/>
@@ -4214,6 +3746,7 @@
               <a:rPr lang="en-US" dirty="0"/>
               <a:t>Second level</a:t>
             </a:r>
+            <a:endParaRPr lang="en-US" dirty="0"/>
           </a:p>
           <a:p>
             <a:pPr lvl="2"/>
@@ -4221,6 +3754,7 @@
               <a:rPr lang="en-US" dirty="0"/>
               <a:t>Third level</a:t>
             </a:r>
+            <a:endParaRPr lang="en-US" dirty="0"/>
           </a:p>
           <a:p>
             <a:pPr lvl="3"/>
@@ -4228,6 +3762,7 @@
               <a:rPr lang="en-US" dirty="0"/>
               <a:t>Fourth level</a:t>
             </a:r>
+            <a:endParaRPr lang="en-US" dirty="0"/>
           </a:p>
           <a:p>
             <a:pPr lvl="4"/>
@@ -4235,6 +3770,7 @@
               <a:rPr lang="en-US" dirty="0"/>
               <a:t>Fifth level</a:t>
             </a:r>
+            <a:endParaRPr lang="en-US" dirty="0"/>
           </a:p>
         </p:txBody>
       </p:sp>
@@ -4267,6 +3803,7 @@
               <a:rPr lang="en-US"/>
               <a:t>Click to edit Master title style</a:t>
             </a:r>
+            <a:endParaRPr lang="en-US"/>
           </a:p>
         </p:txBody>
       </p:sp>
@@ -4302,8 +3839,6 @@
                 <a:ea typeface="Montserrat Light" charset="0"/>
                 <a:cs typeface="Montserrat Light" charset="0"/>
               </a:rPr>
-              <a:pPr algn="ctr"/>
-              <a:t>‹#›</a:t>
             </a:fld>
             <a:r>
               <a:rPr lang="id-ID" sz="1400" b="0" i="0" dirty="0">
@@ -4316,49 +3851,52 @@
               </a:rPr>
               <a:t>  </a:t>
             </a:r>
+            <a:endParaRPr lang="id-ID" sz="1400" b="0" i="0" dirty="0">
+              <a:solidFill>
+                <a:schemeClr val="tx2"/>
+              </a:solidFill>
+              <a:latin typeface="Montserrat Light" charset="0"/>
+              <a:ea typeface="Montserrat Light" charset="0"/>
+              <a:cs typeface="Montserrat Light" charset="0"/>
+            </a:endParaRPr>
           </a:p>
         </p:txBody>
       </p:sp>
     </p:spTree>
-    <p:extLst>
-      <p:ext uri="{BB962C8B-B14F-4D97-AF65-F5344CB8AC3E}">
-        <p14:creationId xmlns:p14="http://schemas.microsoft.com/office/powerpoint/2010/main" val="2409943865"/>
-      </p:ext>
-    </p:extLst>
   </p:cSld>
   <p:clrMap bg1="lt1" tx1="dk1" bg2="lt2" tx2="dk2" accent1="accent1" accent2="accent2" accent3="accent3" accent4="accent4" accent5="accent5" accent6="accent6" hlink="hlink" folHlink="folHlink"/>
   <p:sldLayoutIdLst>
-    <p:sldLayoutId id="2147483661" r:id="rId1"/>
-    <p:sldLayoutId id="2147483662" r:id="rId2"/>
-    <p:sldLayoutId id="2147483663" r:id="rId3"/>
-    <p:sldLayoutId id="2147483664" r:id="rId4"/>
-    <p:sldLayoutId id="2147483665" r:id="rId5"/>
-    <p:sldLayoutId id="2147483666" r:id="rId6"/>
-    <p:sldLayoutId id="2147483667" r:id="rId7"/>
-    <p:sldLayoutId id="2147483668" r:id="rId8"/>
-    <p:sldLayoutId id="2147483669" r:id="rId9"/>
-    <p:sldLayoutId id="2147483670" r:id="rId10"/>
-    <p:sldLayoutId id="2147483671" r:id="rId11"/>
-    <p:sldLayoutId id="2147483672" r:id="rId12"/>
-    <p:sldLayoutId id="2147483673" r:id="rId13"/>
-    <p:sldLayoutId id="2147483674" r:id="rId14"/>
-    <p:sldLayoutId id="2147483675" r:id="rId15"/>
-    <p:sldLayoutId id="2147483676" r:id="rId16"/>
-    <p:sldLayoutId id="2147483677" r:id="rId17"/>
-    <p:sldLayoutId id="2147483678" r:id="rId18"/>
-    <p:sldLayoutId id="2147483679" r:id="rId19"/>
-    <p:sldLayoutId id="2147483680" r:id="rId20"/>
-    <p:sldLayoutId id="2147483681" r:id="rId21"/>
-    <p:sldLayoutId id="2147483682" r:id="rId22"/>
-    <p:sldLayoutId id="2147483683" r:id="rId23"/>
-    <p:sldLayoutId id="2147483684" r:id="rId24"/>
-    <p:sldLayoutId id="2147483685" r:id="rId25"/>
-    <p:sldLayoutId id="2147483686" r:id="rId26"/>
+    <p:sldLayoutId id="2147483649" r:id="rId1"/>
+    <p:sldLayoutId id="2147483650" r:id="rId2"/>
+    <p:sldLayoutId id="2147483651" r:id="rId3"/>
+    <p:sldLayoutId id="2147483652" r:id="rId4"/>
+    <p:sldLayoutId id="2147483653" r:id="rId5"/>
+    <p:sldLayoutId id="2147483654" r:id="rId6"/>
+    <p:sldLayoutId id="2147483655" r:id="rId7"/>
+    <p:sldLayoutId id="2147483656" r:id="rId8"/>
+    <p:sldLayoutId id="2147483657" r:id="rId9"/>
+    <p:sldLayoutId id="2147483658" r:id="rId10"/>
+    <p:sldLayoutId id="2147483659" r:id="rId11"/>
+    <p:sldLayoutId id="2147483660" r:id="rId12"/>
+    <p:sldLayoutId id="2147483661" r:id="rId13"/>
+    <p:sldLayoutId id="2147483662" r:id="rId14"/>
+    <p:sldLayoutId id="2147483663" r:id="rId15"/>
+    <p:sldLayoutId id="2147483664" r:id="rId16"/>
+    <p:sldLayoutId id="2147483665" r:id="rId17"/>
+    <p:sldLayoutId id="2147483666" r:id="rId18"/>
+    <p:sldLayoutId id="2147483667" r:id="rId19"/>
+    <p:sldLayoutId id="2147483668" r:id="rId20"/>
+    <p:sldLayoutId id="2147483669" r:id="rId21"/>
+    <p:sldLayoutId id="2147483670" r:id="rId22"/>
+    <p:sldLayoutId id="2147483671" r:id="rId23"/>
+    <p:sldLayoutId id="2147483672" r:id="rId24"/>
+    <p:sldLayoutId id="2147483673" r:id="rId25"/>
+    <p:sldLayoutId id="2147483674" r:id="rId26"/>
   </p:sldLayoutIdLst>
   <p:hf hdr="0" ftr="0" dt="0"/>
   <p:txStyles>
     <p:titleStyle>
-      <a:lvl1pPr algn="l" defTabSz="914217" rtl="0" eaLnBrk="1" latinLnBrk="0" hangingPunct="1">
+      <a:lvl1pPr algn="l" defTabSz="914400" rtl="0" eaLnBrk="1" latinLnBrk="0" hangingPunct="1">
         <a:lnSpc>
           <a:spcPct val="90000"/>
         </a:lnSpc>
@@ -4377,14 +3915,14 @@
       </a:lvl1pPr>
     </p:titleStyle>
     <p:bodyStyle>
-      <a:lvl1pPr marL="0" indent="0" algn="l" defTabSz="914217" rtl="0" eaLnBrk="1" latinLnBrk="0" hangingPunct="1">
+      <a:lvl1pPr marL="0" indent="0" algn="l" defTabSz="914400" rtl="0" eaLnBrk="1" latinLnBrk="0" hangingPunct="1">
         <a:lnSpc>
           <a:spcPct val="90000"/>
         </a:lnSpc>
         <a:spcBef>
           <a:spcPts val="1000"/>
         </a:spcBef>
-        <a:buFont typeface="Arial" charset="0"/>
+        <a:buFont typeface="Arial" panose="020B0604020202020204" pitchFamily="34" charset="0"/>
         <a:buNone/>
         <a:defRPr lang="en-US" sz="2400" kern="1200" dirty="0" smtClean="0">
           <a:solidFill>
@@ -4396,14 +3934,14 @@
           <a:cs typeface="Montserrat Hairline" charset="0"/>
         </a:defRPr>
       </a:lvl1pPr>
-      <a:lvl2pPr marL="457109" indent="0" algn="l" defTabSz="914217" rtl="0" eaLnBrk="1" latinLnBrk="0" hangingPunct="1">
+      <a:lvl2pPr marL="457200" indent="0" algn="l" defTabSz="914400" rtl="0" eaLnBrk="1" latinLnBrk="0" hangingPunct="1">
         <a:lnSpc>
           <a:spcPct val="90000"/>
         </a:lnSpc>
         <a:spcBef>
           <a:spcPts val="500"/>
         </a:spcBef>
-        <a:buFont typeface="Arial" charset="0"/>
+        <a:buFont typeface="Arial" panose="020B0604020202020204" pitchFamily="34" charset="0"/>
         <a:buNone/>
         <a:defRPr lang="en-US" sz="2000" kern="1200" dirty="0" smtClean="0">
           <a:solidFill>
@@ -4415,14 +3953,14 @@
           <a:cs typeface="Montserrat Hairline" charset="0"/>
         </a:defRPr>
       </a:lvl2pPr>
-      <a:lvl3pPr marL="914217" indent="0" algn="l" defTabSz="914217" rtl="0" eaLnBrk="1" latinLnBrk="0" hangingPunct="1">
+      <a:lvl3pPr marL="914400" indent="0" algn="l" defTabSz="914400" rtl="0" eaLnBrk="1" latinLnBrk="0" hangingPunct="1">
         <a:lnSpc>
           <a:spcPct val="90000"/>
         </a:lnSpc>
         <a:spcBef>
           <a:spcPts val="500"/>
         </a:spcBef>
-        <a:buFont typeface="Arial" charset="0"/>
+        <a:buFont typeface="Arial" panose="020B0604020202020204" pitchFamily="34" charset="0"/>
         <a:buNone/>
         <a:defRPr lang="en-US" sz="1800" kern="1200" dirty="0" smtClean="0">
           <a:solidFill>
@@ -4434,14 +3972,14 @@
           <a:cs typeface="Montserrat Hairline" charset="0"/>
         </a:defRPr>
       </a:lvl3pPr>
-      <a:lvl4pPr marL="1371326" indent="0" algn="l" defTabSz="914217" rtl="0" eaLnBrk="1" latinLnBrk="0" hangingPunct="1">
+      <a:lvl4pPr marL="1371600" indent="0" algn="l" defTabSz="914400" rtl="0" eaLnBrk="1" latinLnBrk="0" hangingPunct="1">
         <a:lnSpc>
           <a:spcPct val="90000"/>
         </a:lnSpc>
         <a:spcBef>
           <a:spcPts val="500"/>
         </a:spcBef>
-        <a:buFont typeface="Arial" charset="0"/>
+        <a:buFont typeface="Arial" panose="020B0604020202020204" pitchFamily="34" charset="0"/>
         <a:buNone/>
         <a:defRPr lang="en-US" sz="1600" kern="1200" dirty="0" smtClean="0">
           <a:solidFill>
@@ -4453,14 +3991,14 @@
           <a:cs typeface="Montserrat Hairline" charset="0"/>
         </a:defRPr>
       </a:lvl4pPr>
-      <a:lvl5pPr marL="1828434" indent="0" algn="l" defTabSz="914217" rtl="0" eaLnBrk="1" latinLnBrk="0" hangingPunct="1">
+      <a:lvl5pPr marL="1828165" indent="0" algn="l" defTabSz="914400" rtl="0" eaLnBrk="1" latinLnBrk="0" hangingPunct="1">
         <a:lnSpc>
           <a:spcPct val="90000"/>
         </a:lnSpc>
         <a:spcBef>
           <a:spcPts val="500"/>
         </a:spcBef>
-        <a:buFont typeface="Arial" charset="0"/>
+        <a:buFont typeface="Arial" panose="020B0604020202020204" pitchFamily="34" charset="0"/>
         <a:buNone/>
         <a:defRPr lang="en-US" sz="1600" kern="1200" dirty="0">
           <a:solidFill>
@@ -4472,7 +4010,7 @@
           <a:cs typeface="Montserrat Hairline" charset="0"/>
         </a:defRPr>
       </a:lvl5pPr>
-      <a:lvl6pPr marL="2514097" indent="-228555" algn="l" defTabSz="914217" rtl="0" eaLnBrk="1" latinLnBrk="0" hangingPunct="1">
+      <a:lvl6pPr marL="2513965" indent="-228600" algn="l" defTabSz="914400" rtl="0" eaLnBrk="1" latinLnBrk="0" hangingPunct="1">
         <a:lnSpc>
           <a:spcPct val="90000"/>
         </a:lnSpc>
@@ -4490,7 +4028,7 @@
           <a:cs typeface="+mn-cs"/>
         </a:defRPr>
       </a:lvl6pPr>
-      <a:lvl7pPr marL="2971206" indent="-228555" algn="l" defTabSz="914217" rtl="0" eaLnBrk="1" latinLnBrk="0" hangingPunct="1">
+      <a:lvl7pPr marL="2971165" indent="-228600" algn="l" defTabSz="914400" rtl="0" eaLnBrk="1" latinLnBrk="0" hangingPunct="1">
         <a:lnSpc>
           <a:spcPct val="90000"/>
         </a:lnSpc>
@@ -4508,7 +4046,7 @@
           <a:cs typeface="+mn-cs"/>
         </a:defRPr>
       </a:lvl7pPr>
-      <a:lvl8pPr marL="3428314" indent="-228555" algn="l" defTabSz="914217" rtl="0" eaLnBrk="1" latinLnBrk="0" hangingPunct="1">
+      <a:lvl8pPr marL="3428365" indent="-228600" algn="l" defTabSz="914400" rtl="0" eaLnBrk="1" latinLnBrk="0" hangingPunct="1">
         <a:lnSpc>
           <a:spcPct val="90000"/>
         </a:lnSpc>
@@ -4526,7 +4064,7 @@
           <a:cs typeface="+mn-cs"/>
         </a:defRPr>
       </a:lvl8pPr>
-      <a:lvl9pPr marL="3885423" indent="-228555" algn="l" defTabSz="914217" rtl="0" eaLnBrk="1" latinLnBrk="0" hangingPunct="1">
+      <a:lvl9pPr marL="3885565" indent="-228600" algn="l" defTabSz="914400" rtl="0" eaLnBrk="1" latinLnBrk="0" hangingPunct="1">
         <a:lnSpc>
           <a:spcPct val="90000"/>
         </a:lnSpc>
@@ -4549,7 +4087,7 @@
       <a:defPPr>
         <a:defRPr lang="en-US"/>
       </a:defPPr>
-      <a:lvl1pPr marL="0" algn="l" defTabSz="914217" rtl="0" eaLnBrk="1" latinLnBrk="0" hangingPunct="1">
+      <a:lvl1pPr marL="0" algn="l" defTabSz="914400" rtl="0" eaLnBrk="1" latinLnBrk="0" hangingPunct="1">
         <a:defRPr sz="1800" kern="1200">
           <a:solidFill>
             <a:schemeClr val="tx1"/>
@@ -4559,7 +4097,7 @@
           <a:cs typeface="+mn-cs"/>
         </a:defRPr>
       </a:lvl1pPr>
-      <a:lvl2pPr marL="457109" algn="l" defTabSz="914217" rtl="0" eaLnBrk="1" latinLnBrk="0" hangingPunct="1">
+      <a:lvl2pPr marL="457200" algn="l" defTabSz="914400" rtl="0" eaLnBrk="1" latinLnBrk="0" hangingPunct="1">
         <a:defRPr sz="1800" kern="1200">
           <a:solidFill>
             <a:schemeClr val="tx1"/>
@@ -4569,7 +4107,7 @@
           <a:cs typeface="+mn-cs"/>
         </a:defRPr>
       </a:lvl2pPr>
-      <a:lvl3pPr marL="914217" algn="l" defTabSz="914217" rtl="0" eaLnBrk="1" latinLnBrk="0" hangingPunct="1">
+      <a:lvl3pPr marL="914400" algn="l" defTabSz="914400" rtl="0" eaLnBrk="1" latinLnBrk="0" hangingPunct="1">
         <a:defRPr sz="1800" kern="1200">
           <a:solidFill>
             <a:schemeClr val="tx1"/>
@@ -4579,7 +4117,7 @@
           <a:cs typeface="+mn-cs"/>
         </a:defRPr>
       </a:lvl3pPr>
-      <a:lvl4pPr marL="1371326" algn="l" defTabSz="914217" rtl="0" eaLnBrk="1" latinLnBrk="0" hangingPunct="1">
+      <a:lvl4pPr marL="1371600" algn="l" defTabSz="914400" rtl="0" eaLnBrk="1" latinLnBrk="0" hangingPunct="1">
         <a:defRPr sz="1800" kern="1200">
           <a:solidFill>
             <a:schemeClr val="tx1"/>
@@ -4589,7 +4127,7 @@
           <a:cs typeface="+mn-cs"/>
         </a:defRPr>
       </a:lvl4pPr>
-      <a:lvl5pPr marL="1828434" algn="l" defTabSz="914217" rtl="0" eaLnBrk="1" latinLnBrk="0" hangingPunct="1">
+      <a:lvl5pPr marL="1828165" algn="l" defTabSz="914400" rtl="0" eaLnBrk="1" latinLnBrk="0" hangingPunct="1">
         <a:defRPr sz="1800" kern="1200">
           <a:solidFill>
             <a:schemeClr val="tx1"/>
@@ -4599,7 +4137,7 @@
           <a:cs typeface="+mn-cs"/>
         </a:defRPr>
       </a:lvl5pPr>
-      <a:lvl6pPr marL="2285543" algn="l" defTabSz="914217" rtl="0" eaLnBrk="1" latinLnBrk="0" hangingPunct="1">
+      <a:lvl6pPr marL="2285365" algn="l" defTabSz="914400" rtl="0" eaLnBrk="1" latinLnBrk="0" hangingPunct="1">
         <a:defRPr sz="1800" kern="1200">
           <a:solidFill>
             <a:schemeClr val="tx1"/>
@@ -4609,7 +4147,7 @@
           <a:cs typeface="+mn-cs"/>
         </a:defRPr>
       </a:lvl6pPr>
-      <a:lvl7pPr marL="2742652" algn="l" defTabSz="914217" rtl="0" eaLnBrk="1" latinLnBrk="0" hangingPunct="1">
+      <a:lvl7pPr marL="2742565" algn="l" defTabSz="914400" rtl="0" eaLnBrk="1" latinLnBrk="0" hangingPunct="1">
         <a:defRPr sz="1800" kern="1200">
           <a:solidFill>
             <a:schemeClr val="tx1"/>
@@ -4619,7 +4157,7 @@
           <a:cs typeface="+mn-cs"/>
         </a:defRPr>
       </a:lvl7pPr>
-      <a:lvl8pPr marL="3199760" algn="l" defTabSz="914217" rtl="0" eaLnBrk="1" latinLnBrk="0" hangingPunct="1">
+      <a:lvl8pPr marL="3199765" algn="l" defTabSz="914400" rtl="0" eaLnBrk="1" latinLnBrk="0" hangingPunct="1">
         <a:defRPr sz="1800" kern="1200">
           <a:solidFill>
             <a:schemeClr val="tx1"/>
@@ -4629,7 +4167,7 @@
           <a:cs typeface="+mn-cs"/>
         </a:defRPr>
       </a:lvl8pPr>
-      <a:lvl9pPr marL="3656869" algn="l" defTabSz="914217" rtl="0" eaLnBrk="1" latinLnBrk="0" hangingPunct="1">
+      <a:lvl9pPr marL="3656965" algn="l" defTabSz="914400" rtl="0" eaLnBrk="1" latinLnBrk="0" hangingPunct="1">
         <a:defRPr sz="1800" kern="1200">
           <a:solidFill>
             <a:schemeClr val="tx1"/>
@@ -4663,13 +4201,7 @@
       </p:grpSpPr>
       <p:pic>
         <p:nvPicPr>
-          <p:cNvPr id="57" name="图片占位符 56">
-            <a:extLst>
-              <a:ext uri="{FF2B5EF4-FFF2-40B4-BE49-F238E27FC236}">
-                <a16:creationId xmlns:a16="http://schemas.microsoft.com/office/drawing/2014/main" id="{34DBC02E-E06C-4B7E-A52C-9618FCE0A41D}"/>
-              </a:ext>
-            </a:extLst>
-          </p:cNvPr>
+          <p:cNvPr id="57" name="图片占位符 56"/>
           <p:cNvPicPr>
             <a:picLocks noGrp="1" noChangeAspect="1"/>
           </p:cNvPicPr>
@@ -4678,27 +4210,26 @@
           </p:nvPr>
         </p:nvPicPr>
         <p:blipFill rotWithShape="1">
-          <a:blip r:embed="rId3" cstate="screen">
+          <a:blip r:embed="rId1" cstate="screen">
             <a:extLst>
               <a:ext uri="{BEBA8EAE-BF5A-486C-A8C5-ECC9F3942E4B}">
                 <a14:imgProps xmlns:a14="http://schemas.microsoft.com/office/drawing/2010/main">
-                  <a14:imgLayer r:embed="rId4">
+                  <a14:imgLayer r:embed="rId2">
+                    <a14:imgEffect>
+                      <a14:brightnessContrast bright="20000"/>
+                    </a14:imgEffect>
                     <a14:imgEffect>
                       <a14:saturation sat="66000"/>
-                    </a14:imgEffect>
-                    <a14:imgEffect>
-                      <a14:brightnessContrast bright="20000"/>
                     </a14:imgEffect>
                   </a14:imgLayer>
                 </a14:imgProps>
               </a:ext>
-              <a:ext uri="{28A0092B-C50C-407E-A947-70E740481C1C}">
-                <a14:useLocalDpi xmlns:a14="http://schemas.microsoft.com/office/drawing/2010/main"/>
-              </a:ext>
             </a:extLst>
           </a:blip>
           <a:srcRect/>
-          <a:stretch/>
+          <a:stretch>
+            <a:fillRect/>
+          </a:stretch>
         </p:blipFill>
         <p:spPr>
           <a:xfrm>
@@ -4716,7 +4247,7 @@
         <p:spPr>
           <a:xfrm>
             <a:off x="2118160" y="1982450"/>
-            <a:ext cx="7955680" cy="1446550"/>
+            <a:ext cx="7955680" cy="1445260"/>
           </a:xfrm>
           <a:prstGeom prst="rect">
             <a:avLst/>
@@ -4729,14 +4260,14 @@
           </a:bodyPr>
           <a:lstStyle/>
           <a:p>
-            <a:pPr algn="ctr" defTabSz="914217"/>
+            <a:pPr algn="ctr" defTabSz="914400"/>
             <a:r>
               <a:rPr lang="en-US" altLang="zh-CN" sz="4400" b="1" spc="300" dirty="0" err="1">
                 <a:solidFill>
                   <a:srgbClr val="000000"/>
                 </a:solidFill>
-                <a:latin typeface="SimHei" panose="02010609060101010101" pitchFamily="49" charset="-122"/>
-                <a:ea typeface="SimHei" panose="02010609060101010101" pitchFamily="49" charset="-122"/>
+                <a:latin typeface="黑体" panose="02010609060101010101" pitchFamily="49" charset="-122"/>
+                <a:ea typeface="黑体" panose="02010609060101010101" pitchFamily="49" charset="-122"/>
                 <a:cs typeface="Playfair Display SC" charset="0"/>
               </a:rPr>
               <a:t>基于Android</a:t>
@@ -4746,8 +4277,8 @@
                 <a:solidFill>
                   <a:srgbClr val="000000"/>
                 </a:solidFill>
-                <a:latin typeface="SimHei" panose="02010609060101010101" pitchFamily="49" charset="-122"/>
-                <a:ea typeface="SimHei" panose="02010609060101010101" pitchFamily="49" charset="-122"/>
+                <a:latin typeface="黑体" panose="02010609060101010101" pitchFamily="49" charset="-122"/>
+                <a:ea typeface="黑体" panose="02010609060101010101" pitchFamily="49" charset="-122"/>
                 <a:cs typeface="Playfair Display SC" charset="0"/>
               </a:rPr>
               <a:t>和</a:t>
@@ -4757,8 +4288,8 @@
                 <a:solidFill>
                   <a:srgbClr val="000000"/>
                 </a:solidFill>
-                <a:latin typeface="SimHei" panose="02010609060101010101" pitchFamily="49" charset="-122"/>
-                <a:ea typeface="SimHei" panose="02010609060101010101" pitchFamily="49" charset="-122"/>
+                <a:latin typeface="黑体" panose="02010609060101010101" pitchFamily="49" charset="-122"/>
+                <a:ea typeface="黑体" panose="02010609060101010101" pitchFamily="49" charset="-122"/>
                 <a:cs typeface="Playfair Display SC" charset="0"/>
               </a:rPr>
               <a:t>SpringBoot</a:t>
@@ -4767,52 +4298,47 @@
               <a:solidFill>
                 <a:srgbClr val="000000"/>
               </a:solidFill>
-              <a:latin typeface="SimHei" panose="02010609060101010101" pitchFamily="49" charset="-122"/>
-              <a:ea typeface="SimHei" panose="02010609060101010101" pitchFamily="49" charset="-122"/>
+              <a:latin typeface="黑体" panose="02010609060101010101" pitchFamily="49" charset="-122"/>
+              <a:ea typeface="黑体" panose="02010609060101010101" pitchFamily="49" charset="-122"/>
               <a:cs typeface="Playfair Display SC" charset="0"/>
             </a:endParaRPr>
           </a:p>
           <a:p>
-            <a:pPr algn="ctr" defTabSz="914217"/>
+            <a:pPr algn="ctr" defTabSz="914400"/>
             <a:r>
-              <a:rPr lang="en-US" altLang="zh-CN" sz="4400" b="1" spc="300" dirty="0" err="1">
+              <a:rPr lang="zh-CN" altLang="en-US" sz="4400" b="1" spc="300" dirty="0" err="1">
                 <a:solidFill>
                   <a:srgbClr val="000000"/>
                 </a:solidFill>
-                <a:latin typeface="SimHei" panose="02010609060101010101" pitchFamily="49" charset="-122"/>
-                <a:ea typeface="SimHei" panose="02010609060101010101" pitchFamily="49" charset="-122"/>
+                <a:latin typeface="黑体" panose="02010609060101010101" pitchFamily="49" charset="-122"/>
+                <a:ea typeface="黑体" panose="02010609060101010101" pitchFamily="49" charset="-122"/>
                 <a:cs typeface="Playfair Display SC" charset="0"/>
               </a:rPr>
-              <a:t>医疗管理系统</a:t>
+              <a:t>医院挂号系统</a:t>
             </a:r>
             <a:endParaRPr lang="en-US" altLang="zh-CN" sz="4400" b="1" spc="300" dirty="0">
               <a:solidFill>
                 <a:srgbClr val="000000"/>
               </a:solidFill>
-              <a:latin typeface="SimHei" panose="02010609060101010101" pitchFamily="49" charset="-122"/>
-              <a:ea typeface="SimHei" panose="02010609060101010101" pitchFamily="49" charset="-122"/>
+              <a:latin typeface="黑体" panose="02010609060101010101" pitchFamily="49" charset="-122"/>
+              <a:ea typeface="黑体" panose="02010609060101010101" pitchFamily="49" charset="-122"/>
               <a:cs typeface="Playfair Display SC" charset="0"/>
             </a:endParaRPr>
           </a:p>
         </p:txBody>
       </p:sp>
     </p:spTree>
-    <p:extLst>
-      <p:ext uri="{BB962C8B-B14F-4D97-AF65-F5344CB8AC3E}">
-        <p14:creationId xmlns:p14="http://schemas.microsoft.com/office/powerpoint/2010/main" val="1285228804"/>
-      </p:ext>
-    </p:extLst>
   </p:cSld>
   <p:clrMapOvr>
     <a:masterClrMapping/>
   </p:clrMapOvr>
-  <mc:AlternateContent xmlns:mc="http://schemas.openxmlformats.org/markup-compatibility/2006" xmlns:p14="http://schemas.microsoft.com/office/powerpoint/2010/main">
-    <mc:Choice Requires="p14">
+  <mc:AlternateContent xmlns:mc="http://schemas.openxmlformats.org/markup-compatibility/2006">
+    <mc:Choice xmlns:p14="http://schemas.microsoft.com/office/powerpoint/2010/main" Requires="p14">
       <p:transition spd="slow" p14:dur="1400" advTm="2000">
         <p:blinds/>
       </p:transition>
     </mc:Choice>
-    <mc:Fallback xmlns="">
+    <mc:Fallback>
       <p:transition spd="slow" advTm="2000">
         <p:blinds/>
       </p:transition>
@@ -4822,6 +4348,112 @@
 </file>
 
 <file path=ppt/slides/slide10.xml><?xml version="1.0" encoding="utf-8"?>
+<p:sld xmlns:a="http://schemas.openxmlformats.org/drawingml/2006/main" xmlns:r="http://schemas.openxmlformats.org/officeDocument/2006/relationships" xmlns:p="http://schemas.openxmlformats.org/presentationml/2006/main">
+  <p:cSld>
+    <p:spTree>
+      <p:nvGrpSpPr>
+        <p:cNvPr id="1" name=""/>
+        <p:cNvGrpSpPr/>
+        <p:nvPr/>
+      </p:nvGrpSpPr>
+      <p:grpSpPr>
+        <a:xfrm>
+          <a:off x="0" y="0"/>
+          <a:ext cx="0" cy="0"/>
+          <a:chOff x="0" y="0"/>
+          <a:chExt cx="0" cy="0"/>
+        </a:xfrm>
+      </p:grpSpPr>
+      <p:sp>
+        <p:nvSpPr>
+          <p:cNvPr id="25" name="TextBox 24"/>
+          <p:cNvSpPr txBox="1"/>
+          <p:nvPr/>
+        </p:nvSpPr>
+        <p:spPr>
+          <a:xfrm>
+            <a:off x="2301240" y="2834640"/>
+            <a:ext cx="5147310" cy="830997"/>
+          </a:xfrm>
+          <a:prstGeom prst="rect">
+            <a:avLst/>
+          </a:prstGeom>
+          <a:noFill/>
+        </p:spPr>
+        <p:txBody>
+          <a:bodyPr wrap="square" rtlCol="0">
+            <a:spAutoFit/>
+          </a:bodyPr>
+          <a:lstStyle/>
+          <a:p>
+            <a:pPr defTabSz="914400"/>
+            <a:r>
+              <a:rPr lang="en-US" sz="4800" b="1" dirty="0" err="1">
+                <a:solidFill>
+                  <a:srgbClr val="000000"/>
+                </a:solidFill>
+                <a:latin typeface="黑体" panose="02010609060101010101" pitchFamily="49" charset="-122"/>
+                <a:ea typeface="黑体" panose="02010609060101010101" pitchFamily="49" charset="-122"/>
+                <a:cs typeface="Montserrat" charset="0"/>
+              </a:rPr>
+              <a:t>首页</a:t>
+            </a:r>
+            <a:endParaRPr lang="en-US" sz="4800" b="1" dirty="0">
+              <a:solidFill>
+                <a:srgbClr val="000000"/>
+              </a:solidFill>
+              <a:latin typeface="黑体" panose="02010609060101010101" pitchFamily="49" charset="-122"/>
+              <a:ea typeface="黑体" panose="02010609060101010101" pitchFamily="49" charset="-122"/>
+              <a:cs typeface="Montserrat" charset="0"/>
+            </a:endParaRPr>
+          </a:p>
+        </p:txBody>
+      </p:sp>
+      <p:pic>
+        <p:nvPicPr>
+          <p:cNvPr id="2" name="图片 1"/>
+          <p:cNvPicPr>
+            <a:picLocks noChangeAspect="1"/>
+          </p:cNvPicPr>
+          <p:nvPr/>
+        </p:nvPicPr>
+        <p:blipFill>
+          <a:blip r:embed="rId1"/>
+          <a:stretch>
+            <a:fillRect/>
+          </a:stretch>
+        </p:blipFill>
+        <p:spPr>
+          <a:xfrm>
+            <a:off x="7056120" y="425507"/>
+            <a:ext cx="3073341" cy="6006985"/>
+          </a:xfrm>
+          <a:prstGeom prst="rect">
+            <a:avLst/>
+          </a:prstGeom>
+        </p:spPr>
+      </p:pic>
+    </p:spTree>
+  </p:cSld>
+  <p:clrMapOvr>
+    <a:masterClrMapping/>
+  </p:clrMapOvr>
+  <mc:AlternateContent xmlns:mc="http://schemas.openxmlformats.org/markup-compatibility/2006">
+    <mc:Choice xmlns:p14="http://schemas.microsoft.com/office/powerpoint/2010/main" Requires="p14">
+      <p:transition spd="slow" p14:dur="1500" advTm="2000">
+        <p:random/>
+      </p:transition>
+    </mc:Choice>
+    <mc:Fallback>
+      <p:transition spd="slow" advTm="2000">
+        <p:random/>
+      </p:transition>
+    </mc:Fallback>
+  </mc:AlternateContent>
+</p:sld>
+</file>
+
+<file path=ppt/slides/slide11.xml><?xml version="1.0" encoding="utf-8"?>
 <p:sld xmlns:a="http://schemas.openxmlformats.org/drawingml/2006/main" xmlns:r="http://schemas.openxmlformats.org/officeDocument/2006/relationships" xmlns:p="http://schemas.openxmlformats.org/presentationml/2006/main">
   <p:cSld>
     <p:spTree>
@@ -4860,24 +4492,24 @@
           </a:bodyPr>
           <a:lstStyle/>
           <a:p>
-            <a:pPr defTabSz="914217"/>
+            <a:pPr defTabSz="914400"/>
             <a:r>
               <a:rPr lang="en-US" sz="4800" b="1" dirty="0" err="1">
                 <a:solidFill>
                   <a:srgbClr val="000000"/>
                 </a:solidFill>
-                <a:latin typeface="SimHei" panose="02010609060101010101" pitchFamily="49" charset="-122"/>
-                <a:ea typeface="SimHei" panose="02010609060101010101" pitchFamily="49" charset="-122"/>
+                <a:latin typeface="黑体" panose="02010609060101010101" pitchFamily="49" charset="-122"/>
+                <a:ea typeface="黑体" panose="02010609060101010101" pitchFamily="49" charset="-122"/>
                 <a:cs typeface="Montserrat" charset="0"/>
               </a:rPr>
-              <a:t>登陆注册页面</a:t>
+              <a:t>挂号页面</a:t>
             </a:r>
             <a:endParaRPr lang="en-US" sz="4800" b="1" dirty="0">
               <a:solidFill>
                 <a:srgbClr val="000000"/>
               </a:solidFill>
-              <a:latin typeface="SimHei" panose="02010609060101010101" pitchFamily="49" charset="-122"/>
-              <a:ea typeface="SimHei" panose="02010609060101010101" pitchFamily="49" charset="-122"/>
+              <a:latin typeface="黑体" panose="02010609060101010101" pitchFamily="49" charset="-122"/>
+              <a:ea typeface="黑体" panose="02010609060101010101" pitchFamily="49" charset="-122"/>
               <a:cs typeface="Montserrat" charset="0"/>
             </a:endParaRPr>
           </a:p>
@@ -4885,28 +4517,22 @@
       </p:sp>
       <p:pic>
         <p:nvPicPr>
-          <p:cNvPr id="4" name="图片 3">
-            <a:extLst>
-              <a:ext uri="{FF2B5EF4-FFF2-40B4-BE49-F238E27FC236}">
-                <a16:creationId xmlns:a16="http://schemas.microsoft.com/office/drawing/2014/main" id="{2D96662E-AEDE-3F41-81F7-6029BDE344F9}"/>
-              </a:ext>
-            </a:extLst>
-          </p:cNvPr>
+          <p:cNvPr id="2" name="图片 1"/>
           <p:cNvPicPr>
             <a:picLocks noChangeAspect="1"/>
           </p:cNvPicPr>
           <p:nvPr/>
         </p:nvPicPr>
         <p:blipFill>
-          <a:blip r:embed="rId2"/>
+          <a:blip r:embed="rId1"/>
           <a:stretch>
             <a:fillRect/>
           </a:stretch>
         </p:blipFill>
         <p:spPr>
           <a:xfrm>
-            <a:off x="6725920" y="187811"/>
-            <a:ext cx="4216400" cy="6477000"/>
+            <a:off x="7101840" y="504264"/>
+            <a:ext cx="2920201" cy="5849471"/>
           </a:xfrm>
           <a:prstGeom prst="rect">
             <a:avLst/>
@@ -4914,139 +4540,17 @@
         </p:spPr>
       </p:pic>
     </p:spTree>
-    <p:extLst>
-      <p:ext uri="{BB962C8B-B14F-4D97-AF65-F5344CB8AC3E}">
-        <p14:creationId xmlns:p14="http://schemas.microsoft.com/office/powerpoint/2010/main" val="707134463"/>
-      </p:ext>
-    </p:extLst>
   </p:cSld>
   <p:clrMapOvr>
     <a:masterClrMapping/>
   </p:clrMapOvr>
-  <mc:AlternateContent xmlns:mc="http://schemas.openxmlformats.org/markup-compatibility/2006" xmlns:p14="http://schemas.microsoft.com/office/powerpoint/2010/main">
-    <mc:Choice Requires="p14">
+  <mc:AlternateContent xmlns:mc="http://schemas.openxmlformats.org/markup-compatibility/2006">
+    <mc:Choice xmlns:p14="http://schemas.microsoft.com/office/powerpoint/2010/main" Requires="p14">
       <p:transition spd="slow" p14:dur="1500" advTm="2000">
         <p:random/>
       </p:transition>
     </mc:Choice>
-    <mc:Fallback xmlns="">
-      <p:transition spd="slow" advTm="2000">
-        <p:random/>
-      </p:transition>
-    </mc:Fallback>
-  </mc:AlternateContent>
-</p:sld>
-</file>
-
-<file path=ppt/slides/slide11.xml><?xml version="1.0" encoding="utf-8"?>
-<p:sld xmlns:a="http://schemas.openxmlformats.org/drawingml/2006/main" xmlns:r="http://schemas.openxmlformats.org/officeDocument/2006/relationships" xmlns:p="http://schemas.openxmlformats.org/presentationml/2006/main">
-  <p:cSld>
-    <p:spTree>
-      <p:nvGrpSpPr>
-        <p:cNvPr id="1" name=""/>
-        <p:cNvGrpSpPr/>
-        <p:nvPr/>
-      </p:nvGrpSpPr>
-      <p:grpSpPr>
-        <a:xfrm>
-          <a:off x="0" y="0"/>
-          <a:ext cx="0" cy="0"/>
-          <a:chOff x="0" y="0"/>
-          <a:chExt cx="0" cy="0"/>
-        </a:xfrm>
-      </p:grpSpPr>
-      <p:sp>
-        <p:nvSpPr>
-          <p:cNvPr id="25" name="TextBox 24"/>
-          <p:cNvSpPr txBox="1"/>
-          <p:nvPr/>
-        </p:nvSpPr>
-        <p:spPr>
-          <a:xfrm>
-            <a:off x="2301240" y="2834640"/>
-            <a:ext cx="5147310" cy="830997"/>
-          </a:xfrm>
-          <a:prstGeom prst="rect">
-            <a:avLst/>
-          </a:prstGeom>
-          <a:noFill/>
-        </p:spPr>
-        <p:txBody>
-          <a:bodyPr wrap="square" rtlCol="0">
-            <a:spAutoFit/>
-          </a:bodyPr>
-          <a:lstStyle/>
-          <a:p>
-            <a:pPr defTabSz="914217"/>
-            <a:r>
-              <a:rPr lang="en-US" sz="4800" b="1" dirty="0" err="1">
-                <a:solidFill>
-                  <a:srgbClr val="000000"/>
-                </a:solidFill>
-                <a:latin typeface="SimHei" panose="02010609060101010101" pitchFamily="49" charset="-122"/>
-                <a:ea typeface="SimHei" panose="02010609060101010101" pitchFamily="49" charset="-122"/>
-                <a:cs typeface="Montserrat" charset="0"/>
-              </a:rPr>
-              <a:t>首页</a:t>
-            </a:r>
-            <a:endParaRPr lang="en-US" sz="4800" b="1" dirty="0">
-              <a:solidFill>
-                <a:srgbClr val="000000"/>
-              </a:solidFill>
-              <a:latin typeface="SimHei" panose="02010609060101010101" pitchFamily="49" charset="-122"/>
-              <a:ea typeface="SimHei" panose="02010609060101010101" pitchFamily="49" charset="-122"/>
-              <a:cs typeface="Montserrat" charset="0"/>
-            </a:endParaRPr>
-          </a:p>
-        </p:txBody>
-      </p:sp>
-      <p:pic>
-        <p:nvPicPr>
-          <p:cNvPr id="2" name="图片 1">
-            <a:extLst>
-              <a:ext uri="{FF2B5EF4-FFF2-40B4-BE49-F238E27FC236}">
-                <a16:creationId xmlns:a16="http://schemas.microsoft.com/office/drawing/2014/main" id="{59FF5079-CCBB-054F-8E10-7621137B693C}"/>
-              </a:ext>
-            </a:extLst>
-          </p:cNvPr>
-          <p:cNvPicPr>
-            <a:picLocks noChangeAspect="1"/>
-          </p:cNvPicPr>
-          <p:nvPr/>
-        </p:nvPicPr>
-        <p:blipFill>
-          <a:blip r:embed="rId2"/>
-          <a:stretch>
-            <a:fillRect/>
-          </a:stretch>
-        </p:blipFill>
-        <p:spPr>
-          <a:xfrm>
-            <a:off x="7056120" y="425507"/>
-            <a:ext cx="3073341" cy="6006985"/>
-          </a:xfrm>
-          <a:prstGeom prst="rect">
-            <a:avLst/>
-          </a:prstGeom>
-        </p:spPr>
-      </p:pic>
-    </p:spTree>
-    <p:extLst>
-      <p:ext uri="{BB962C8B-B14F-4D97-AF65-F5344CB8AC3E}">
-        <p14:creationId xmlns:p14="http://schemas.microsoft.com/office/powerpoint/2010/main" val="2977549045"/>
-      </p:ext>
-    </p:extLst>
-  </p:cSld>
-  <p:clrMapOvr>
-    <a:masterClrMapping/>
-  </p:clrMapOvr>
-  <mc:AlternateContent xmlns:mc="http://schemas.openxmlformats.org/markup-compatibility/2006" xmlns:p14="http://schemas.microsoft.com/office/powerpoint/2010/main">
-    <mc:Choice Requires="p14">
-      <p:transition spd="slow" p14:dur="1500" advTm="2000">
-        <p:random/>
-      </p:transition>
-    </mc:Choice>
-    <mc:Fallback xmlns="">
+    <mc:Fallback>
       <p:transition spd="slow" advTm="2000">
         <p:random/>
       </p:transition>
@@ -5094,14 +4598,14 @@
           </a:bodyPr>
           <a:lstStyle/>
           <a:p>
-            <a:pPr defTabSz="914217"/>
+            <a:pPr defTabSz="914400"/>
             <a:r>
               <a:rPr lang="en-US" sz="4800" b="1" dirty="0" err="1">
                 <a:solidFill>
                   <a:srgbClr val="000000"/>
                 </a:solidFill>
-                <a:latin typeface="SimHei" panose="02010609060101010101" pitchFamily="49" charset="-122"/>
-                <a:ea typeface="SimHei" panose="02010609060101010101" pitchFamily="49" charset="-122"/>
+                <a:latin typeface="黑体" panose="02010609060101010101" pitchFamily="49" charset="-122"/>
+                <a:ea typeface="黑体" panose="02010609060101010101" pitchFamily="49" charset="-122"/>
                 <a:cs typeface="Montserrat" charset="0"/>
               </a:rPr>
               <a:t>挂号页面</a:t>
@@ -5110,8 +4614,8 @@
               <a:solidFill>
                 <a:srgbClr val="000000"/>
               </a:solidFill>
-              <a:latin typeface="SimHei" panose="02010609060101010101" pitchFamily="49" charset="-122"/>
-              <a:ea typeface="SimHei" panose="02010609060101010101" pitchFamily="49" charset="-122"/>
+              <a:latin typeface="黑体" panose="02010609060101010101" pitchFamily="49" charset="-122"/>
+              <a:ea typeface="黑体" panose="02010609060101010101" pitchFamily="49" charset="-122"/>
               <a:cs typeface="Montserrat" charset="0"/>
             </a:endParaRPr>
           </a:p>
@@ -5119,28 +4623,22 @@
       </p:sp>
       <p:pic>
         <p:nvPicPr>
-          <p:cNvPr id="2" name="图片 1">
-            <a:extLst>
-              <a:ext uri="{FF2B5EF4-FFF2-40B4-BE49-F238E27FC236}">
-                <a16:creationId xmlns:a16="http://schemas.microsoft.com/office/drawing/2014/main" id="{D92066F1-5113-764F-B129-207ABC43D613}"/>
-              </a:ext>
-            </a:extLst>
-          </p:cNvPr>
+          <p:cNvPr id="3" name="图片 2"/>
           <p:cNvPicPr>
             <a:picLocks noChangeAspect="1"/>
           </p:cNvPicPr>
           <p:nvPr/>
         </p:nvPicPr>
         <p:blipFill>
-          <a:blip r:embed="rId2"/>
+          <a:blip r:embed="rId1"/>
           <a:stretch>
             <a:fillRect/>
           </a:stretch>
         </p:blipFill>
         <p:spPr>
           <a:xfrm>
-            <a:off x="7101840" y="504264"/>
-            <a:ext cx="2920201" cy="5849471"/>
+            <a:off x="6964680" y="455855"/>
+            <a:ext cx="3063240" cy="5946289"/>
           </a:xfrm>
           <a:prstGeom prst="rect">
             <a:avLst/>
@@ -5148,22 +4646,17 @@
         </p:spPr>
       </p:pic>
     </p:spTree>
-    <p:extLst>
-      <p:ext uri="{BB962C8B-B14F-4D97-AF65-F5344CB8AC3E}">
-        <p14:creationId xmlns:p14="http://schemas.microsoft.com/office/powerpoint/2010/main" val="1058372792"/>
-      </p:ext>
-    </p:extLst>
   </p:cSld>
   <p:clrMapOvr>
     <a:masterClrMapping/>
   </p:clrMapOvr>
-  <mc:AlternateContent xmlns:mc="http://schemas.openxmlformats.org/markup-compatibility/2006" xmlns:p14="http://schemas.microsoft.com/office/powerpoint/2010/main">
-    <mc:Choice Requires="p14">
+  <mc:AlternateContent xmlns:mc="http://schemas.openxmlformats.org/markup-compatibility/2006">
+    <mc:Choice xmlns:p14="http://schemas.microsoft.com/office/powerpoint/2010/main" Requires="p14">
       <p:transition spd="slow" p14:dur="1500" advTm="2000">
         <p:random/>
       </p:transition>
     </mc:Choice>
-    <mc:Fallback xmlns="">
+    <mc:Fallback>
       <p:transition spd="slow" advTm="2000">
         <p:random/>
       </p:transition>
@@ -5211,24 +4704,24 @@
           </a:bodyPr>
           <a:lstStyle/>
           <a:p>
-            <a:pPr defTabSz="914217"/>
+            <a:pPr defTabSz="914400"/>
             <a:r>
               <a:rPr lang="en-US" sz="4800" b="1" dirty="0" err="1">
                 <a:solidFill>
                   <a:srgbClr val="000000"/>
                 </a:solidFill>
-                <a:latin typeface="SimHei" panose="02010609060101010101" pitchFamily="49" charset="-122"/>
-                <a:ea typeface="SimHei" panose="02010609060101010101" pitchFamily="49" charset="-122"/>
+                <a:latin typeface="黑体" panose="02010609060101010101" pitchFamily="49" charset="-122"/>
+                <a:ea typeface="黑体" panose="02010609060101010101" pitchFamily="49" charset="-122"/>
                 <a:cs typeface="Montserrat" charset="0"/>
               </a:rPr>
-              <a:t>挂号页面</a:t>
+              <a:t>门诊页面</a:t>
             </a:r>
             <a:endParaRPr lang="en-US" sz="4800" b="1" dirty="0">
               <a:solidFill>
                 <a:srgbClr val="000000"/>
               </a:solidFill>
-              <a:latin typeface="SimHei" panose="02010609060101010101" pitchFamily="49" charset="-122"/>
-              <a:ea typeface="SimHei" panose="02010609060101010101" pitchFamily="49" charset="-122"/>
+              <a:latin typeface="黑体" panose="02010609060101010101" pitchFamily="49" charset="-122"/>
+              <a:ea typeface="黑体" panose="02010609060101010101" pitchFamily="49" charset="-122"/>
               <a:cs typeface="Montserrat" charset="0"/>
             </a:endParaRPr>
           </a:p>
@@ -5236,28 +4729,22 @@
       </p:sp>
       <p:pic>
         <p:nvPicPr>
-          <p:cNvPr id="3" name="图片 2">
-            <a:extLst>
-              <a:ext uri="{FF2B5EF4-FFF2-40B4-BE49-F238E27FC236}">
-                <a16:creationId xmlns:a16="http://schemas.microsoft.com/office/drawing/2014/main" id="{930AF19A-6DF1-4B4E-9BB9-34A2DF9603C4}"/>
-              </a:ext>
-            </a:extLst>
-          </p:cNvPr>
+          <p:cNvPr id="2" name="图片 1"/>
           <p:cNvPicPr>
             <a:picLocks noChangeAspect="1"/>
           </p:cNvPicPr>
           <p:nvPr/>
         </p:nvPicPr>
         <p:blipFill>
-          <a:blip r:embed="rId2"/>
+          <a:blip r:embed="rId1"/>
           <a:stretch>
             <a:fillRect/>
           </a:stretch>
         </p:blipFill>
         <p:spPr>
           <a:xfrm>
-            <a:off x="6964680" y="455855"/>
-            <a:ext cx="3063240" cy="5946289"/>
+            <a:off x="6964680" y="452759"/>
+            <a:ext cx="3063240" cy="5947101"/>
           </a:xfrm>
           <a:prstGeom prst="rect">
             <a:avLst/>
@@ -5265,22 +4752,17 @@
         </p:spPr>
       </p:pic>
     </p:spTree>
-    <p:extLst>
-      <p:ext uri="{BB962C8B-B14F-4D97-AF65-F5344CB8AC3E}">
-        <p14:creationId xmlns:p14="http://schemas.microsoft.com/office/powerpoint/2010/main" val="500424309"/>
-      </p:ext>
-    </p:extLst>
   </p:cSld>
   <p:clrMapOvr>
     <a:masterClrMapping/>
   </p:clrMapOvr>
-  <mc:AlternateContent xmlns:mc="http://schemas.openxmlformats.org/markup-compatibility/2006" xmlns:p14="http://schemas.microsoft.com/office/powerpoint/2010/main">
-    <mc:Choice Requires="p14">
+  <mc:AlternateContent xmlns:mc="http://schemas.openxmlformats.org/markup-compatibility/2006">
+    <mc:Choice xmlns:p14="http://schemas.microsoft.com/office/powerpoint/2010/main" Requires="p14">
       <p:transition spd="slow" p14:dur="1500" advTm="2000">
         <p:random/>
       </p:transition>
     </mc:Choice>
-    <mc:Fallback xmlns="">
+    <mc:Fallback>
       <p:transition spd="slow" advTm="2000">
         <p:random/>
       </p:transition>
@@ -5328,24 +4810,24 @@
           </a:bodyPr>
           <a:lstStyle/>
           <a:p>
-            <a:pPr defTabSz="914217"/>
+            <a:pPr defTabSz="914400"/>
             <a:r>
               <a:rPr lang="en-US" sz="4800" b="1" dirty="0" err="1">
                 <a:solidFill>
                   <a:srgbClr val="000000"/>
                 </a:solidFill>
-                <a:latin typeface="SimHei" panose="02010609060101010101" pitchFamily="49" charset="-122"/>
-                <a:ea typeface="SimHei" panose="02010609060101010101" pitchFamily="49" charset="-122"/>
+                <a:latin typeface="黑体" panose="02010609060101010101" pitchFamily="49" charset="-122"/>
+                <a:ea typeface="黑体" panose="02010609060101010101" pitchFamily="49" charset="-122"/>
                 <a:cs typeface="Montserrat" charset="0"/>
               </a:rPr>
-              <a:t>门诊页面</a:t>
+              <a:t>核酸预约</a:t>
             </a:r>
             <a:endParaRPr lang="en-US" sz="4800" b="1" dirty="0">
               <a:solidFill>
                 <a:srgbClr val="000000"/>
               </a:solidFill>
-              <a:latin typeface="SimHei" panose="02010609060101010101" pitchFamily="49" charset="-122"/>
-              <a:ea typeface="SimHei" panose="02010609060101010101" pitchFamily="49" charset="-122"/>
+              <a:latin typeface="黑体" panose="02010609060101010101" pitchFamily="49" charset="-122"/>
+              <a:ea typeface="黑体" panose="02010609060101010101" pitchFamily="49" charset="-122"/>
               <a:cs typeface="Montserrat" charset="0"/>
             </a:endParaRPr>
           </a:p>
@@ -5353,28 +4835,22 @@
       </p:sp>
       <p:pic>
         <p:nvPicPr>
-          <p:cNvPr id="2" name="图片 1">
-            <a:extLst>
-              <a:ext uri="{FF2B5EF4-FFF2-40B4-BE49-F238E27FC236}">
-                <a16:creationId xmlns:a16="http://schemas.microsoft.com/office/drawing/2014/main" id="{1F62D3EE-86BD-A54A-A1A4-DAB85C642F66}"/>
-              </a:ext>
-            </a:extLst>
-          </p:cNvPr>
+          <p:cNvPr id="3" name="图片 2"/>
           <p:cNvPicPr>
             <a:picLocks noChangeAspect="1"/>
           </p:cNvPicPr>
           <p:nvPr/>
         </p:nvPicPr>
         <p:blipFill>
-          <a:blip r:embed="rId2"/>
+          <a:blip r:embed="rId1"/>
           <a:stretch>
             <a:fillRect/>
           </a:stretch>
         </p:blipFill>
         <p:spPr>
           <a:xfrm>
-            <a:off x="6964680" y="452759"/>
-            <a:ext cx="3063240" cy="5947101"/>
+            <a:off x="6827520" y="337430"/>
+            <a:ext cx="3219396" cy="6177760"/>
           </a:xfrm>
           <a:prstGeom prst="rect">
             <a:avLst/>
@@ -5382,22 +4858,17 @@
         </p:spPr>
       </p:pic>
     </p:spTree>
-    <p:extLst>
-      <p:ext uri="{BB962C8B-B14F-4D97-AF65-F5344CB8AC3E}">
-        <p14:creationId xmlns:p14="http://schemas.microsoft.com/office/powerpoint/2010/main" val="3161513310"/>
-      </p:ext>
-    </p:extLst>
   </p:cSld>
   <p:clrMapOvr>
     <a:masterClrMapping/>
   </p:clrMapOvr>
-  <mc:AlternateContent xmlns:mc="http://schemas.openxmlformats.org/markup-compatibility/2006" xmlns:p14="http://schemas.microsoft.com/office/powerpoint/2010/main">
-    <mc:Choice Requires="p14">
+  <mc:AlternateContent xmlns:mc="http://schemas.openxmlformats.org/markup-compatibility/2006">
+    <mc:Choice xmlns:p14="http://schemas.microsoft.com/office/powerpoint/2010/main" Requires="p14">
       <p:transition spd="slow" p14:dur="1500" advTm="2000">
         <p:random/>
       </p:transition>
     </mc:Choice>
-    <mc:Fallback xmlns="">
+    <mc:Fallback>
       <p:transition spd="slow" advTm="2000">
         <p:random/>
       </p:transition>
@@ -5445,24 +4916,24 @@
           </a:bodyPr>
           <a:lstStyle/>
           <a:p>
-            <a:pPr defTabSz="914217"/>
+            <a:pPr defTabSz="914400"/>
             <a:r>
               <a:rPr lang="en-US" sz="4800" b="1" dirty="0" err="1">
                 <a:solidFill>
                   <a:srgbClr val="000000"/>
                 </a:solidFill>
-                <a:latin typeface="SimHei" panose="02010609060101010101" pitchFamily="49" charset="-122"/>
-                <a:ea typeface="SimHei" panose="02010609060101010101" pitchFamily="49" charset="-122"/>
+                <a:latin typeface="黑体" panose="02010609060101010101" pitchFamily="49" charset="-122"/>
+                <a:ea typeface="黑体" panose="02010609060101010101" pitchFamily="49" charset="-122"/>
                 <a:cs typeface="Montserrat" charset="0"/>
               </a:rPr>
-              <a:t>核酸预约</a:t>
+              <a:t>核酸报告</a:t>
             </a:r>
             <a:endParaRPr lang="en-US" sz="4800" b="1" dirty="0">
               <a:solidFill>
                 <a:srgbClr val="000000"/>
               </a:solidFill>
-              <a:latin typeface="SimHei" panose="02010609060101010101" pitchFamily="49" charset="-122"/>
-              <a:ea typeface="SimHei" panose="02010609060101010101" pitchFamily="49" charset="-122"/>
+              <a:latin typeface="黑体" panose="02010609060101010101" pitchFamily="49" charset="-122"/>
+              <a:ea typeface="黑体" panose="02010609060101010101" pitchFamily="49" charset="-122"/>
               <a:cs typeface="Montserrat" charset="0"/>
             </a:endParaRPr>
           </a:p>
@@ -5470,28 +4941,22 @@
       </p:sp>
       <p:pic>
         <p:nvPicPr>
-          <p:cNvPr id="3" name="图片 2">
-            <a:extLst>
-              <a:ext uri="{FF2B5EF4-FFF2-40B4-BE49-F238E27FC236}">
-                <a16:creationId xmlns:a16="http://schemas.microsoft.com/office/drawing/2014/main" id="{4BA72933-FEB3-DA4B-9198-EE67E2E33DB1}"/>
-              </a:ext>
-            </a:extLst>
-          </p:cNvPr>
+          <p:cNvPr id="2" name="图片 1"/>
           <p:cNvPicPr>
             <a:picLocks noChangeAspect="1"/>
           </p:cNvPicPr>
           <p:nvPr/>
         </p:nvPicPr>
         <p:blipFill>
-          <a:blip r:embed="rId2"/>
+          <a:blip r:embed="rId1"/>
           <a:stretch>
             <a:fillRect/>
           </a:stretch>
         </p:blipFill>
         <p:spPr>
           <a:xfrm>
-            <a:off x="6827520" y="337430"/>
-            <a:ext cx="3219396" cy="6177760"/>
+            <a:off x="7010400" y="473768"/>
+            <a:ext cx="3017520" cy="5910463"/>
           </a:xfrm>
           <a:prstGeom prst="rect">
             <a:avLst/>
@@ -5499,22 +4964,17 @@
         </p:spPr>
       </p:pic>
     </p:spTree>
-    <p:extLst>
-      <p:ext uri="{BB962C8B-B14F-4D97-AF65-F5344CB8AC3E}">
-        <p14:creationId xmlns:p14="http://schemas.microsoft.com/office/powerpoint/2010/main" val="1178071781"/>
-      </p:ext>
-    </p:extLst>
   </p:cSld>
   <p:clrMapOvr>
     <a:masterClrMapping/>
   </p:clrMapOvr>
-  <mc:AlternateContent xmlns:mc="http://schemas.openxmlformats.org/markup-compatibility/2006" xmlns:p14="http://schemas.microsoft.com/office/powerpoint/2010/main">
-    <mc:Choice Requires="p14">
+  <mc:AlternateContent xmlns:mc="http://schemas.openxmlformats.org/markup-compatibility/2006">
+    <mc:Choice xmlns:p14="http://schemas.microsoft.com/office/powerpoint/2010/main" Requires="p14">
       <p:transition spd="slow" p14:dur="1500" advTm="2000">
         <p:random/>
       </p:transition>
     </mc:Choice>
-    <mc:Fallback xmlns="">
+    <mc:Fallback>
       <p:transition spd="slow" advTm="2000">
         <p:random/>
       </p:transition>
@@ -5562,131 +5022,14 @@
           </a:bodyPr>
           <a:lstStyle/>
           <a:p>
-            <a:pPr defTabSz="914217"/>
+            <a:pPr defTabSz="914400"/>
             <a:r>
               <a:rPr lang="en-US" sz="4800" b="1" dirty="0" err="1">
                 <a:solidFill>
                   <a:srgbClr val="000000"/>
                 </a:solidFill>
-                <a:latin typeface="SimHei" panose="02010609060101010101" pitchFamily="49" charset="-122"/>
-                <a:ea typeface="SimHei" panose="02010609060101010101" pitchFamily="49" charset="-122"/>
-                <a:cs typeface="Montserrat" charset="0"/>
-              </a:rPr>
-              <a:t>核酸报告</a:t>
-            </a:r>
-            <a:endParaRPr lang="en-US" sz="4800" b="1" dirty="0">
-              <a:solidFill>
-                <a:srgbClr val="000000"/>
-              </a:solidFill>
-              <a:latin typeface="SimHei" panose="02010609060101010101" pitchFamily="49" charset="-122"/>
-              <a:ea typeface="SimHei" panose="02010609060101010101" pitchFamily="49" charset="-122"/>
-              <a:cs typeface="Montserrat" charset="0"/>
-            </a:endParaRPr>
-          </a:p>
-        </p:txBody>
-      </p:sp>
-      <p:pic>
-        <p:nvPicPr>
-          <p:cNvPr id="2" name="图片 1">
-            <a:extLst>
-              <a:ext uri="{FF2B5EF4-FFF2-40B4-BE49-F238E27FC236}">
-                <a16:creationId xmlns:a16="http://schemas.microsoft.com/office/drawing/2014/main" id="{64F8102F-A647-5040-A1FD-476DF411F7E2}"/>
-              </a:ext>
-            </a:extLst>
-          </p:cNvPr>
-          <p:cNvPicPr>
-            <a:picLocks noChangeAspect="1"/>
-          </p:cNvPicPr>
-          <p:nvPr/>
-        </p:nvPicPr>
-        <p:blipFill>
-          <a:blip r:embed="rId2"/>
-          <a:stretch>
-            <a:fillRect/>
-          </a:stretch>
-        </p:blipFill>
-        <p:spPr>
-          <a:xfrm>
-            <a:off x="7010400" y="473768"/>
-            <a:ext cx="3017520" cy="5910463"/>
-          </a:xfrm>
-          <a:prstGeom prst="rect">
-            <a:avLst/>
-          </a:prstGeom>
-        </p:spPr>
-      </p:pic>
-    </p:spTree>
-    <p:extLst>
-      <p:ext uri="{BB962C8B-B14F-4D97-AF65-F5344CB8AC3E}">
-        <p14:creationId xmlns:p14="http://schemas.microsoft.com/office/powerpoint/2010/main" val="2248566045"/>
-      </p:ext>
-    </p:extLst>
-  </p:cSld>
-  <p:clrMapOvr>
-    <a:masterClrMapping/>
-  </p:clrMapOvr>
-  <mc:AlternateContent xmlns:mc="http://schemas.openxmlformats.org/markup-compatibility/2006" xmlns:p14="http://schemas.microsoft.com/office/powerpoint/2010/main">
-    <mc:Choice Requires="p14">
-      <p:transition spd="slow" p14:dur="1500" advTm="2000">
-        <p:random/>
-      </p:transition>
-    </mc:Choice>
-    <mc:Fallback xmlns="">
-      <p:transition spd="slow" advTm="2000">
-        <p:random/>
-      </p:transition>
-    </mc:Fallback>
-  </mc:AlternateContent>
-</p:sld>
-</file>
-
-<file path=ppt/slides/slide17.xml><?xml version="1.0" encoding="utf-8"?>
-<p:sld xmlns:a="http://schemas.openxmlformats.org/drawingml/2006/main" xmlns:r="http://schemas.openxmlformats.org/officeDocument/2006/relationships" xmlns:p="http://schemas.openxmlformats.org/presentationml/2006/main">
-  <p:cSld>
-    <p:spTree>
-      <p:nvGrpSpPr>
-        <p:cNvPr id="1" name=""/>
-        <p:cNvGrpSpPr/>
-        <p:nvPr/>
-      </p:nvGrpSpPr>
-      <p:grpSpPr>
-        <a:xfrm>
-          <a:off x="0" y="0"/>
-          <a:ext cx="0" cy="0"/>
-          <a:chOff x="0" y="0"/>
-          <a:chExt cx="0" cy="0"/>
-        </a:xfrm>
-      </p:grpSpPr>
-      <p:sp>
-        <p:nvSpPr>
-          <p:cNvPr id="25" name="TextBox 24"/>
-          <p:cNvSpPr txBox="1"/>
-          <p:nvPr/>
-        </p:nvSpPr>
-        <p:spPr>
-          <a:xfrm>
-            <a:off x="1251473" y="3010812"/>
-            <a:ext cx="5147310" cy="830997"/>
-          </a:xfrm>
-          <a:prstGeom prst="rect">
-            <a:avLst/>
-          </a:prstGeom>
-          <a:noFill/>
-        </p:spPr>
-        <p:txBody>
-          <a:bodyPr wrap="square" rtlCol="0">
-            <a:spAutoFit/>
-          </a:bodyPr>
-          <a:lstStyle/>
-          <a:p>
-            <a:pPr defTabSz="914217"/>
-            <a:r>
-              <a:rPr lang="en-US" sz="4800" b="1" dirty="0" err="1">
-                <a:solidFill>
-                  <a:srgbClr val="000000"/>
-                </a:solidFill>
-                <a:latin typeface="SimHei" panose="02010609060101010101" pitchFamily="49" charset="-122"/>
-                <a:ea typeface="SimHei" panose="02010609060101010101" pitchFamily="49" charset="-122"/>
+                <a:latin typeface="黑体" panose="02010609060101010101" pitchFamily="49" charset="-122"/>
+                <a:ea typeface="黑体" panose="02010609060101010101" pitchFamily="49" charset="-122"/>
                 <a:cs typeface="Montserrat" charset="0"/>
               </a:rPr>
               <a:t>预约页面</a:t>
@@ -5695,8 +5038,8 @@
               <a:solidFill>
                 <a:srgbClr val="000000"/>
               </a:solidFill>
-              <a:latin typeface="SimHei" panose="02010609060101010101" pitchFamily="49" charset="-122"/>
-              <a:ea typeface="SimHei" panose="02010609060101010101" pitchFamily="49" charset="-122"/>
+              <a:latin typeface="黑体" panose="02010609060101010101" pitchFamily="49" charset="-122"/>
+              <a:ea typeface="黑体" panose="02010609060101010101" pitchFamily="49" charset="-122"/>
               <a:cs typeface="Montserrat" charset="0"/>
             </a:endParaRPr>
           </a:p>
@@ -5704,20 +5047,14 @@
       </p:sp>
       <p:pic>
         <p:nvPicPr>
-          <p:cNvPr id="3" name="图片 2">
-            <a:extLst>
-              <a:ext uri="{FF2B5EF4-FFF2-40B4-BE49-F238E27FC236}">
-                <a16:creationId xmlns:a16="http://schemas.microsoft.com/office/drawing/2014/main" id="{BDCA0BB6-BE43-A049-9650-FBFB930A5679}"/>
-              </a:ext>
-            </a:extLst>
-          </p:cNvPr>
+          <p:cNvPr id="3" name="图片 2"/>
           <p:cNvPicPr>
             <a:picLocks noChangeAspect="1"/>
           </p:cNvPicPr>
           <p:nvPr/>
         </p:nvPicPr>
         <p:blipFill>
-          <a:blip r:embed="rId2"/>
+          <a:blip r:embed="rId1"/>
           <a:stretch>
             <a:fillRect/>
           </a:stretch>
@@ -5733,22 +5070,17 @@
         </p:spPr>
       </p:pic>
     </p:spTree>
-    <p:extLst>
-      <p:ext uri="{BB962C8B-B14F-4D97-AF65-F5344CB8AC3E}">
-        <p14:creationId xmlns:p14="http://schemas.microsoft.com/office/powerpoint/2010/main" val="1126430079"/>
-      </p:ext>
-    </p:extLst>
   </p:cSld>
   <p:clrMapOvr>
     <a:masterClrMapping/>
   </p:clrMapOvr>
-  <mc:AlternateContent xmlns:mc="http://schemas.openxmlformats.org/markup-compatibility/2006" xmlns:p14="http://schemas.microsoft.com/office/powerpoint/2010/main">
-    <mc:Choice Requires="p14">
+  <mc:AlternateContent xmlns:mc="http://schemas.openxmlformats.org/markup-compatibility/2006">
+    <mc:Choice xmlns:p14="http://schemas.microsoft.com/office/powerpoint/2010/main" Requires="p14">
       <p:transition spd="slow" p14:dur="1500" advTm="2000">
         <p:random/>
       </p:transition>
     </mc:Choice>
-    <mc:Fallback xmlns="">
+    <mc:Fallback>
       <p:transition spd="slow" advTm="2000">
         <p:random/>
       </p:transition>
@@ -5757,7 +5089,7 @@
 </p:sld>
 </file>
 
-<file path=ppt/slides/slide18.xml><?xml version="1.0" encoding="utf-8"?>
+<file path=ppt/slides/slide17.xml><?xml version="1.0" encoding="utf-8"?>
 <p:sld xmlns:a="http://schemas.openxmlformats.org/drawingml/2006/main" xmlns:r="http://schemas.openxmlformats.org/officeDocument/2006/relationships" xmlns:p="http://schemas.openxmlformats.org/presentationml/2006/main">
   <p:cSld>
     <p:spTree>
@@ -5796,14 +5128,14 @@
           </a:bodyPr>
           <a:lstStyle/>
           <a:p>
-            <a:pPr defTabSz="914217"/>
+            <a:pPr defTabSz="914400"/>
             <a:r>
               <a:rPr lang="en-US" sz="4800" b="1" dirty="0" err="1">
                 <a:solidFill>
                   <a:srgbClr val="000000"/>
                 </a:solidFill>
-                <a:latin typeface="SimHei" panose="02010609060101010101" pitchFamily="49" charset="-122"/>
-                <a:ea typeface="SimHei" panose="02010609060101010101" pitchFamily="49" charset="-122"/>
+                <a:latin typeface="黑体" panose="02010609060101010101" pitchFamily="49" charset="-122"/>
+                <a:ea typeface="黑体" panose="02010609060101010101" pitchFamily="49" charset="-122"/>
                 <a:cs typeface="Montserrat" charset="0"/>
               </a:rPr>
               <a:t>个人主页</a:t>
@@ -5812,8 +5144,8 @@
               <a:solidFill>
                 <a:srgbClr val="000000"/>
               </a:solidFill>
-              <a:latin typeface="SimHei" panose="02010609060101010101" pitchFamily="49" charset="-122"/>
-              <a:ea typeface="SimHei" panose="02010609060101010101" pitchFamily="49" charset="-122"/>
+              <a:latin typeface="黑体" panose="02010609060101010101" pitchFamily="49" charset="-122"/>
+              <a:ea typeface="黑体" panose="02010609060101010101" pitchFamily="49" charset="-122"/>
               <a:cs typeface="Montserrat" charset="0"/>
             </a:endParaRPr>
           </a:p>
@@ -5821,20 +5153,14 @@
       </p:sp>
       <p:pic>
         <p:nvPicPr>
-          <p:cNvPr id="2" name="图片 1">
-            <a:extLst>
-              <a:ext uri="{FF2B5EF4-FFF2-40B4-BE49-F238E27FC236}">
-                <a16:creationId xmlns:a16="http://schemas.microsoft.com/office/drawing/2014/main" id="{56DCADFC-0E92-E643-B50A-A46631FBFF89}"/>
-              </a:ext>
-            </a:extLst>
-          </p:cNvPr>
+          <p:cNvPr id="2" name="图片 1"/>
           <p:cNvPicPr>
             <a:picLocks noChangeAspect="1"/>
           </p:cNvPicPr>
           <p:nvPr/>
         </p:nvPicPr>
         <p:blipFill>
-          <a:blip r:embed="rId2"/>
+          <a:blip r:embed="rId1"/>
           <a:stretch>
             <a:fillRect/>
           </a:stretch>
@@ -5850,22 +5176,17 @@
         </p:spPr>
       </p:pic>
     </p:spTree>
-    <p:extLst>
-      <p:ext uri="{BB962C8B-B14F-4D97-AF65-F5344CB8AC3E}">
-        <p14:creationId xmlns:p14="http://schemas.microsoft.com/office/powerpoint/2010/main" val="902714502"/>
-      </p:ext>
-    </p:extLst>
   </p:cSld>
   <p:clrMapOvr>
     <a:masterClrMapping/>
   </p:clrMapOvr>
-  <mc:AlternateContent xmlns:mc="http://schemas.openxmlformats.org/markup-compatibility/2006" xmlns:p14="http://schemas.microsoft.com/office/powerpoint/2010/main">
-    <mc:Choice Requires="p14">
+  <mc:AlternateContent xmlns:mc="http://schemas.openxmlformats.org/markup-compatibility/2006">
+    <mc:Choice xmlns:p14="http://schemas.microsoft.com/office/powerpoint/2010/main" Requires="p14">
       <p:transition spd="slow" p14:dur="1500" advTm="2000">
         <p:random/>
       </p:transition>
     </mc:Choice>
-    <mc:Fallback xmlns="">
+    <mc:Fallback>
       <p:transition spd="slow" advTm="2000">
         <p:random/>
       </p:transition>
@@ -5874,7 +5195,7 @@
 </p:sld>
 </file>
 
-<file path=ppt/slides/slide19.xml><?xml version="1.0" encoding="utf-8"?>
+<file path=ppt/slides/slide18.xml><?xml version="1.0" encoding="utf-8"?>
 <p:sld xmlns:a="http://schemas.openxmlformats.org/drawingml/2006/main" xmlns:r="http://schemas.openxmlformats.org/officeDocument/2006/relationships" xmlns:p="http://schemas.openxmlformats.org/presentationml/2006/main">
   <p:cSld>
     <p:spTree>
@@ -5913,7 +5234,7 @@
           </a:bodyPr>
           <a:lstStyle/>
           <a:p>
-            <a:pPr defTabSz="914217"/>
+            <a:pPr defTabSz="914400"/>
             <a:r>
               <a:rPr lang="en-US" sz="14350" b="1" dirty="0">
                 <a:solidFill>
@@ -5975,7 +5296,7 @@
           </a:bodyPr>
           <a:lstStyle/>
           <a:p>
-            <a:pPr defTabSz="914217">
+            <a:pPr defTabSz="914400">
               <a:lnSpc>
                 <a:spcPts val="6000"/>
               </a:lnSpc>
@@ -5985,8 +5306,8 @@
                 <a:solidFill>
                   <a:srgbClr val="000000"/>
                 </a:solidFill>
-                <a:latin typeface="SimHei" panose="02010609060101010101" pitchFamily="49" charset="-122"/>
-                <a:ea typeface="SimHei" panose="02010609060101010101" pitchFamily="49" charset="-122"/>
+                <a:latin typeface="黑体" panose="02010609060101010101" pitchFamily="49" charset="-122"/>
+                <a:ea typeface="黑体" panose="02010609060101010101" pitchFamily="49" charset="-122"/>
                 <a:cs typeface="Montserrat" charset="0"/>
               </a:rPr>
               <a:t>5.</a:t>
@@ -5996,8 +5317,8 @@
                 <a:solidFill>
                   <a:srgbClr val="000000"/>
                 </a:solidFill>
-                <a:latin typeface="SimHei" panose="02010609060101010101" pitchFamily="49" charset="-122"/>
-                <a:ea typeface="SimHei" panose="02010609060101010101" pitchFamily="49" charset="-122"/>
+                <a:latin typeface="黑体" panose="02010609060101010101" pitchFamily="49" charset="-122"/>
+                <a:ea typeface="黑体" panose="02010609060101010101" pitchFamily="49" charset="-122"/>
                 <a:cs typeface="Montserrat" charset="0"/>
               </a:rPr>
               <a:t>系统架构设计</a:t>
@@ -6006,8 +5327,8 @@
               <a:solidFill>
                 <a:srgbClr val="000000"/>
               </a:solidFill>
-              <a:latin typeface="SimHei" panose="02010609060101010101" pitchFamily="49" charset="-122"/>
-              <a:ea typeface="SimHei" panose="02010609060101010101" pitchFamily="49" charset="-122"/>
+              <a:latin typeface="黑体" panose="02010609060101010101" pitchFamily="49" charset="-122"/>
+              <a:ea typeface="黑体" panose="02010609060101010101" pitchFamily="49" charset="-122"/>
               <a:cs typeface="Montserrat" charset="0"/>
             </a:endParaRPr>
           </a:p>
@@ -6054,7 +5375,7 @@
           <a:bodyPr rtlCol="0" anchor="ctr"/>
           <a:lstStyle/>
           <a:p>
-            <a:pPr algn="ctr" defTabSz="914217"/>
+            <a:pPr algn="ctr" defTabSz="914400"/>
             <a:endParaRPr lang="en-US">
               <a:solidFill>
                 <a:srgbClr val="FFFFFF"/>
@@ -6065,27 +5386,71 @@
         </p:txBody>
       </p:sp>
     </p:spTree>
-    <p:extLst>
-      <p:ext uri="{BB962C8B-B14F-4D97-AF65-F5344CB8AC3E}">
-        <p14:creationId xmlns:p14="http://schemas.microsoft.com/office/powerpoint/2010/main" val="849876229"/>
-      </p:ext>
-    </p:extLst>
   </p:cSld>
   <p:clrMapOvr>
     <a:masterClrMapping/>
   </p:clrMapOvr>
-  <mc:AlternateContent xmlns:mc="http://schemas.openxmlformats.org/markup-compatibility/2006" xmlns:p14="http://schemas.microsoft.com/office/powerpoint/2010/main">
-    <mc:Choice Requires="p14">
+  <mc:AlternateContent xmlns:mc="http://schemas.openxmlformats.org/markup-compatibility/2006">
+    <mc:Choice xmlns:p14="http://schemas.microsoft.com/office/powerpoint/2010/main" Requires="p14">
       <p:transition spd="slow" p14:dur="1500" advTm="2000">
         <p:random/>
       </p:transition>
     </mc:Choice>
-    <mc:Fallback xmlns="">
+    <mc:Fallback>
       <p:transition spd="slow" advTm="2000">
         <p:random/>
       </p:transition>
     </mc:Fallback>
   </mc:AlternateContent>
+</p:sld>
+</file>
+
+<file path=ppt/slides/slide19.xml><?xml version="1.0" encoding="utf-8"?>
+<p:sld xmlns:a="http://schemas.openxmlformats.org/drawingml/2006/main" xmlns:r="http://schemas.openxmlformats.org/officeDocument/2006/relationships" xmlns:p="http://schemas.openxmlformats.org/presentationml/2006/main">
+  <p:cSld>
+    <p:spTree>
+      <p:nvGrpSpPr>
+        <p:cNvPr id="1" name=""/>
+        <p:cNvGrpSpPr/>
+        <p:nvPr/>
+      </p:nvGrpSpPr>
+      <p:grpSpPr>
+        <a:xfrm>
+          <a:off x="0" y="0"/>
+          <a:ext cx="0" cy="0"/>
+          <a:chOff x="0" y="0"/>
+          <a:chExt cx="0" cy="0"/>
+        </a:xfrm>
+      </p:grpSpPr>
+      <p:pic>
+        <p:nvPicPr>
+          <p:cNvPr id="2" name="图片 1"/>
+          <p:cNvPicPr>
+            <a:picLocks noChangeAspect="1"/>
+          </p:cNvPicPr>
+          <p:nvPr/>
+        </p:nvPicPr>
+        <p:blipFill>
+          <a:blip r:embed="rId1"/>
+          <a:stretch>
+            <a:fillRect/>
+          </a:stretch>
+        </p:blipFill>
+        <p:spPr>
+          <a:xfrm>
+            <a:off x="3012153" y="207839"/>
+            <a:ext cx="6167693" cy="6442321"/>
+          </a:xfrm>
+          <a:prstGeom prst="rect">
+            <a:avLst/>
+          </a:prstGeom>
+        </p:spPr>
+      </p:pic>
+    </p:spTree>
+  </p:cSld>
+  <p:clrMapOvr>
+    <a:masterClrMapping/>
+  </p:clrMapOvr>
 </p:sld>
 </file>
 
@@ -6128,7 +5493,7 @@
           </a:bodyPr>
           <a:lstStyle/>
           <a:p>
-            <a:pPr defTabSz="914217"/>
+            <a:pPr defTabSz="914400"/>
             <a:r>
               <a:rPr lang="en-US" sz="14350" b="1">
                 <a:solidFill>
@@ -6177,14 +5542,14 @@
           </a:bodyPr>
           <a:lstStyle/>
           <a:p>
-            <a:pPr defTabSz="914217"/>
+            <a:pPr defTabSz="914400"/>
             <a:r>
               <a:rPr lang="en-US" altLang="zh-CN" sz="6900" b="1" spc="300" dirty="0">
                 <a:solidFill>
                   <a:srgbClr val="000000"/>
                 </a:solidFill>
-                <a:latin typeface="SimHei" panose="02010609060101010101" pitchFamily="49" charset="-122"/>
-                <a:ea typeface="SimHei" panose="02010609060101010101" pitchFamily="49" charset="-122"/>
+                <a:latin typeface="黑体" panose="02010609060101010101" pitchFamily="49" charset="-122"/>
+                <a:ea typeface="黑体" panose="02010609060101010101" pitchFamily="49" charset="-122"/>
                 <a:cs typeface="Montserrat" charset="0"/>
               </a:rPr>
               <a:t>1.</a:t>
@@ -6194,8 +5559,8 @@
                 <a:solidFill>
                   <a:srgbClr val="000000"/>
                 </a:solidFill>
-                <a:latin typeface="SimHei" panose="02010609060101010101" pitchFamily="49" charset="-122"/>
-                <a:ea typeface="SimHei" panose="02010609060101010101" pitchFamily="49" charset="-122"/>
+                <a:latin typeface="黑体" panose="02010609060101010101" pitchFamily="49" charset="-122"/>
+                <a:ea typeface="黑体" panose="02010609060101010101" pitchFamily="49" charset="-122"/>
                 <a:cs typeface="Montserrat" charset="0"/>
               </a:rPr>
               <a:t>简要介绍</a:t>
@@ -6204,8 +5569,8 @@
               <a:solidFill>
                 <a:srgbClr val="000000"/>
               </a:solidFill>
-              <a:latin typeface="SimHei" panose="02010609060101010101" pitchFamily="49" charset="-122"/>
-              <a:ea typeface="SimHei" panose="02010609060101010101" pitchFamily="49" charset="-122"/>
+              <a:latin typeface="黑体" panose="02010609060101010101" pitchFamily="49" charset="-122"/>
+              <a:ea typeface="黑体" panose="02010609060101010101" pitchFamily="49" charset="-122"/>
               <a:cs typeface="Montserrat" charset="0"/>
             </a:endParaRPr>
           </a:p>
@@ -6252,7 +5617,7 @@
           <a:bodyPr rtlCol="0" anchor="ctr"/>
           <a:lstStyle/>
           <a:p>
-            <a:pPr algn="ctr" defTabSz="914217"/>
+            <a:pPr algn="ctr" defTabSz="914400"/>
             <a:endParaRPr lang="en-US">
               <a:solidFill>
                 <a:srgbClr val="FFFFFF"/>
@@ -6263,22 +5628,17 @@
         </p:txBody>
       </p:sp>
     </p:spTree>
-    <p:extLst>
-      <p:ext uri="{BB962C8B-B14F-4D97-AF65-F5344CB8AC3E}">
-        <p14:creationId xmlns:p14="http://schemas.microsoft.com/office/powerpoint/2010/main" val="1421186593"/>
-      </p:ext>
-    </p:extLst>
   </p:cSld>
   <p:clrMapOvr>
     <a:masterClrMapping/>
   </p:clrMapOvr>
-  <mc:AlternateContent xmlns:mc="http://schemas.openxmlformats.org/markup-compatibility/2006" xmlns:p14="http://schemas.microsoft.com/office/powerpoint/2010/main">
-    <mc:Choice Requires="p14">
+  <mc:AlternateContent xmlns:mc="http://schemas.openxmlformats.org/markup-compatibility/2006">
+    <mc:Choice xmlns:p14="http://schemas.microsoft.com/office/powerpoint/2010/main" Requires="p14">
       <p:transition spd="slow" p14:dur="1500" advTm="2000">
         <p:random/>
       </p:transition>
     </mc:Choice>
-    <mc:Fallback xmlns="">
+    <mc:Fallback>
       <p:transition spd="slow" advTm="2000">
         <p:random/>
       </p:transition>
@@ -6304,42 +5664,141 @@
           <a:chExt cx="0" cy="0"/>
         </a:xfrm>
       </p:grpSpPr>
-      <p:pic>
-        <p:nvPicPr>
-          <p:cNvPr id="2" name="图片 1">
-            <a:extLst>
-              <a:ext uri="{FF2B5EF4-FFF2-40B4-BE49-F238E27FC236}">
-                <a16:creationId xmlns:a16="http://schemas.microsoft.com/office/drawing/2014/main" id="{CE1088C1-685B-F94B-96D7-666640565841}"/>
-              </a:ext>
-            </a:extLst>
-          </p:cNvPr>
-          <p:cNvPicPr>
-            <a:picLocks noChangeAspect="1"/>
-          </p:cNvPicPr>
+      <p:sp>
+        <p:nvSpPr>
+          <p:cNvPr id="3" name="文本框 2"/>
+          <p:cNvSpPr txBox="1"/>
           <p:nvPr/>
-        </p:nvPicPr>
-        <p:blipFill>
-          <a:blip r:embed="rId2"/>
-          <a:stretch>
-            <a:fillRect/>
-          </a:stretch>
-        </p:blipFill>
+        </p:nvSpPr>
         <p:spPr>
           <a:xfrm>
-            <a:off x="3012153" y="207839"/>
-            <a:ext cx="6167693" cy="6442321"/>
+            <a:off x="1249680" y="914400"/>
+            <a:ext cx="9253855" cy="5077460"/>
           </a:xfrm>
           <a:prstGeom prst="rect">
             <a:avLst/>
           </a:prstGeom>
+          <a:noFill/>
         </p:spPr>
-      </p:pic>
+        <p:txBody>
+          <a:bodyPr wrap="square" rtlCol="0" anchor="t">
+            <a:spAutoFit/>
+          </a:bodyPr>
+          <a:p>
+            <a:r>
+              <a:rPr lang="zh-CN" altLang="en-US">
+                <a:solidFill>
+                  <a:schemeClr val="accent1"/>
+                </a:solidFill>
+              </a:rPr>
+              <a:t>- 业务分析：由于医院预约系统的性质，业务方面，用户需要分为医生、病人两种类型，同时为了方便系统的后台管理，还应加入管理员类型，因此共有三种用户类型。每个类型的用户有其不同的操作和需要保存的信息。</a:t>
+            </a:r>
+            <a:endParaRPr lang="zh-CN" altLang="en-US">
+              <a:solidFill>
+                <a:schemeClr val="accent1"/>
+              </a:solidFill>
+            </a:endParaRPr>
+          </a:p>
+          <a:p>
+            <a:r>
+              <a:rPr lang="zh-CN" altLang="en-US">
+                <a:solidFill>
+                  <a:schemeClr val="accent1"/>
+                </a:solidFill>
+              </a:rPr>
+              <a:t>- 前端：分为web端和移动端两端。web端适合提供给医生和管理员使用，移动端适合提供给别人使用。web端需要实现的业务功能有：登陆，用户管理，医生会诊等。移动端需要实现的业务功能有：登陆注册，修改用户信息，预约挂号，查看预约记录，自助导诊，医院介绍等。</a:t>
+            </a:r>
+            <a:endParaRPr lang="zh-CN" altLang="en-US">
+              <a:solidFill>
+                <a:schemeClr val="accent1"/>
+              </a:solidFill>
+            </a:endParaRPr>
+          </a:p>
+          <a:p>
+            <a:r>
+              <a:rPr lang="zh-CN" altLang="en-US">
+                <a:solidFill>
+                  <a:schemeClr val="accent1"/>
+                </a:solidFill>
+              </a:rPr>
+              <a:t>- 后端：后端根据业务逻辑创建不同的控制类，根据API文档开发相关接口。采用MSCM架构，controller控制层，通过service的接口来控制业务流程，也可通过接收前端传过来的参数进行业务操作。model数据模型层，存放实体类，与数据库中的属性值基本保持一致。service业务逻辑层，主要是针对具体的问题的操作，把一些数据层的操作进行组合，间接与数据库打交道。 mapper数据存储对象，mapper层直接与数据库打交道（执行SQL语句），接口提供给service层。</a:t>
+            </a:r>
+            <a:endParaRPr lang="zh-CN" altLang="en-US">
+              <a:solidFill>
+                <a:schemeClr val="accent1"/>
+              </a:solidFill>
+            </a:endParaRPr>
+          </a:p>
+          <a:p>
+            <a:r>
+              <a:rPr lang="zh-CN" altLang="en-US">
+                <a:solidFill>
+                  <a:schemeClr val="accent1"/>
+                </a:solidFill>
+              </a:rPr>
+              <a:t>- API：使用APIfox进行接口设计和管理，并完成接口测试。方便快捷，易操作。</a:t>
+            </a:r>
+            <a:endParaRPr lang="zh-CN" altLang="en-US">
+              <a:solidFill>
+                <a:schemeClr val="accent1"/>
+              </a:solidFill>
+            </a:endParaRPr>
+          </a:p>
+          <a:p>
+            <a:r>
+              <a:rPr lang="zh-CN" altLang="en-US">
+                <a:solidFill>
+                  <a:schemeClr val="accent1"/>
+                </a:solidFill>
+              </a:rPr>
+              <a:t>- 数据库：根据业务逻辑，大致需要4个表，医生表、病人表、科室表、预约表。因为病人和医生是有预约关系的，一个病人可以预约多个医生，一个医生也可被多个病人预约，他们存在多对多的关系，因此需要一个中间表即预约表来反映这种关系。预约表中需要有病人id和医生id属性作为外键，在需要查询的时候，只要通过级联查询三个表即可。</a:t>
+            </a:r>
+            <a:endParaRPr lang="zh-CN" altLang="en-US">
+              <a:solidFill>
+                <a:schemeClr val="accent1"/>
+              </a:solidFill>
+            </a:endParaRPr>
+          </a:p>
+        </p:txBody>
+      </p:sp>
+      <p:sp>
+        <p:nvSpPr>
+          <p:cNvPr id="5" name="文本框 4"/>
+          <p:cNvSpPr txBox="1"/>
+          <p:nvPr/>
+        </p:nvSpPr>
+        <p:spPr>
+          <a:xfrm>
+            <a:off x="4861560" y="228600"/>
+            <a:ext cx="2011680" cy="645160"/>
+          </a:xfrm>
+          <a:prstGeom prst="rect">
+            <a:avLst/>
+          </a:prstGeom>
+          <a:noFill/>
+        </p:spPr>
+        <p:txBody>
+          <a:bodyPr wrap="none" rtlCol="0">
+            <a:spAutoFit/>
+          </a:bodyPr>
+          <a:p>
+            <a:r>
+              <a:rPr lang="zh-CN" altLang="en-US" sz="3600">
+                <a:solidFill>
+                  <a:schemeClr val="accent1"/>
+                </a:solidFill>
+              </a:rPr>
+              <a:t>整体架构</a:t>
+            </a:r>
+            <a:endParaRPr lang="zh-CN" altLang="en-US" sz="3600">
+              <a:solidFill>
+                <a:schemeClr val="accent1"/>
+              </a:solidFill>
+            </a:endParaRPr>
+          </a:p>
+        </p:txBody>
+      </p:sp>
     </p:spTree>
-    <p:extLst>
-      <p:ext uri="{BB962C8B-B14F-4D97-AF65-F5344CB8AC3E}">
-        <p14:creationId xmlns:p14="http://schemas.microsoft.com/office/powerpoint/2010/main" val="1477194370"/>
-      </p:ext>
-    </p:extLst>
   </p:cSld>
   <p:clrMapOvr>
     <a:masterClrMapping/>
@@ -6348,6 +5807,300 @@
 </file>
 
 <file path=ppt/slides/slide21.xml><?xml version="1.0" encoding="utf-8"?>
+<p:sld xmlns:a="http://schemas.openxmlformats.org/drawingml/2006/main" xmlns:r="http://schemas.openxmlformats.org/officeDocument/2006/relationships" xmlns:p="http://schemas.openxmlformats.org/presentationml/2006/main">
+  <p:cSld>
+    <p:spTree>
+      <p:nvGrpSpPr>
+        <p:cNvPr id="1" name=""/>
+        <p:cNvGrpSpPr/>
+        <p:nvPr/>
+      </p:nvGrpSpPr>
+      <p:grpSpPr>
+        <a:xfrm>
+          <a:off x="0" y="0"/>
+          <a:ext cx="0" cy="0"/>
+          <a:chOff x="0" y="0"/>
+          <a:chExt cx="0" cy="0"/>
+        </a:xfrm>
+      </p:grpSpPr>
+      <p:sp>
+        <p:nvSpPr>
+          <p:cNvPr id="3" name="文本框 2"/>
+          <p:cNvSpPr txBox="1"/>
+          <p:nvPr/>
+        </p:nvSpPr>
+        <p:spPr>
+          <a:xfrm>
+            <a:off x="1752600" y="2240280"/>
+            <a:ext cx="9253855" cy="2306955"/>
+          </a:xfrm>
+          <a:prstGeom prst="rect">
+            <a:avLst/>
+          </a:prstGeom>
+          <a:noFill/>
+        </p:spPr>
+        <p:txBody>
+          <a:bodyPr wrap="square" rtlCol="0" anchor="t">
+            <a:spAutoFit/>
+          </a:bodyPr>
+          <a:p>
+            <a:r>
+              <a:rPr lang="zh-CN" altLang="en-US">
+                <a:solidFill>
+                  <a:schemeClr val="accent1"/>
+                </a:solidFill>
+              </a:rPr>
+              <a:t>- web端：①VUE3框架，简化对DOM元素的操作，提升开发效率；②axios，实现对后端接口的调用；③element-plus组件库，使用其提供的组件，提升开发效率，提高页面美观度。</a:t>
+            </a:r>
+            <a:endParaRPr lang="zh-CN" altLang="en-US">
+              <a:solidFill>
+                <a:schemeClr val="accent1"/>
+              </a:solidFill>
+            </a:endParaRPr>
+          </a:p>
+          <a:p>
+            <a:endParaRPr lang="zh-CN" altLang="en-US">
+              <a:solidFill>
+                <a:schemeClr val="accent1"/>
+              </a:solidFill>
+            </a:endParaRPr>
+          </a:p>
+          <a:p>
+            <a:r>
+              <a:rPr lang="zh-CN" altLang="en-US">
+                <a:solidFill>
+                  <a:schemeClr val="accent1"/>
+                </a:solidFill>
+              </a:rPr>
+              <a:t>- 移动端：①uniapp框架，同样基于vue，减少开发的学习成本，简化对DOM元素的操作，提升开发效率。并且该框架一套代码即可发行到小程序、安卓、苹果三大平台；②uView1.8组件库，使用其提供的组件，提升开发效率，提高页面美观度。</a:t>
+            </a:r>
+            <a:endParaRPr lang="zh-CN" altLang="en-US">
+              <a:solidFill>
+                <a:schemeClr val="accent1"/>
+              </a:solidFill>
+            </a:endParaRPr>
+          </a:p>
+          <a:p>
+            <a:endParaRPr lang="zh-CN" altLang="en-US">
+              <a:solidFill>
+                <a:schemeClr val="accent1"/>
+              </a:solidFill>
+            </a:endParaRPr>
+          </a:p>
+        </p:txBody>
+      </p:sp>
+      <p:sp>
+        <p:nvSpPr>
+          <p:cNvPr id="5" name="文本框 4"/>
+          <p:cNvSpPr txBox="1"/>
+          <p:nvPr/>
+        </p:nvSpPr>
+        <p:spPr>
+          <a:xfrm>
+            <a:off x="4861560" y="228600"/>
+            <a:ext cx="2926080" cy="645160"/>
+          </a:xfrm>
+          <a:prstGeom prst="rect">
+            <a:avLst/>
+          </a:prstGeom>
+          <a:noFill/>
+        </p:spPr>
+        <p:txBody>
+          <a:bodyPr wrap="none" rtlCol="0">
+            <a:spAutoFit/>
+          </a:bodyPr>
+          <a:p>
+            <a:r>
+              <a:rPr lang="zh-CN" altLang="en-US" sz="3600">
+                <a:solidFill>
+                  <a:schemeClr val="accent1"/>
+                </a:solidFill>
+              </a:rPr>
+              <a:t>前端实现方案</a:t>
+            </a:r>
+            <a:endParaRPr lang="zh-CN" altLang="en-US" sz="3600">
+              <a:solidFill>
+                <a:schemeClr val="accent1"/>
+              </a:solidFill>
+            </a:endParaRPr>
+          </a:p>
+        </p:txBody>
+      </p:sp>
+    </p:spTree>
+  </p:cSld>
+  <p:clrMapOvr>
+    <a:masterClrMapping/>
+  </p:clrMapOvr>
+</p:sld>
+</file>
+
+<file path=ppt/slides/slide22.xml><?xml version="1.0" encoding="utf-8"?>
+<p:sld xmlns:a="http://schemas.openxmlformats.org/drawingml/2006/main" xmlns:r="http://schemas.openxmlformats.org/officeDocument/2006/relationships" xmlns:p="http://schemas.openxmlformats.org/presentationml/2006/main">
+  <p:cSld>
+    <p:spTree>
+      <p:nvGrpSpPr>
+        <p:cNvPr id="1" name=""/>
+        <p:cNvGrpSpPr/>
+        <p:nvPr/>
+      </p:nvGrpSpPr>
+      <p:grpSpPr>
+        <a:xfrm>
+          <a:off x="0" y="0"/>
+          <a:ext cx="0" cy="0"/>
+          <a:chOff x="0" y="0"/>
+          <a:chExt cx="0" cy="0"/>
+        </a:xfrm>
+      </p:grpSpPr>
+      <p:sp>
+        <p:nvSpPr>
+          <p:cNvPr id="3" name="文本框 2"/>
+          <p:cNvSpPr txBox="1"/>
+          <p:nvPr/>
+        </p:nvSpPr>
+        <p:spPr>
+          <a:xfrm>
+            <a:off x="1697990" y="1097280"/>
+            <a:ext cx="9253855" cy="4246245"/>
+          </a:xfrm>
+          <a:prstGeom prst="rect">
+            <a:avLst/>
+          </a:prstGeom>
+          <a:noFill/>
+        </p:spPr>
+        <p:txBody>
+          <a:bodyPr wrap="square" rtlCol="0" anchor="t">
+            <a:spAutoFit/>
+          </a:bodyPr>
+          <a:p>
+            <a:r>
+              <a:rPr lang="zh-CN" altLang="en-US">
+                <a:solidFill>
+                  <a:schemeClr val="accent1"/>
+                </a:solidFill>
+              </a:rPr>
+              <a:t>- Springboot框架，配置简单，内嵌servlet容器。方便接口编写，减少了大量的开发时间并提高了生产力。</a:t>
+            </a:r>
+            <a:endParaRPr lang="zh-CN" altLang="en-US">
+              <a:solidFill>
+                <a:schemeClr val="accent1"/>
+              </a:solidFill>
+            </a:endParaRPr>
+          </a:p>
+          <a:p>
+            <a:r>
+              <a:rPr lang="zh-CN" altLang="en-US">
+                <a:solidFill>
+                  <a:schemeClr val="accent1"/>
+                </a:solidFill>
+              </a:rPr>
+              <a:t>- mybatis：易于上手和掌握。sql写在xml里，便于统一管理和优化。解除sql与程序代码的耦合。提供映射标签，支持对象与数据库的orm字段关系映射提供对象关系映射标签，支持对象关系组建维护。但是sql工作量很大，尤其是字段多、关联表多时，更是如此。</a:t>
+            </a:r>
+            <a:endParaRPr lang="zh-CN" altLang="en-US">
+              <a:solidFill>
+                <a:schemeClr val="accent1"/>
+              </a:solidFill>
+            </a:endParaRPr>
+          </a:p>
+          <a:p>
+            <a:r>
+              <a:rPr lang="zh-CN" altLang="en-US">
+                <a:solidFill>
+                  <a:schemeClr val="accent1"/>
+                </a:solidFill>
+              </a:rPr>
+              <a:t>- mybatis-plus：解决了mybatis的sql工作量大的缺点，一些简单的数据库操作不需要手动写sql语句，并且提供了方便的分页查询功能，减轻了前端开发的工作量。不过它也只适合实现一些简单的业务操作，不适合复杂的应用场景，如级联查询等，因此还需穿插使用mybatis。</a:t>
+            </a:r>
+            <a:endParaRPr lang="zh-CN" altLang="en-US">
+              <a:solidFill>
+                <a:schemeClr val="accent1"/>
+              </a:solidFill>
+            </a:endParaRPr>
+          </a:p>
+          <a:p>
+            <a:r>
+              <a:rPr lang="zh-CN" altLang="en-US">
+                <a:solidFill>
+                  <a:schemeClr val="accent1"/>
+                </a:solidFill>
+              </a:rPr>
+              <a:t>- lombok：能通过注解的形式自动生成构造器、getter/setter、equals、hashcode、toString等方法，提高了一定的开发效率让代码变得简洁，不用过多的去关注相应的方法，属性做修改时，也简化了维护为这些属性所生成的getter/setter方法等。</a:t>
+            </a:r>
+            <a:endParaRPr lang="zh-CN" altLang="en-US">
+              <a:solidFill>
+                <a:schemeClr val="accent1"/>
+              </a:solidFill>
+            </a:endParaRPr>
+          </a:p>
+          <a:p>
+            <a:endParaRPr lang="zh-CN" altLang="en-US">
+              <a:solidFill>
+                <a:schemeClr val="accent1"/>
+              </a:solidFill>
+            </a:endParaRPr>
+          </a:p>
+          <a:p>
+            <a:r>
+              <a:rPr lang="zh-CN" altLang="en-US">
+                <a:solidFill>
+                  <a:schemeClr val="accent1"/>
+                </a:solidFill>
+              </a:rPr>
+              <a:t>数据库：通过对项目中需要持久化的数据的分析，本项目只需使用关系型数据库mysql即可。</a:t>
+            </a:r>
+            <a:endParaRPr lang="zh-CN" altLang="en-US">
+              <a:solidFill>
+                <a:schemeClr val="accent1"/>
+              </a:solidFill>
+            </a:endParaRPr>
+          </a:p>
+        </p:txBody>
+      </p:sp>
+      <p:sp>
+        <p:nvSpPr>
+          <p:cNvPr id="5" name="文本框 4"/>
+          <p:cNvSpPr txBox="1"/>
+          <p:nvPr/>
+        </p:nvSpPr>
+        <p:spPr>
+          <a:xfrm>
+            <a:off x="4861560" y="228600"/>
+            <a:ext cx="2926080" cy="645160"/>
+          </a:xfrm>
+          <a:prstGeom prst="rect">
+            <a:avLst/>
+          </a:prstGeom>
+          <a:noFill/>
+        </p:spPr>
+        <p:txBody>
+          <a:bodyPr wrap="none" rtlCol="0">
+            <a:spAutoFit/>
+          </a:bodyPr>
+          <a:p>
+            <a:r>
+              <a:rPr lang="zh-CN" altLang="en-US" sz="3600">
+                <a:solidFill>
+                  <a:schemeClr val="accent1"/>
+                </a:solidFill>
+              </a:rPr>
+              <a:t>后端实现方案</a:t>
+            </a:r>
+            <a:endParaRPr lang="zh-CN" altLang="en-US" sz="3600">
+              <a:solidFill>
+                <a:schemeClr val="accent1"/>
+              </a:solidFill>
+            </a:endParaRPr>
+          </a:p>
+        </p:txBody>
+      </p:sp>
+    </p:spTree>
+  </p:cSld>
+  <p:clrMapOvr>
+    <a:masterClrMapping/>
+  </p:clrMapOvr>
+</p:sld>
+</file>
+
+<file path=ppt/slides/slide23.xml><?xml version="1.0" encoding="utf-8"?>
 <p:sld xmlns:a="http://schemas.openxmlformats.org/drawingml/2006/main" xmlns:r="http://schemas.openxmlformats.org/officeDocument/2006/relationships" xmlns:p="http://schemas.openxmlformats.org/presentationml/2006/main">
   <p:cSld>
     <p:spTree>
@@ -6386,7 +6139,7 @@
           </a:bodyPr>
           <a:lstStyle/>
           <a:p>
-            <a:pPr defTabSz="914217"/>
+            <a:pPr defTabSz="914400"/>
             <a:r>
               <a:rPr lang="en-US" sz="14350" b="1" dirty="0">
                 <a:solidFill>
@@ -6448,7 +6201,7 @@
           </a:bodyPr>
           <a:lstStyle/>
           <a:p>
-            <a:pPr defTabSz="914217">
+            <a:pPr defTabSz="914400">
               <a:lnSpc>
                 <a:spcPts val="6000"/>
               </a:lnSpc>
@@ -6458,8 +6211,8 @@
                 <a:solidFill>
                   <a:srgbClr val="000000"/>
                 </a:solidFill>
-                <a:latin typeface="SimHei" panose="02010609060101010101" pitchFamily="49" charset="-122"/>
-                <a:ea typeface="SimHei" panose="02010609060101010101" pitchFamily="49" charset="-122"/>
+                <a:latin typeface="黑体" panose="02010609060101010101" pitchFamily="49" charset="-122"/>
+                <a:ea typeface="黑体" panose="02010609060101010101" pitchFamily="49" charset="-122"/>
                 <a:cs typeface="Montserrat" charset="0"/>
               </a:rPr>
               <a:t>感谢观看</a:t>
@@ -6469,8 +6222,8 @@
                 <a:solidFill>
                   <a:srgbClr val="000000"/>
                 </a:solidFill>
-                <a:latin typeface="SimHei" panose="02010609060101010101" pitchFamily="49" charset="-122"/>
-                <a:ea typeface="SimHei" panose="02010609060101010101" pitchFamily="49" charset="-122"/>
+                <a:latin typeface="黑体" panose="02010609060101010101" pitchFamily="49" charset="-122"/>
+                <a:ea typeface="黑体" panose="02010609060101010101" pitchFamily="49" charset="-122"/>
                 <a:cs typeface="Montserrat" charset="0"/>
               </a:rPr>
               <a:t>！</a:t>
@@ -6479,8 +6232,8 @@
               <a:solidFill>
                 <a:srgbClr val="000000"/>
               </a:solidFill>
-              <a:latin typeface="SimHei" panose="02010609060101010101" pitchFamily="49" charset="-122"/>
-              <a:ea typeface="SimHei" panose="02010609060101010101" pitchFamily="49" charset="-122"/>
+              <a:latin typeface="黑体" panose="02010609060101010101" pitchFamily="49" charset="-122"/>
+              <a:ea typeface="黑体" panose="02010609060101010101" pitchFamily="49" charset="-122"/>
               <a:cs typeface="Montserrat" charset="0"/>
             </a:endParaRPr>
           </a:p>
@@ -6527,7 +6280,7 @@
           <a:bodyPr rtlCol="0" anchor="ctr"/>
           <a:lstStyle/>
           <a:p>
-            <a:pPr algn="ctr" defTabSz="914217"/>
+            <a:pPr algn="ctr" defTabSz="914400"/>
             <a:endParaRPr lang="en-US">
               <a:solidFill>
                 <a:srgbClr val="FFFFFF"/>
@@ -6538,22 +6291,17 @@
         </p:txBody>
       </p:sp>
     </p:spTree>
-    <p:extLst>
-      <p:ext uri="{BB962C8B-B14F-4D97-AF65-F5344CB8AC3E}">
-        <p14:creationId xmlns:p14="http://schemas.microsoft.com/office/powerpoint/2010/main" val="359147515"/>
-      </p:ext>
-    </p:extLst>
   </p:cSld>
   <p:clrMapOvr>
     <a:masterClrMapping/>
   </p:clrMapOvr>
-  <mc:AlternateContent xmlns:mc="http://schemas.openxmlformats.org/markup-compatibility/2006" xmlns:p14="http://schemas.microsoft.com/office/powerpoint/2010/main">
-    <mc:Choice Requires="p14">
+  <mc:AlternateContent xmlns:mc="http://schemas.openxmlformats.org/markup-compatibility/2006">
+    <mc:Choice xmlns:p14="http://schemas.microsoft.com/office/powerpoint/2010/main" Requires="p14">
       <p:transition spd="slow" p14:dur="1500" advTm="2000">
         <p:random/>
       </p:transition>
     </mc:Choice>
-    <mc:Fallback xmlns="">
+    <mc:Fallback>
       <p:transition spd="slow" advTm="2000">
         <p:random/>
       </p:transition>
@@ -6582,9 +6330,7 @@
       <p:sp>
         <p:nvSpPr>
           <p:cNvPr id="4" name="Subtitle 2"/>
-          <p:cNvSpPr txBox="1">
-            <a:spLocks/>
-          </p:cNvSpPr>
+          <p:cNvSpPr txBox="1"/>
           <p:nvPr/>
         </p:nvSpPr>
         <p:spPr>
@@ -6601,7 +6347,7 @@
             <a:spAutoFit/>
           </a:bodyPr>
           <a:lstStyle>
-            <a:lvl1pPr marL="0" indent="0" algn="l" defTabSz="1828434" rtl="0" eaLnBrk="1" latinLnBrk="0" hangingPunct="1">
+            <a:lvl1pPr marL="0" indent="0" algn="l" defTabSz="1828165" rtl="0" eaLnBrk="1" latinLnBrk="0" hangingPunct="1">
               <a:lnSpc>
                 <a:spcPct val="90000"/>
               </a:lnSpc>
@@ -6620,7 +6366,7 @@
                 <a:cs typeface="Montserrat Hairline" charset="0"/>
               </a:defRPr>
             </a:lvl1pPr>
-            <a:lvl2pPr marL="914217" indent="0" algn="l" defTabSz="1828434" rtl="0" eaLnBrk="1" latinLnBrk="0" hangingPunct="1">
+            <a:lvl2pPr marL="914400" indent="0" algn="l" defTabSz="1828165" rtl="0" eaLnBrk="1" latinLnBrk="0" hangingPunct="1">
               <a:lnSpc>
                 <a:spcPct val="90000"/>
               </a:lnSpc>
@@ -6639,7 +6385,7 @@
                 <a:cs typeface="Montserrat Hairline" charset="0"/>
               </a:defRPr>
             </a:lvl2pPr>
-            <a:lvl3pPr marL="1828434" indent="0" algn="l" defTabSz="1828434" rtl="0" eaLnBrk="1" latinLnBrk="0" hangingPunct="1">
+            <a:lvl3pPr marL="1828165" indent="0" algn="l" defTabSz="1828165" rtl="0" eaLnBrk="1" latinLnBrk="0" hangingPunct="1">
               <a:lnSpc>
                 <a:spcPct val="90000"/>
               </a:lnSpc>
@@ -6658,7 +6404,7 @@
                 <a:cs typeface="Montserrat Hairline" charset="0"/>
               </a:defRPr>
             </a:lvl3pPr>
-            <a:lvl4pPr marL="2742651" indent="0" algn="l" defTabSz="1828434" rtl="0" eaLnBrk="1" latinLnBrk="0" hangingPunct="1">
+            <a:lvl4pPr marL="2742565" indent="0" algn="l" defTabSz="1828165" rtl="0" eaLnBrk="1" latinLnBrk="0" hangingPunct="1">
               <a:lnSpc>
                 <a:spcPct val="90000"/>
               </a:lnSpc>
@@ -6677,7 +6423,7 @@
                 <a:cs typeface="Montserrat Hairline" charset="0"/>
               </a:defRPr>
             </a:lvl4pPr>
-            <a:lvl5pPr marL="3656868" indent="0" algn="l" defTabSz="1828434" rtl="0" eaLnBrk="1" latinLnBrk="0" hangingPunct="1">
+            <a:lvl5pPr marL="3656965" indent="0" algn="l" defTabSz="1828165" rtl="0" eaLnBrk="1" latinLnBrk="0" hangingPunct="1">
               <a:lnSpc>
                 <a:spcPct val="90000"/>
               </a:lnSpc>
@@ -6696,7 +6442,7 @@
                 <a:cs typeface="Montserrat Hairline" charset="0"/>
               </a:defRPr>
             </a:lvl5pPr>
-            <a:lvl6pPr marL="5028194" indent="-457109" algn="l" defTabSz="1828434" rtl="0" eaLnBrk="1" latinLnBrk="0" hangingPunct="1">
+            <a:lvl6pPr marL="5027930" indent="-457200" algn="l" defTabSz="1828165" rtl="0" eaLnBrk="1" latinLnBrk="0" hangingPunct="1">
               <a:lnSpc>
                 <a:spcPct val="90000"/>
               </a:lnSpc>
@@ -6714,7 +6460,7 @@
                 <a:cs typeface="+mn-cs"/>
               </a:defRPr>
             </a:lvl6pPr>
-            <a:lvl7pPr marL="5942411" indent="-457109" algn="l" defTabSz="1828434" rtl="0" eaLnBrk="1" latinLnBrk="0" hangingPunct="1">
+            <a:lvl7pPr marL="5942330" indent="-457200" algn="l" defTabSz="1828165" rtl="0" eaLnBrk="1" latinLnBrk="0" hangingPunct="1">
               <a:lnSpc>
                 <a:spcPct val="90000"/>
               </a:lnSpc>
@@ -6732,7 +6478,7 @@
                 <a:cs typeface="+mn-cs"/>
               </a:defRPr>
             </a:lvl7pPr>
-            <a:lvl8pPr marL="6856628" indent="-457109" algn="l" defTabSz="1828434" rtl="0" eaLnBrk="1" latinLnBrk="0" hangingPunct="1">
+            <a:lvl8pPr marL="6856730" indent="-457200" algn="l" defTabSz="1828165" rtl="0" eaLnBrk="1" latinLnBrk="0" hangingPunct="1">
               <a:lnSpc>
                 <a:spcPct val="90000"/>
               </a:lnSpc>
@@ -6750,7 +6496,7 @@
                 <a:cs typeface="+mn-cs"/>
               </a:defRPr>
             </a:lvl8pPr>
-            <a:lvl9pPr marL="7770846" indent="-457109" algn="l" defTabSz="1828434" rtl="0" eaLnBrk="1" latinLnBrk="0" hangingPunct="1">
+            <a:lvl9pPr marL="7771130" indent="-457200" algn="l" defTabSz="1828165" rtl="0" eaLnBrk="1" latinLnBrk="0" hangingPunct="1">
               <a:lnSpc>
                 <a:spcPct val="90000"/>
               </a:lnSpc>
@@ -6770,7 +6516,7 @@
             </a:lvl9pPr>
           </a:lstStyle>
           <a:p>
-            <a:pPr defTabSz="914217">
+            <a:pPr defTabSz="914400">
               <a:lnSpc>
                 <a:spcPct val="140000"/>
               </a:lnSpc>
@@ -6783,15 +6529,23 @@
                 <a:solidFill>
                   <a:srgbClr val="000000"/>
                 </a:solidFill>
-                <a:latin typeface="SimHei" panose="02010609060101010101" pitchFamily="49" charset="-122"/>
-                <a:ea typeface="SimHei" panose="02010609060101010101" pitchFamily="49" charset="-122"/>
+                <a:latin typeface="黑体" panose="02010609060101010101" pitchFamily="49" charset="-122"/>
+                <a:ea typeface="黑体" panose="02010609060101010101" pitchFamily="49" charset="-122"/>
                 <a:cs typeface="Montserrat Light" charset="0"/>
               </a:rPr>
               <a:t>    医院是直接提供医疗服务的场所，而医疗服务直接关系着民生。所以提高医疗服务的水平是十分重要的，想要提高医疗水平的重要途径就是如何提高医院的工作质量和工作效率，这也和每一位患者息息相关。</a:t>
             </a:r>
+            <a:endParaRPr lang="zh-CN" altLang="en-US" sz="1600" dirty="0">
+              <a:solidFill>
+                <a:srgbClr val="000000"/>
+              </a:solidFill>
+              <a:latin typeface="黑体" panose="02010609060101010101" pitchFamily="49" charset="-122"/>
+              <a:ea typeface="黑体" panose="02010609060101010101" pitchFamily="49" charset="-122"/>
+              <a:cs typeface="Montserrat Light" charset="0"/>
+            </a:endParaRPr>
           </a:p>
           <a:p>
-            <a:pPr defTabSz="914217">
+            <a:pPr defTabSz="914400">
               <a:lnSpc>
                 <a:spcPct val="140000"/>
               </a:lnSpc>
@@ -6804,15 +6558,23 @@
                 <a:solidFill>
                   <a:srgbClr val="000000"/>
                 </a:solidFill>
-                <a:latin typeface="SimHei" panose="02010609060101010101" pitchFamily="49" charset="-122"/>
-                <a:ea typeface="SimHei" panose="02010609060101010101" pitchFamily="49" charset="-122"/>
+                <a:latin typeface="黑体" panose="02010609060101010101" pitchFamily="49" charset="-122"/>
+                <a:ea typeface="黑体" panose="02010609060101010101" pitchFamily="49" charset="-122"/>
                 <a:cs typeface="Montserrat Light" charset="0"/>
               </a:rPr>
               <a:t>    医疗管理系统致力于为医院客户提供更优的解决方案，推出了一套完整的医院内部的患者与人员的管理系统，通过该系统，对门诊、科室、住院部、医院内部人员的实时跟踪和查看，实现最高效的办公和提供医疗服务，遇到各种业务需求时，为客户提供更好的方案解决实际问题。</a:t>
             </a:r>
+            <a:endParaRPr lang="zh-CN" altLang="en-US" sz="1600" dirty="0">
+              <a:solidFill>
+                <a:srgbClr val="000000"/>
+              </a:solidFill>
+              <a:latin typeface="黑体" panose="02010609060101010101" pitchFamily="49" charset="-122"/>
+              <a:ea typeface="黑体" panose="02010609060101010101" pitchFamily="49" charset="-122"/>
+              <a:cs typeface="Montserrat Light" charset="0"/>
+            </a:endParaRPr>
           </a:p>
           <a:p>
-            <a:pPr defTabSz="914217">
+            <a:pPr defTabSz="914400">
               <a:lnSpc>
                 <a:spcPct val="140000"/>
               </a:lnSpc>
@@ -6824,13 +6586,13 @@
               <a:solidFill>
                 <a:srgbClr val="000000"/>
               </a:solidFill>
-              <a:latin typeface="SimHei" panose="02010609060101010101" pitchFamily="49" charset="-122"/>
-              <a:ea typeface="SimHei" panose="02010609060101010101" pitchFamily="49" charset="-122"/>
+              <a:latin typeface="黑体" panose="02010609060101010101" pitchFamily="49" charset="-122"/>
+              <a:ea typeface="黑体" panose="02010609060101010101" pitchFamily="49" charset="-122"/>
               <a:cs typeface="Montserrat Light" charset="0"/>
             </a:endParaRPr>
           </a:p>
           <a:p>
-            <a:pPr defTabSz="914217">
+            <a:pPr defTabSz="914400">
               <a:lnSpc>
                 <a:spcPct val="140000"/>
               </a:lnSpc>
@@ -6842,13 +6604,13 @@
               <a:solidFill>
                 <a:srgbClr val="000000"/>
               </a:solidFill>
-              <a:latin typeface="SimHei" panose="02010609060101010101" pitchFamily="49" charset="-122"/>
-              <a:ea typeface="SimHei" panose="02010609060101010101" pitchFamily="49" charset="-122"/>
+              <a:latin typeface="黑体" panose="02010609060101010101" pitchFamily="49" charset="-122"/>
+              <a:ea typeface="黑体" panose="02010609060101010101" pitchFamily="49" charset="-122"/>
               <a:cs typeface="Montserrat Light" charset="0"/>
             </a:endParaRPr>
           </a:p>
           <a:p>
-            <a:pPr defTabSz="914217">
+            <a:pPr defTabSz="914400">
               <a:lnSpc>
                 <a:spcPct val="140000"/>
               </a:lnSpc>
@@ -6860,8 +6622,8 @@
               <a:solidFill>
                 <a:srgbClr val="000000"/>
               </a:solidFill>
-              <a:latin typeface="SimHei" panose="02010609060101010101" pitchFamily="49" charset="-122"/>
-              <a:ea typeface="SimHei" panose="02010609060101010101" pitchFamily="49" charset="-122"/>
+              <a:latin typeface="黑体" panose="02010609060101010101" pitchFamily="49" charset="-122"/>
+              <a:ea typeface="黑体" panose="02010609060101010101" pitchFamily="49" charset="-122"/>
               <a:cs typeface="Montserrat Light" charset="0"/>
             </a:endParaRPr>
           </a:p>
@@ -6889,14 +6651,14 @@
           </a:bodyPr>
           <a:lstStyle/>
           <a:p>
-            <a:pPr defTabSz="914217"/>
+            <a:pPr defTabSz="914400"/>
             <a:r>
               <a:rPr lang="en-US" sz="6000" b="1" dirty="0" err="1">
                 <a:solidFill>
                   <a:srgbClr val="000000"/>
                 </a:solidFill>
-                <a:latin typeface="SimHei" panose="02010609060101010101" pitchFamily="49" charset="-122"/>
-                <a:ea typeface="SimHei" panose="02010609060101010101" pitchFamily="49" charset="-122"/>
+                <a:latin typeface="黑体" panose="02010609060101010101" pitchFamily="49" charset="-122"/>
+                <a:ea typeface="黑体" panose="02010609060101010101" pitchFamily="49" charset="-122"/>
                 <a:cs typeface="Montserrat" charset="0"/>
               </a:rPr>
               <a:t>简要介绍</a:t>
@@ -6905,30 +6667,25 @@
               <a:solidFill>
                 <a:srgbClr val="000000"/>
               </a:solidFill>
-              <a:latin typeface="SimHei" panose="02010609060101010101" pitchFamily="49" charset="-122"/>
-              <a:ea typeface="SimHei" panose="02010609060101010101" pitchFamily="49" charset="-122"/>
+              <a:latin typeface="黑体" panose="02010609060101010101" pitchFamily="49" charset="-122"/>
+              <a:ea typeface="黑体" panose="02010609060101010101" pitchFamily="49" charset="-122"/>
               <a:cs typeface="Montserrat" charset="0"/>
             </a:endParaRPr>
           </a:p>
         </p:txBody>
       </p:sp>
     </p:spTree>
-    <p:extLst>
-      <p:ext uri="{BB962C8B-B14F-4D97-AF65-F5344CB8AC3E}">
-        <p14:creationId xmlns:p14="http://schemas.microsoft.com/office/powerpoint/2010/main" val="981932186"/>
-      </p:ext>
-    </p:extLst>
   </p:cSld>
   <p:clrMapOvr>
     <a:masterClrMapping/>
   </p:clrMapOvr>
-  <mc:AlternateContent xmlns:mc="http://schemas.openxmlformats.org/markup-compatibility/2006" xmlns:p14="http://schemas.microsoft.com/office/powerpoint/2010/main">
-    <mc:Choice Requires="p14">
+  <mc:AlternateContent xmlns:mc="http://schemas.openxmlformats.org/markup-compatibility/2006">
+    <mc:Choice xmlns:p14="http://schemas.microsoft.com/office/powerpoint/2010/main" Requires="p14">
       <p:transition spd="slow" p14:dur="1500" advTm="2000">
         <p:random/>
       </p:transition>
     </mc:Choice>
-    <mc:Fallback xmlns="">
+    <mc:Fallback>
       <p:transition spd="slow" advTm="2000">
         <p:random/>
       </p:transition>
@@ -6938,453 +6695,6 @@
 </file>
 
 <file path=ppt/slides/slide4.xml><?xml version="1.0" encoding="utf-8"?>
-<p:sld xmlns:a="http://schemas.openxmlformats.org/drawingml/2006/main" xmlns:r="http://schemas.openxmlformats.org/officeDocument/2006/relationships" xmlns:p="http://schemas.openxmlformats.org/presentationml/2006/main">
-  <p:cSld>
-    <p:spTree>
-      <p:nvGrpSpPr>
-        <p:cNvPr id="1" name=""/>
-        <p:cNvGrpSpPr/>
-        <p:nvPr/>
-      </p:nvGrpSpPr>
-      <p:grpSpPr>
-        <a:xfrm>
-          <a:off x="0" y="0"/>
-          <a:ext cx="0" cy="0"/>
-          <a:chOff x="0" y="0"/>
-          <a:chExt cx="0" cy="0"/>
-        </a:xfrm>
-      </p:grpSpPr>
-      <p:sp>
-        <p:nvSpPr>
-          <p:cNvPr id="4" name="Subtitle 2"/>
-          <p:cNvSpPr txBox="1">
-            <a:spLocks/>
-          </p:cNvSpPr>
-          <p:nvPr/>
-        </p:nvSpPr>
-        <p:spPr>
-          <a:xfrm>
-            <a:off x="1536551" y="1371600"/>
-            <a:ext cx="9210170" cy="5074961"/>
-          </a:xfrm>
-          <a:prstGeom prst="rect">
-            <a:avLst/>
-          </a:prstGeom>
-        </p:spPr>
-        <p:txBody>
-          <a:bodyPr vert="horz" wrap="square" lIns="91422" tIns="45711" rIns="91422" bIns="45711" rtlCol="0">
-            <a:spAutoFit/>
-          </a:bodyPr>
-          <a:lstStyle>
-            <a:lvl1pPr marL="0" indent="0" algn="l" defTabSz="1828434" rtl="0" eaLnBrk="1" latinLnBrk="0" hangingPunct="1">
-              <a:lnSpc>
-                <a:spcPct val="90000"/>
-              </a:lnSpc>
-              <a:spcBef>
-                <a:spcPts val="2000"/>
-              </a:spcBef>
-              <a:buFont typeface="Arial" panose="020B0604020202020204" pitchFamily="34" charset="0"/>
-              <a:buNone/>
-              <a:defRPr lang="en-US" sz="4800" kern="1200" dirty="0" smtClean="0">
-                <a:solidFill>
-                  <a:schemeClr val="tx1"/>
-                </a:solidFill>
-                <a:effectLst/>
-                <a:latin typeface="Montserrat Hairline" charset="0"/>
-                <a:ea typeface="Montserrat Hairline" charset="0"/>
-                <a:cs typeface="Montserrat Hairline" charset="0"/>
-              </a:defRPr>
-            </a:lvl1pPr>
-            <a:lvl2pPr marL="914217" indent="0" algn="l" defTabSz="1828434" rtl="0" eaLnBrk="1" latinLnBrk="0" hangingPunct="1">
-              <a:lnSpc>
-                <a:spcPct val="90000"/>
-              </a:lnSpc>
-              <a:spcBef>
-                <a:spcPts val="1000"/>
-              </a:spcBef>
-              <a:buFont typeface="Arial" panose="020B0604020202020204" pitchFamily="34" charset="0"/>
-              <a:buNone/>
-              <a:defRPr lang="en-US" sz="4000" kern="1200" dirty="0" smtClean="0">
-                <a:solidFill>
-                  <a:schemeClr val="tx1"/>
-                </a:solidFill>
-                <a:effectLst/>
-                <a:latin typeface="Montserrat Hairline" charset="0"/>
-                <a:ea typeface="Montserrat Hairline" charset="0"/>
-                <a:cs typeface="Montserrat Hairline" charset="0"/>
-              </a:defRPr>
-            </a:lvl2pPr>
-            <a:lvl3pPr marL="1828434" indent="0" algn="l" defTabSz="1828434" rtl="0" eaLnBrk="1" latinLnBrk="0" hangingPunct="1">
-              <a:lnSpc>
-                <a:spcPct val="90000"/>
-              </a:lnSpc>
-              <a:spcBef>
-                <a:spcPts val="1000"/>
-              </a:spcBef>
-              <a:buFont typeface="Arial" panose="020B0604020202020204" pitchFamily="34" charset="0"/>
-              <a:buNone/>
-              <a:defRPr lang="en-US" sz="3600" kern="1200" dirty="0" smtClean="0">
-                <a:solidFill>
-                  <a:schemeClr val="tx1"/>
-                </a:solidFill>
-                <a:effectLst/>
-                <a:latin typeface="Montserrat Hairline" charset="0"/>
-                <a:ea typeface="Montserrat Hairline" charset="0"/>
-                <a:cs typeface="Montserrat Hairline" charset="0"/>
-              </a:defRPr>
-            </a:lvl3pPr>
-            <a:lvl4pPr marL="2742651" indent="0" algn="l" defTabSz="1828434" rtl="0" eaLnBrk="1" latinLnBrk="0" hangingPunct="1">
-              <a:lnSpc>
-                <a:spcPct val="90000"/>
-              </a:lnSpc>
-              <a:spcBef>
-                <a:spcPts val="1000"/>
-              </a:spcBef>
-              <a:buFont typeface="Arial" panose="020B0604020202020204" pitchFamily="34" charset="0"/>
-              <a:buNone/>
-              <a:defRPr lang="en-US" sz="3200" kern="1200" dirty="0" smtClean="0">
-                <a:solidFill>
-                  <a:schemeClr val="tx1"/>
-                </a:solidFill>
-                <a:effectLst/>
-                <a:latin typeface="Montserrat Hairline" charset="0"/>
-                <a:ea typeface="Montserrat Hairline" charset="0"/>
-                <a:cs typeface="Montserrat Hairline" charset="0"/>
-              </a:defRPr>
-            </a:lvl4pPr>
-            <a:lvl5pPr marL="3656868" indent="0" algn="l" defTabSz="1828434" rtl="0" eaLnBrk="1" latinLnBrk="0" hangingPunct="1">
-              <a:lnSpc>
-                <a:spcPct val="90000"/>
-              </a:lnSpc>
-              <a:spcBef>
-                <a:spcPts val="1000"/>
-              </a:spcBef>
-              <a:buFont typeface="Arial" panose="020B0604020202020204" pitchFamily="34" charset="0"/>
-              <a:buNone/>
-              <a:defRPr lang="en-US" sz="3200" kern="1200" dirty="0">
-                <a:solidFill>
-                  <a:schemeClr val="tx1"/>
-                </a:solidFill>
-                <a:effectLst/>
-                <a:latin typeface="Montserrat Hairline" charset="0"/>
-                <a:ea typeface="Montserrat Hairline" charset="0"/>
-                <a:cs typeface="Montserrat Hairline" charset="0"/>
-              </a:defRPr>
-            </a:lvl5pPr>
-            <a:lvl6pPr marL="5028194" indent="-457109" algn="l" defTabSz="1828434" rtl="0" eaLnBrk="1" latinLnBrk="0" hangingPunct="1">
-              <a:lnSpc>
-                <a:spcPct val="90000"/>
-              </a:lnSpc>
-              <a:spcBef>
-                <a:spcPts val="1000"/>
-              </a:spcBef>
-              <a:buFont typeface="Arial" panose="020B0604020202020204" pitchFamily="34" charset="0"/>
-              <a:buChar char="•"/>
-              <a:defRPr sz="3600" kern="1200">
-                <a:solidFill>
-                  <a:schemeClr val="tx1"/>
-                </a:solidFill>
-                <a:latin typeface="+mn-lt"/>
-                <a:ea typeface="+mn-ea"/>
-                <a:cs typeface="+mn-cs"/>
-              </a:defRPr>
-            </a:lvl6pPr>
-            <a:lvl7pPr marL="5942411" indent="-457109" algn="l" defTabSz="1828434" rtl="0" eaLnBrk="1" latinLnBrk="0" hangingPunct="1">
-              <a:lnSpc>
-                <a:spcPct val="90000"/>
-              </a:lnSpc>
-              <a:spcBef>
-                <a:spcPts val="1000"/>
-              </a:spcBef>
-              <a:buFont typeface="Arial" panose="020B0604020202020204" pitchFamily="34" charset="0"/>
-              <a:buChar char="•"/>
-              <a:defRPr sz="3600" kern="1200">
-                <a:solidFill>
-                  <a:schemeClr val="tx1"/>
-                </a:solidFill>
-                <a:latin typeface="+mn-lt"/>
-                <a:ea typeface="+mn-ea"/>
-                <a:cs typeface="+mn-cs"/>
-              </a:defRPr>
-            </a:lvl7pPr>
-            <a:lvl8pPr marL="6856628" indent="-457109" algn="l" defTabSz="1828434" rtl="0" eaLnBrk="1" latinLnBrk="0" hangingPunct="1">
-              <a:lnSpc>
-                <a:spcPct val="90000"/>
-              </a:lnSpc>
-              <a:spcBef>
-                <a:spcPts val="1000"/>
-              </a:spcBef>
-              <a:buFont typeface="Arial" panose="020B0604020202020204" pitchFamily="34" charset="0"/>
-              <a:buChar char="•"/>
-              <a:defRPr sz="3600" kern="1200">
-                <a:solidFill>
-                  <a:schemeClr val="tx1"/>
-                </a:solidFill>
-                <a:latin typeface="+mn-lt"/>
-                <a:ea typeface="+mn-ea"/>
-                <a:cs typeface="+mn-cs"/>
-              </a:defRPr>
-            </a:lvl8pPr>
-            <a:lvl9pPr marL="7770846" indent="-457109" algn="l" defTabSz="1828434" rtl="0" eaLnBrk="1" latinLnBrk="0" hangingPunct="1">
-              <a:lnSpc>
-                <a:spcPct val="90000"/>
-              </a:lnSpc>
-              <a:spcBef>
-                <a:spcPts val="1000"/>
-              </a:spcBef>
-              <a:buFont typeface="Arial" panose="020B0604020202020204" pitchFamily="34" charset="0"/>
-              <a:buChar char="•"/>
-              <a:defRPr sz="3600" kern="1200">
-                <a:solidFill>
-                  <a:schemeClr val="tx1"/>
-                </a:solidFill>
-                <a:latin typeface="+mn-lt"/>
-                <a:ea typeface="+mn-ea"/>
-                <a:cs typeface="+mn-cs"/>
-              </a:defRPr>
-            </a:lvl9pPr>
-          </a:lstStyle>
-          <a:p>
-            <a:pPr defTabSz="914217">
-              <a:lnSpc>
-                <a:spcPct val="140000"/>
-              </a:lnSpc>
-              <a:spcBef>
-                <a:spcPts val="1000"/>
-              </a:spcBef>
-            </a:pPr>
-            <a:r>
-              <a:rPr lang="zh-CN" altLang="en-US" sz="1600" b="1" dirty="0">
-                <a:solidFill>
-                  <a:srgbClr val="000000"/>
-                </a:solidFill>
-                <a:latin typeface="SimHei" panose="02010609060101010101" pitchFamily="49" charset="-122"/>
-                <a:ea typeface="SimHei" panose="02010609060101010101" pitchFamily="49" charset="-122"/>
-                <a:cs typeface="Montserrat Light" charset="0"/>
-              </a:rPr>
-              <a:t>业务功能齐全</a:t>
-            </a:r>
-          </a:p>
-          <a:p>
-            <a:pPr defTabSz="914217">
-              <a:lnSpc>
-                <a:spcPct val="140000"/>
-              </a:lnSpc>
-              <a:spcBef>
-                <a:spcPts val="1000"/>
-              </a:spcBef>
-            </a:pPr>
-            <a:r>
-              <a:rPr lang="zh-CN" altLang="en-US" sz="1600" dirty="0">
-                <a:solidFill>
-                  <a:srgbClr val="000000"/>
-                </a:solidFill>
-                <a:latin typeface="SimHei" panose="02010609060101010101" pitchFamily="49" charset="-122"/>
-                <a:ea typeface="SimHei" panose="02010609060101010101" pitchFamily="49" charset="-122"/>
-                <a:cs typeface="Montserrat Light" charset="0"/>
-              </a:rPr>
-              <a:t>本系统专注医院业务处理，业务流程完整，简化繁冗的办公流程，管理效率高。</a:t>
-            </a:r>
-          </a:p>
-          <a:p>
-            <a:pPr defTabSz="914217">
-              <a:lnSpc>
-                <a:spcPct val="140000"/>
-              </a:lnSpc>
-              <a:spcBef>
-                <a:spcPts val="1000"/>
-              </a:spcBef>
-            </a:pPr>
-            <a:r>
-              <a:rPr lang="zh-CN" altLang="en-US" sz="1600" dirty="0">
-                <a:solidFill>
-                  <a:srgbClr val="000000"/>
-                </a:solidFill>
-                <a:latin typeface="SimHei" panose="02010609060101010101" pitchFamily="49" charset="-122"/>
-                <a:ea typeface="SimHei" panose="02010609060101010101" pitchFamily="49" charset="-122"/>
-                <a:cs typeface="Montserrat Light" charset="0"/>
-              </a:rPr>
-              <a:t>实用性强</a:t>
-            </a:r>
-          </a:p>
-          <a:p>
-            <a:pPr defTabSz="914217">
-              <a:lnSpc>
-                <a:spcPct val="140000"/>
-              </a:lnSpc>
-              <a:spcBef>
-                <a:spcPts val="1000"/>
-              </a:spcBef>
-            </a:pPr>
-            <a:r>
-              <a:rPr lang="zh-CN" altLang="en-US" sz="1600" dirty="0">
-                <a:solidFill>
-                  <a:srgbClr val="000000"/>
-                </a:solidFill>
-                <a:latin typeface="SimHei" panose="02010609060101010101" pitchFamily="49" charset="-122"/>
-                <a:ea typeface="SimHei" panose="02010609060101010101" pitchFamily="49" charset="-122"/>
-                <a:cs typeface="Montserrat Light" charset="0"/>
-              </a:rPr>
-              <a:t>以客户的实际需求为主导，专注医院管理和向患者提供医疗服务，项目的需求分析阶段深入多个三甲医院进行调研了解业务需求，本系统各功能模块均根据用户的实际业务需求进行设计和研发，确保了项目实用性强，因此体现了一定的社会意义和商业化、智能化价值。</a:t>
-            </a:r>
-          </a:p>
-          <a:p>
-            <a:pPr defTabSz="914217">
-              <a:lnSpc>
-                <a:spcPct val="140000"/>
-              </a:lnSpc>
-              <a:spcBef>
-                <a:spcPts val="1000"/>
-              </a:spcBef>
-            </a:pPr>
-            <a:r>
-              <a:rPr lang="zh-CN" altLang="en-US" sz="1600" dirty="0">
-                <a:solidFill>
-                  <a:srgbClr val="000000"/>
-                </a:solidFill>
-                <a:latin typeface="SimHei" panose="02010609060101010101" pitchFamily="49" charset="-122"/>
-                <a:ea typeface="SimHei" panose="02010609060101010101" pitchFamily="49" charset="-122"/>
-                <a:cs typeface="Montserrat Light" charset="0"/>
-              </a:rPr>
-              <a:t>界面友好，体验度高</a:t>
-            </a:r>
-          </a:p>
-          <a:p>
-            <a:pPr defTabSz="914217">
-              <a:lnSpc>
-                <a:spcPct val="140000"/>
-              </a:lnSpc>
-              <a:spcBef>
-                <a:spcPts val="1000"/>
-              </a:spcBef>
-            </a:pPr>
-            <a:r>
-              <a:rPr lang="zh-CN" altLang="en-US" sz="1600" dirty="0">
-                <a:solidFill>
-                  <a:srgbClr val="000000"/>
-                </a:solidFill>
-                <a:latin typeface="SimHei" panose="02010609060101010101" pitchFamily="49" charset="-122"/>
-                <a:ea typeface="SimHei" panose="02010609060101010101" pitchFamily="49" charset="-122"/>
-                <a:cs typeface="Montserrat Light" charset="0"/>
-              </a:rPr>
-              <a:t>本系统界面处处体现了简洁、智能、高效，为用户打造一个全方位的医院管理平台，清爽的界面风格，严谨的业务处理，完善的功能模块，无不体现出了人文关怀和交互友好性。</a:t>
-            </a:r>
-          </a:p>
-          <a:p>
-            <a:pPr defTabSz="914217">
-              <a:lnSpc>
-                <a:spcPct val="140000"/>
-              </a:lnSpc>
-              <a:spcBef>
-                <a:spcPts val="1000"/>
-              </a:spcBef>
-            </a:pPr>
-            <a:r>
-              <a:rPr lang="zh-CN" altLang="en-US" sz="1600" dirty="0">
-                <a:solidFill>
-                  <a:srgbClr val="000000"/>
-                </a:solidFill>
-                <a:latin typeface="SimHei" panose="02010609060101010101" pitchFamily="49" charset="-122"/>
-                <a:ea typeface="SimHei" panose="02010609060101010101" pitchFamily="49" charset="-122"/>
-                <a:cs typeface="Montserrat Light" charset="0"/>
-              </a:rPr>
-              <a:t>办公效率高</a:t>
-            </a:r>
-          </a:p>
-          <a:p>
-            <a:pPr defTabSz="914217">
-              <a:lnSpc>
-                <a:spcPct val="140000"/>
-              </a:lnSpc>
-              <a:spcBef>
-                <a:spcPts val="1000"/>
-              </a:spcBef>
-            </a:pPr>
-            <a:r>
-              <a:rPr lang="zh-CN" altLang="en-US" sz="1600" dirty="0">
-                <a:solidFill>
-                  <a:srgbClr val="000000"/>
-                </a:solidFill>
-                <a:latin typeface="SimHei" panose="02010609060101010101" pitchFamily="49" charset="-122"/>
-                <a:ea typeface="SimHei" panose="02010609060101010101" pitchFamily="49" charset="-122"/>
-                <a:cs typeface="Montserrat Light" charset="0"/>
-              </a:rPr>
-              <a:t>本系统在每一个模块都是通过实际了解客户需求精心设计，每一个模块业务模块处理严谨、完善。在一定程度上对各模块进行了优化，减轻了医务工作人员繁重的工作负担，提高办公效率。</a:t>
-            </a:r>
-          </a:p>
-        </p:txBody>
-      </p:sp>
-      <p:sp>
-        <p:nvSpPr>
-          <p:cNvPr id="7" name="TextBox 6"/>
-          <p:cNvSpPr txBox="1"/>
-          <p:nvPr/>
-        </p:nvSpPr>
-        <p:spPr>
-          <a:xfrm>
-            <a:off x="1524000" y="137160"/>
-            <a:ext cx="8343202" cy="1015663"/>
-          </a:xfrm>
-          <a:prstGeom prst="rect">
-            <a:avLst/>
-          </a:prstGeom>
-          <a:noFill/>
-        </p:spPr>
-        <p:txBody>
-          <a:bodyPr wrap="square" rtlCol="0">
-            <a:spAutoFit/>
-          </a:bodyPr>
-          <a:lstStyle/>
-          <a:p>
-            <a:pPr defTabSz="914217"/>
-            <a:r>
-              <a:rPr lang="en-US" sz="6000" b="1" dirty="0" err="1">
-                <a:solidFill>
-                  <a:srgbClr val="000000"/>
-                </a:solidFill>
-                <a:latin typeface="SimHei" panose="02010609060101010101" pitchFamily="49" charset="-122"/>
-                <a:ea typeface="SimHei" panose="02010609060101010101" pitchFamily="49" charset="-122"/>
-                <a:cs typeface="Montserrat" charset="0"/>
-              </a:rPr>
-              <a:t>简要介绍</a:t>
-            </a:r>
-            <a:endParaRPr lang="en-US" sz="6000" b="1" dirty="0">
-              <a:solidFill>
-                <a:srgbClr val="000000"/>
-              </a:solidFill>
-              <a:latin typeface="SimHei" panose="02010609060101010101" pitchFamily="49" charset="-122"/>
-              <a:ea typeface="SimHei" panose="02010609060101010101" pitchFamily="49" charset="-122"/>
-              <a:cs typeface="Montserrat" charset="0"/>
-            </a:endParaRPr>
-          </a:p>
-        </p:txBody>
-      </p:sp>
-    </p:spTree>
-    <p:extLst>
-      <p:ext uri="{BB962C8B-B14F-4D97-AF65-F5344CB8AC3E}">
-        <p14:creationId xmlns:p14="http://schemas.microsoft.com/office/powerpoint/2010/main" val="3296256112"/>
-      </p:ext>
-    </p:extLst>
-  </p:cSld>
-  <p:clrMapOvr>
-    <a:masterClrMapping/>
-  </p:clrMapOvr>
-  <mc:AlternateContent xmlns:mc="http://schemas.openxmlformats.org/markup-compatibility/2006" xmlns:p14="http://schemas.microsoft.com/office/powerpoint/2010/main">
-    <mc:Choice Requires="p14">
-      <p:transition spd="slow" p14:dur="1500" advTm="2000">
-        <p:random/>
-      </p:transition>
-    </mc:Choice>
-    <mc:Fallback xmlns="">
-      <p:transition spd="slow" advTm="2000">
-        <p:random/>
-      </p:transition>
-    </mc:Fallback>
-  </mc:AlternateContent>
-</p:sld>
-</file>
-
-<file path=ppt/slides/slide5.xml><?xml version="1.0" encoding="utf-8"?>
 <p:sld xmlns:a="http://schemas.openxmlformats.org/drawingml/2006/main" xmlns:r="http://schemas.openxmlformats.org/officeDocument/2006/relationships" xmlns:p="http://schemas.openxmlformats.org/presentationml/2006/main">
   <p:cSld>
     <p:spTree>
@@ -7423,7 +6733,7 @@
           </a:bodyPr>
           <a:lstStyle/>
           <a:p>
-            <a:pPr defTabSz="914217"/>
+            <a:pPr defTabSz="914400"/>
             <a:r>
               <a:rPr lang="en-US" sz="14350" b="1" dirty="0">
                 <a:solidFill>
@@ -7437,6 +6747,16 @@
               </a:rPr>
               <a:t>Stats &amp; re</a:t>
             </a:r>
+            <a:endParaRPr lang="en-US" sz="14350" b="1" dirty="0">
+              <a:solidFill>
+                <a:srgbClr val="FFFFFF">
+                  <a:lumMod val="95000"/>
+                </a:srgbClr>
+              </a:solidFill>
+              <a:latin typeface="Montserrat" charset="0"/>
+              <a:ea typeface="Montserrat" charset="0"/>
+              <a:cs typeface="Montserrat" charset="0"/>
+            </a:endParaRPr>
           </a:p>
         </p:txBody>
       </p:sp>
@@ -7462,7 +6782,7 @@
           </a:bodyPr>
           <a:lstStyle/>
           <a:p>
-            <a:pPr defTabSz="914217">
+            <a:pPr defTabSz="914400">
               <a:lnSpc>
                 <a:spcPts val="6000"/>
               </a:lnSpc>
@@ -7472,8 +6792,8 @@
                 <a:solidFill>
                   <a:srgbClr val="000000"/>
                 </a:solidFill>
-                <a:latin typeface="SimHei" panose="02010609060101010101" pitchFamily="49" charset="-122"/>
-                <a:ea typeface="SimHei" panose="02010609060101010101" pitchFamily="49" charset="-122"/>
+                <a:latin typeface="黑体" panose="02010609060101010101" pitchFamily="49" charset="-122"/>
+                <a:ea typeface="黑体" panose="02010609060101010101" pitchFamily="49" charset="-122"/>
                 <a:cs typeface="Montserrat" charset="0"/>
               </a:rPr>
               <a:t>2.</a:t>
@@ -7483,8 +6803,8 @@
                 <a:solidFill>
                   <a:srgbClr val="000000"/>
                 </a:solidFill>
-                <a:latin typeface="SimHei" panose="02010609060101010101" pitchFamily="49" charset="-122"/>
-                <a:ea typeface="SimHei" panose="02010609060101010101" pitchFamily="49" charset="-122"/>
+                <a:latin typeface="黑体" panose="02010609060101010101" pitchFamily="49" charset="-122"/>
+                <a:ea typeface="黑体" panose="02010609060101010101" pitchFamily="49" charset="-122"/>
                 <a:cs typeface="Montserrat" charset="0"/>
               </a:rPr>
               <a:t>技术方案</a:t>
@@ -7493,8 +6813,8 @@
               <a:solidFill>
                 <a:srgbClr val="000000"/>
               </a:solidFill>
-              <a:latin typeface="SimHei" panose="02010609060101010101" pitchFamily="49" charset="-122"/>
-              <a:ea typeface="SimHei" panose="02010609060101010101" pitchFamily="49" charset="-122"/>
+              <a:latin typeface="黑体" panose="02010609060101010101" pitchFamily="49" charset="-122"/>
+              <a:ea typeface="黑体" panose="02010609060101010101" pitchFamily="49" charset="-122"/>
               <a:cs typeface="Montserrat" charset="0"/>
             </a:endParaRPr>
           </a:p>
@@ -7541,7 +6861,7 @@
           <a:bodyPr rtlCol="0" anchor="ctr"/>
           <a:lstStyle/>
           <a:p>
-            <a:pPr algn="ctr" defTabSz="914217"/>
+            <a:pPr algn="ctr" defTabSz="914400"/>
             <a:endParaRPr lang="en-US">
               <a:solidFill>
                 <a:srgbClr val="FFFFFF"/>
@@ -7552,22 +6872,17 @@
         </p:txBody>
       </p:sp>
     </p:spTree>
-    <p:extLst>
-      <p:ext uri="{BB962C8B-B14F-4D97-AF65-F5344CB8AC3E}">
-        <p14:creationId xmlns:p14="http://schemas.microsoft.com/office/powerpoint/2010/main" val="649785905"/>
-      </p:ext>
-    </p:extLst>
   </p:cSld>
   <p:clrMapOvr>
     <a:masterClrMapping/>
   </p:clrMapOvr>
-  <mc:AlternateContent xmlns:mc="http://schemas.openxmlformats.org/markup-compatibility/2006" xmlns:p14="http://schemas.microsoft.com/office/powerpoint/2010/main">
-    <mc:Choice Requires="p14">
+  <mc:AlternateContent xmlns:mc="http://schemas.openxmlformats.org/markup-compatibility/2006">
+    <mc:Choice xmlns:p14="http://schemas.microsoft.com/office/powerpoint/2010/main" Requires="p14">
       <p:transition spd="slow" p14:dur="1500" advTm="2000">
         <p:random/>
       </p:transition>
     </mc:Choice>
-    <mc:Fallback xmlns="">
+    <mc:Fallback>
       <p:transition spd="slow" advTm="2000">
         <p:random/>
       </p:transition>
@@ -7576,7 +6891,7 @@
 </p:sld>
 </file>
 
-<file path=ppt/slides/slide6.xml><?xml version="1.0" encoding="utf-8"?>
+<file path=ppt/slides/slide5.xml><?xml version="1.0" encoding="utf-8"?>
 <p:sld xmlns:a="http://schemas.openxmlformats.org/drawingml/2006/main" xmlns:r="http://schemas.openxmlformats.org/officeDocument/2006/relationships" xmlns:p="http://schemas.openxmlformats.org/presentationml/2006/main">
   <p:cSld>
     <p:spTree>
@@ -7617,9 +6932,7 @@
         <p:sp>
           <p:nvSpPr>
             <p:cNvPr id="84" name="Freeform 5"/>
-            <p:cNvSpPr>
-              <a:spLocks/>
-            </p:cNvSpPr>
+            <p:cNvSpPr/>
             <p:nvPr/>
           </p:nvSpPr>
           <p:spPr bwMode="auto">
@@ -7976,15 +7289,13 @@
               </a:solidFill>
               <a:prstDash val="solid"/>
               <a:round/>
-              <a:headEnd/>
-              <a:tailEnd/>
             </a:ln>
           </p:spPr>
           <p:txBody>
             <a:bodyPr/>
             <a:lstStyle/>
             <a:p>
-              <a:pPr defTabSz="914217">
+              <a:pPr defTabSz="914400">
                 <a:defRPr/>
               </a:pPr>
               <a:endParaRPr lang="en-US" dirty="0">
@@ -7999,9 +7310,7 @@
         <p:sp>
           <p:nvSpPr>
             <p:cNvPr id="85" name="Freeform 6"/>
-            <p:cNvSpPr>
-              <a:spLocks/>
-            </p:cNvSpPr>
+            <p:cNvSpPr/>
             <p:nvPr/>
           </p:nvSpPr>
           <p:spPr bwMode="auto">
@@ -9213,15 +8522,13 @@
               </a:solidFill>
               <a:prstDash val="solid"/>
               <a:round/>
-              <a:headEnd/>
-              <a:tailEnd/>
             </a:ln>
           </p:spPr>
           <p:txBody>
             <a:bodyPr/>
             <a:lstStyle/>
             <a:p>
-              <a:pPr defTabSz="914217">
+              <a:pPr defTabSz="914400">
                 <a:defRPr/>
               </a:pPr>
               <a:endParaRPr lang="en-US" dirty="0">
@@ -9236,9 +8543,7 @@
         <p:sp>
           <p:nvSpPr>
             <p:cNvPr id="86" name="Freeform 7"/>
-            <p:cNvSpPr>
-              <a:spLocks/>
-            </p:cNvSpPr>
+            <p:cNvSpPr/>
             <p:nvPr/>
           </p:nvSpPr>
           <p:spPr bwMode="auto">
@@ -10375,15 +9680,13 @@
               </a:solidFill>
               <a:prstDash val="solid"/>
               <a:round/>
-              <a:headEnd/>
-              <a:tailEnd/>
             </a:ln>
           </p:spPr>
           <p:txBody>
             <a:bodyPr/>
             <a:lstStyle/>
             <a:p>
-              <a:pPr defTabSz="914217">
+              <a:pPr defTabSz="914400">
                 <a:defRPr/>
               </a:pPr>
               <a:endParaRPr lang="en-US" dirty="0">
@@ -10398,9 +9701,7 @@
         <p:sp>
           <p:nvSpPr>
             <p:cNvPr id="87" name="Freeform 8"/>
-            <p:cNvSpPr>
-              <a:spLocks/>
-            </p:cNvSpPr>
+            <p:cNvSpPr/>
             <p:nvPr/>
           </p:nvSpPr>
           <p:spPr bwMode="auto">
@@ -11252,15 +10553,13 @@
               </a:solidFill>
               <a:prstDash val="solid"/>
               <a:round/>
-              <a:headEnd/>
-              <a:tailEnd/>
             </a:ln>
           </p:spPr>
           <p:txBody>
             <a:bodyPr/>
             <a:lstStyle/>
             <a:p>
-              <a:pPr defTabSz="914217">
+              <a:pPr defTabSz="914400">
                 <a:defRPr/>
               </a:pPr>
               <a:endParaRPr lang="en-US" dirty="0">
@@ -11275,9 +10574,7 @@
         <p:sp>
           <p:nvSpPr>
             <p:cNvPr id="88" name="Freeform 9"/>
-            <p:cNvSpPr>
-              <a:spLocks/>
-            </p:cNvSpPr>
+            <p:cNvSpPr/>
             <p:nvPr/>
           </p:nvSpPr>
           <p:spPr bwMode="auto">
@@ -12274,15 +11571,13 @@
               </a:solidFill>
               <a:prstDash val="solid"/>
               <a:round/>
-              <a:headEnd/>
-              <a:tailEnd/>
             </a:ln>
           </p:spPr>
           <p:txBody>
             <a:bodyPr/>
             <a:lstStyle/>
             <a:p>
-              <a:pPr defTabSz="914217">
+              <a:pPr defTabSz="914400">
                 <a:defRPr/>
               </a:pPr>
               <a:endParaRPr lang="en-US" dirty="0">
@@ -12297,9 +11592,7 @@
         <p:sp>
           <p:nvSpPr>
             <p:cNvPr id="89" name="Freeform 10"/>
-            <p:cNvSpPr>
-              <a:spLocks/>
-            </p:cNvSpPr>
+            <p:cNvSpPr/>
             <p:nvPr/>
           </p:nvSpPr>
           <p:spPr bwMode="auto">
@@ -12896,15 +12189,13 @@
               </a:solidFill>
               <a:prstDash val="solid"/>
               <a:round/>
-              <a:headEnd/>
-              <a:tailEnd/>
             </a:ln>
           </p:spPr>
           <p:txBody>
             <a:bodyPr/>
             <a:lstStyle/>
             <a:p>
-              <a:pPr defTabSz="914217">
+              <a:pPr defTabSz="914400">
                 <a:defRPr/>
               </a:pPr>
               <a:endParaRPr lang="en-US" dirty="0">
@@ -12919,9 +12210,7 @@
         <p:sp>
           <p:nvSpPr>
             <p:cNvPr id="90" name="Freeform 11"/>
-            <p:cNvSpPr>
-              <a:spLocks/>
-            </p:cNvSpPr>
+            <p:cNvSpPr/>
             <p:nvPr/>
           </p:nvSpPr>
           <p:spPr bwMode="auto">
@@ -13613,15 +12902,13 @@
               </a:solidFill>
               <a:prstDash val="solid"/>
               <a:round/>
-              <a:headEnd/>
-              <a:tailEnd/>
             </a:ln>
           </p:spPr>
           <p:txBody>
             <a:bodyPr/>
             <a:lstStyle/>
             <a:p>
-              <a:pPr defTabSz="914217">
+              <a:pPr defTabSz="914400">
                 <a:defRPr/>
               </a:pPr>
               <a:endParaRPr lang="en-US" dirty="0">
@@ -13636,9 +12923,7 @@
         <p:sp>
           <p:nvSpPr>
             <p:cNvPr id="91" name="Freeform 12"/>
-            <p:cNvSpPr>
-              <a:spLocks/>
-            </p:cNvSpPr>
+            <p:cNvSpPr/>
             <p:nvPr/>
           </p:nvSpPr>
           <p:spPr bwMode="auto">
@@ -15215,15 +14500,13 @@
               </a:solidFill>
               <a:prstDash val="solid"/>
               <a:round/>
-              <a:headEnd/>
-              <a:tailEnd/>
             </a:ln>
           </p:spPr>
           <p:txBody>
             <a:bodyPr/>
             <a:lstStyle/>
             <a:p>
-              <a:pPr defTabSz="914217">
+              <a:pPr defTabSz="914400">
                 <a:defRPr/>
               </a:pPr>
               <a:endParaRPr lang="en-US" dirty="0">
@@ -15238,9 +14521,7 @@
         <p:sp>
           <p:nvSpPr>
             <p:cNvPr id="92" name="Freeform 13"/>
-            <p:cNvSpPr>
-              <a:spLocks/>
-            </p:cNvSpPr>
+            <p:cNvSpPr/>
             <p:nvPr/>
           </p:nvSpPr>
           <p:spPr bwMode="auto">
@@ -15867,15 +15148,13 @@
               </a:solidFill>
               <a:prstDash val="solid"/>
               <a:round/>
-              <a:headEnd/>
-              <a:tailEnd/>
             </a:ln>
           </p:spPr>
           <p:txBody>
             <a:bodyPr/>
             <a:lstStyle/>
             <a:p>
-              <a:pPr defTabSz="914217">
+              <a:pPr defTabSz="914400">
                 <a:defRPr/>
               </a:pPr>
               <a:endParaRPr lang="en-US" dirty="0">
@@ -15890,9 +15169,7 @@
         <p:sp>
           <p:nvSpPr>
             <p:cNvPr id="93" name="Freeform 14"/>
-            <p:cNvSpPr>
-              <a:spLocks/>
-            </p:cNvSpPr>
+            <p:cNvSpPr/>
             <p:nvPr/>
           </p:nvSpPr>
           <p:spPr bwMode="auto">
@@ -16444,15 +15721,13 @@
               </a:solidFill>
               <a:prstDash val="solid"/>
               <a:round/>
-              <a:headEnd/>
-              <a:tailEnd/>
             </a:ln>
           </p:spPr>
           <p:txBody>
             <a:bodyPr/>
             <a:lstStyle/>
             <a:p>
-              <a:pPr defTabSz="914217">
+              <a:pPr defTabSz="914400">
                 <a:defRPr/>
               </a:pPr>
               <a:endParaRPr lang="en-US" dirty="0">
@@ -16467,9 +15742,7 @@
         <p:sp>
           <p:nvSpPr>
             <p:cNvPr id="94" name="Freeform 15"/>
-            <p:cNvSpPr>
-              <a:spLocks/>
-            </p:cNvSpPr>
+            <p:cNvSpPr/>
             <p:nvPr/>
           </p:nvSpPr>
           <p:spPr bwMode="auto">
@@ -17396,15 +16669,13 @@
               </a:solidFill>
               <a:prstDash val="solid"/>
               <a:round/>
-              <a:headEnd/>
-              <a:tailEnd/>
             </a:ln>
           </p:spPr>
           <p:txBody>
             <a:bodyPr/>
             <a:lstStyle/>
             <a:p>
-              <a:pPr defTabSz="914217">
+              <a:pPr defTabSz="914400">
                 <a:defRPr/>
               </a:pPr>
               <a:endParaRPr lang="en-US" dirty="0">
@@ -17419,9 +16690,7 @@
         <p:sp>
           <p:nvSpPr>
             <p:cNvPr id="95" name="Freeform 16"/>
-            <p:cNvSpPr>
-              <a:spLocks/>
-            </p:cNvSpPr>
+            <p:cNvSpPr/>
             <p:nvPr/>
           </p:nvSpPr>
           <p:spPr bwMode="auto">
@@ -18113,15 +17382,13 @@
               </a:solidFill>
               <a:prstDash val="solid"/>
               <a:round/>
-              <a:headEnd/>
-              <a:tailEnd/>
             </a:ln>
           </p:spPr>
           <p:txBody>
             <a:bodyPr/>
             <a:lstStyle/>
             <a:p>
-              <a:pPr defTabSz="914217">
+              <a:pPr defTabSz="914400">
                 <a:defRPr/>
               </a:pPr>
               <a:endParaRPr lang="en-US" dirty="0">
@@ -18136,9 +17403,7 @@
         <p:sp>
           <p:nvSpPr>
             <p:cNvPr id="96" name="Freeform 17"/>
-            <p:cNvSpPr>
-              <a:spLocks/>
-            </p:cNvSpPr>
+            <p:cNvSpPr/>
             <p:nvPr/>
           </p:nvSpPr>
           <p:spPr bwMode="auto">
@@ -18930,15 +18195,13 @@
               </a:solidFill>
               <a:prstDash val="solid"/>
               <a:round/>
-              <a:headEnd/>
-              <a:tailEnd/>
             </a:ln>
           </p:spPr>
           <p:txBody>
             <a:bodyPr/>
             <a:lstStyle/>
             <a:p>
-              <a:pPr defTabSz="914217">
+              <a:pPr defTabSz="914400">
                 <a:defRPr/>
               </a:pPr>
               <a:endParaRPr lang="en-US" dirty="0">
@@ -18953,9 +18216,7 @@
         <p:sp>
           <p:nvSpPr>
             <p:cNvPr id="97" name="Freeform 18"/>
-            <p:cNvSpPr>
-              <a:spLocks/>
-            </p:cNvSpPr>
+            <p:cNvSpPr/>
             <p:nvPr/>
           </p:nvSpPr>
           <p:spPr bwMode="auto">
@@ -19587,15 +18848,13 @@
               </a:solidFill>
               <a:prstDash val="solid"/>
               <a:round/>
-              <a:headEnd/>
-              <a:tailEnd/>
             </a:ln>
           </p:spPr>
           <p:txBody>
             <a:bodyPr/>
             <a:lstStyle/>
             <a:p>
-              <a:pPr defTabSz="914217">
+              <a:pPr defTabSz="914400">
                 <a:defRPr/>
               </a:pPr>
               <a:endParaRPr lang="en-US" dirty="0">
@@ -19610,9 +18869,7 @@
         <p:sp>
           <p:nvSpPr>
             <p:cNvPr id="98" name="Freeform 19"/>
-            <p:cNvSpPr>
-              <a:spLocks/>
-            </p:cNvSpPr>
+            <p:cNvSpPr/>
             <p:nvPr/>
           </p:nvSpPr>
           <p:spPr bwMode="auto">
@@ -20599,15 +19856,13 @@
               </a:solidFill>
               <a:prstDash val="solid"/>
               <a:round/>
-              <a:headEnd/>
-              <a:tailEnd/>
             </a:ln>
           </p:spPr>
           <p:txBody>
             <a:bodyPr/>
             <a:lstStyle/>
             <a:p>
-              <a:pPr defTabSz="914217">
+              <a:pPr defTabSz="914400">
                 <a:defRPr/>
               </a:pPr>
               <a:endParaRPr lang="en-US" dirty="0">
@@ -20622,9 +19877,7 @@
         <p:sp>
           <p:nvSpPr>
             <p:cNvPr id="99" name="Freeform 20"/>
-            <p:cNvSpPr>
-              <a:spLocks/>
-            </p:cNvSpPr>
+            <p:cNvSpPr/>
             <p:nvPr/>
           </p:nvSpPr>
           <p:spPr bwMode="auto">
@@ -21676,15 +20929,13 @@
               </a:solidFill>
               <a:prstDash val="solid"/>
               <a:round/>
-              <a:headEnd/>
-              <a:tailEnd/>
             </a:ln>
           </p:spPr>
           <p:txBody>
             <a:bodyPr/>
             <a:lstStyle/>
             <a:p>
-              <a:pPr defTabSz="914217">
+              <a:pPr defTabSz="914400">
                 <a:defRPr/>
               </a:pPr>
               <a:endParaRPr lang="en-US" dirty="0">
@@ -21699,9 +20950,7 @@
         <p:sp>
           <p:nvSpPr>
             <p:cNvPr id="100" name="Freeform 21"/>
-            <p:cNvSpPr>
-              <a:spLocks/>
-            </p:cNvSpPr>
+            <p:cNvSpPr/>
             <p:nvPr/>
           </p:nvSpPr>
           <p:spPr bwMode="auto">
@@ -22158,15 +21407,13 @@
               </a:solidFill>
               <a:prstDash val="solid"/>
               <a:round/>
-              <a:headEnd/>
-              <a:tailEnd/>
             </a:ln>
           </p:spPr>
           <p:txBody>
             <a:bodyPr/>
             <a:lstStyle/>
             <a:p>
-              <a:pPr defTabSz="914217">
+              <a:pPr defTabSz="914400">
                 <a:defRPr/>
               </a:pPr>
               <a:endParaRPr lang="en-US" dirty="0">
@@ -22181,9 +21428,7 @@
         <p:sp>
           <p:nvSpPr>
             <p:cNvPr id="101" name="Freeform 22"/>
-            <p:cNvSpPr>
-              <a:spLocks/>
-            </p:cNvSpPr>
+            <p:cNvSpPr/>
             <p:nvPr/>
           </p:nvSpPr>
           <p:spPr bwMode="auto">
@@ -22705,15 +21950,13 @@
               </a:solidFill>
               <a:prstDash val="solid"/>
               <a:round/>
-              <a:headEnd/>
-              <a:tailEnd/>
             </a:ln>
           </p:spPr>
           <p:txBody>
             <a:bodyPr/>
             <a:lstStyle/>
             <a:p>
-              <a:pPr defTabSz="914217">
+              <a:pPr defTabSz="914400">
                 <a:defRPr/>
               </a:pPr>
               <a:endParaRPr lang="en-US" dirty="0">
@@ -22728,9 +21971,7 @@
         <p:sp>
           <p:nvSpPr>
             <p:cNvPr id="102" name="Freeform 23"/>
-            <p:cNvSpPr>
-              <a:spLocks/>
-            </p:cNvSpPr>
+            <p:cNvSpPr/>
             <p:nvPr/>
           </p:nvSpPr>
           <p:spPr bwMode="auto">
@@ -23422,15 +22663,13 @@
               </a:solidFill>
               <a:prstDash val="solid"/>
               <a:round/>
-              <a:headEnd/>
-              <a:tailEnd/>
             </a:ln>
           </p:spPr>
           <p:txBody>
             <a:bodyPr/>
             <a:lstStyle/>
             <a:p>
-              <a:pPr defTabSz="914217">
+              <a:pPr defTabSz="914400">
                 <a:defRPr/>
               </a:pPr>
               <a:endParaRPr lang="en-US" dirty="0">
@@ -23445,9 +22684,7 @@
         <p:sp>
           <p:nvSpPr>
             <p:cNvPr id="103" name="Freeform 24"/>
-            <p:cNvSpPr>
-              <a:spLocks/>
-            </p:cNvSpPr>
+            <p:cNvSpPr/>
             <p:nvPr/>
           </p:nvSpPr>
           <p:spPr bwMode="auto">
@@ -24024,15 +23261,13 @@
               </a:solidFill>
               <a:prstDash val="solid"/>
               <a:round/>
-              <a:headEnd/>
-              <a:tailEnd/>
             </a:ln>
           </p:spPr>
           <p:txBody>
             <a:bodyPr/>
             <a:lstStyle/>
             <a:p>
-              <a:pPr defTabSz="914217">
+              <a:pPr defTabSz="914400">
                 <a:defRPr/>
               </a:pPr>
               <a:endParaRPr lang="en-US" dirty="0">
@@ -24047,9 +23282,7 @@
         <p:sp>
           <p:nvSpPr>
             <p:cNvPr id="124" name="Freeform 25"/>
-            <p:cNvSpPr>
-              <a:spLocks/>
-            </p:cNvSpPr>
+            <p:cNvSpPr/>
             <p:nvPr/>
           </p:nvSpPr>
           <p:spPr bwMode="auto">
@@ -24706,15 +23939,13 @@
               </a:solidFill>
               <a:prstDash val="solid"/>
               <a:round/>
-              <a:headEnd/>
-              <a:tailEnd/>
             </a:ln>
           </p:spPr>
           <p:txBody>
             <a:bodyPr/>
             <a:lstStyle/>
             <a:p>
-              <a:pPr defTabSz="914217">
+              <a:pPr defTabSz="914400">
                 <a:defRPr/>
               </a:pPr>
               <a:endParaRPr lang="en-US" dirty="0">
@@ -24729,9 +23960,7 @@
         <p:sp>
           <p:nvSpPr>
             <p:cNvPr id="125" name="Freeform 26"/>
-            <p:cNvSpPr>
-              <a:spLocks/>
-            </p:cNvSpPr>
+            <p:cNvSpPr/>
             <p:nvPr/>
           </p:nvSpPr>
           <p:spPr bwMode="auto">
@@ -25388,15 +24617,13 @@
               </a:solidFill>
               <a:prstDash val="solid"/>
               <a:round/>
-              <a:headEnd/>
-              <a:tailEnd/>
             </a:ln>
           </p:spPr>
           <p:txBody>
             <a:bodyPr/>
             <a:lstStyle/>
             <a:p>
-              <a:pPr defTabSz="914217">
+              <a:pPr defTabSz="914400">
                 <a:defRPr/>
               </a:pPr>
               <a:endParaRPr lang="en-US" dirty="0">
@@ -25411,9 +24638,7 @@
         <p:sp>
           <p:nvSpPr>
             <p:cNvPr id="126" name="Freeform 27"/>
-            <p:cNvSpPr>
-              <a:spLocks/>
-            </p:cNvSpPr>
+            <p:cNvSpPr/>
             <p:nvPr/>
           </p:nvSpPr>
           <p:spPr bwMode="auto">
@@ -26115,15 +25340,13 @@
               </a:solidFill>
               <a:prstDash val="solid"/>
               <a:round/>
-              <a:headEnd/>
-              <a:tailEnd/>
             </a:ln>
           </p:spPr>
           <p:txBody>
             <a:bodyPr/>
             <a:lstStyle/>
             <a:p>
-              <a:pPr defTabSz="914217">
+              <a:pPr defTabSz="914400">
                 <a:defRPr/>
               </a:pPr>
               <a:endParaRPr lang="en-US" dirty="0">
@@ -26138,9 +25361,7 @@
         <p:sp>
           <p:nvSpPr>
             <p:cNvPr id="127" name="Freeform 28"/>
-            <p:cNvSpPr>
-              <a:spLocks/>
-            </p:cNvSpPr>
+            <p:cNvSpPr/>
             <p:nvPr/>
           </p:nvSpPr>
           <p:spPr bwMode="auto">
@@ -26737,15 +25958,13 @@
               </a:solidFill>
               <a:prstDash val="solid"/>
               <a:round/>
-              <a:headEnd/>
-              <a:tailEnd/>
             </a:ln>
           </p:spPr>
           <p:txBody>
             <a:bodyPr/>
             <a:lstStyle/>
             <a:p>
-              <a:pPr defTabSz="914217">
+              <a:pPr defTabSz="914400">
                 <a:defRPr/>
               </a:pPr>
               <a:endParaRPr lang="en-US" dirty="0">
@@ -26760,9 +25979,7 @@
         <p:sp>
           <p:nvSpPr>
             <p:cNvPr id="134" name="Freeform 29"/>
-            <p:cNvSpPr>
-              <a:spLocks/>
-            </p:cNvSpPr>
+            <p:cNvSpPr/>
             <p:nvPr/>
           </p:nvSpPr>
           <p:spPr bwMode="auto">
@@ -27399,15 +26616,13 @@
               </a:solidFill>
               <a:prstDash val="solid"/>
               <a:round/>
-              <a:headEnd/>
-              <a:tailEnd/>
             </a:ln>
           </p:spPr>
           <p:txBody>
             <a:bodyPr/>
             <a:lstStyle/>
             <a:p>
-              <a:pPr defTabSz="914217">
+              <a:pPr defTabSz="914400">
                 <a:defRPr/>
               </a:pPr>
               <a:endParaRPr lang="en-US" dirty="0">
@@ -27422,9 +26637,7 @@
         <p:sp>
           <p:nvSpPr>
             <p:cNvPr id="135" name="Freeform 30"/>
-            <p:cNvSpPr>
-              <a:spLocks/>
-            </p:cNvSpPr>
+            <p:cNvSpPr/>
             <p:nvPr/>
           </p:nvSpPr>
           <p:spPr bwMode="auto">
@@ -27611,15 +26824,13 @@
               </a:solidFill>
               <a:prstDash val="solid"/>
               <a:round/>
-              <a:headEnd/>
-              <a:tailEnd/>
             </a:ln>
           </p:spPr>
           <p:txBody>
             <a:bodyPr/>
             <a:lstStyle/>
             <a:p>
-              <a:pPr defTabSz="914217">
+              <a:pPr defTabSz="914400">
                 <a:defRPr/>
               </a:pPr>
               <a:endParaRPr lang="en-US" dirty="0">
@@ -27634,9 +26845,7 @@
         <p:sp>
           <p:nvSpPr>
             <p:cNvPr id="136" name="Freeform 31"/>
-            <p:cNvSpPr>
-              <a:spLocks/>
-            </p:cNvSpPr>
+            <p:cNvSpPr/>
             <p:nvPr/>
           </p:nvSpPr>
           <p:spPr bwMode="auto">
@@ -28148,15 +27357,13 @@
               </a:solidFill>
               <a:prstDash val="solid"/>
               <a:round/>
-              <a:headEnd/>
-              <a:tailEnd/>
             </a:ln>
           </p:spPr>
           <p:txBody>
             <a:bodyPr/>
             <a:lstStyle/>
             <a:p>
-              <a:pPr defTabSz="914217">
+              <a:pPr defTabSz="914400">
                 <a:defRPr/>
               </a:pPr>
               <a:endParaRPr lang="en-US" dirty="0">
@@ -28171,9 +27378,7 @@
         <p:sp>
           <p:nvSpPr>
             <p:cNvPr id="137" name="Freeform 32"/>
-            <p:cNvSpPr>
-              <a:spLocks/>
-            </p:cNvSpPr>
+            <p:cNvSpPr/>
             <p:nvPr/>
           </p:nvSpPr>
           <p:spPr bwMode="auto">
@@ -28995,15 +28200,13 @@
               </a:solidFill>
               <a:prstDash val="solid"/>
               <a:round/>
-              <a:headEnd/>
-              <a:tailEnd/>
             </a:ln>
           </p:spPr>
           <p:txBody>
             <a:bodyPr/>
             <a:lstStyle/>
             <a:p>
-              <a:pPr defTabSz="914217">
+              <a:pPr defTabSz="914400">
                 <a:defRPr/>
               </a:pPr>
               <a:endParaRPr lang="en-US" dirty="0">
@@ -29018,9 +28221,7 @@
         <p:sp>
           <p:nvSpPr>
             <p:cNvPr id="138" name="Freeform 33"/>
-            <p:cNvSpPr>
-              <a:spLocks/>
-            </p:cNvSpPr>
+            <p:cNvSpPr/>
             <p:nvPr/>
           </p:nvSpPr>
           <p:spPr bwMode="auto">
@@ -29267,15 +28468,13 @@
               </a:solidFill>
               <a:prstDash val="solid"/>
               <a:round/>
-              <a:headEnd/>
-              <a:tailEnd/>
             </a:ln>
           </p:spPr>
           <p:txBody>
             <a:bodyPr/>
             <a:lstStyle/>
             <a:p>
-              <a:pPr defTabSz="914217">
+              <a:pPr defTabSz="914400">
                 <a:defRPr/>
               </a:pPr>
               <a:endParaRPr lang="en-US" dirty="0">
@@ -29290,9 +28489,7 @@
         <p:sp>
           <p:nvSpPr>
             <p:cNvPr id="139" name="Freeform 34"/>
-            <p:cNvSpPr>
-              <a:spLocks/>
-            </p:cNvSpPr>
+            <p:cNvSpPr/>
             <p:nvPr/>
           </p:nvSpPr>
           <p:spPr bwMode="auto">
@@ -29549,15 +28746,13 @@
               </a:solidFill>
               <a:prstDash val="solid"/>
               <a:round/>
-              <a:headEnd/>
-              <a:tailEnd/>
             </a:ln>
           </p:spPr>
           <p:txBody>
             <a:bodyPr/>
             <a:lstStyle/>
             <a:p>
-              <a:pPr defTabSz="914217">
+              <a:pPr defTabSz="914400">
                 <a:defRPr/>
               </a:pPr>
               <a:endParaRPr lang="en-US" dirty="0">
@@ -29572,9 +28767,7 @@
         <p:sp>
           <p:nvSpPr>
             <p:cNvPr id="140" name="Freeform 35"/>
-            <p:cNvSpPr>
-              <a:spLocks/>
-            </p:cNvSpPr>
+            <p:cNvSpPr/>
             <p:nvPr/>
           </p:nvSpPr>
           <p:spPr bwMode="auto">
@@ -29921,15 +29114,13 @@
               </a:solidFill>
               <a:prstDash val="solid"/>
               <a:round/>
-              <a:headEnd/>
-              <a:tailEnd/>
             </a:ln>
           </p:spPr>
           <p:txBody>
             <a:bodyPr/>
             <a:lstStyle/>
             <a:p>
-              <a:pPr defTabSz="914217">
+              <a:pPr defTabSz="914400">
                 <a:defRPr/>
               </a:pPr>
               <a:endParaRPr lang="en-US" dirty="0">
@@ -29944,9 +29135,7 @@
         <p:sp>
           <p:nvSpPr>
             <p:cNvPr id="141" name="Freeform 36"/>
-            <p:cNvSpPr>
-              <a:spLocks/>
-            </p:cNvSpPr>
+            <p:cNvSpPr/>
             <p:nvPr/>
           </p:nvSpPr>
           <p:spPr bwMode="auto">
@@ -30013,15 +29202,13 @@
               </a:solidFill>
               <a:prstDash val="solid"/>
               <a:round/>
-              <a:headEnd/>
-              <a:tailEnd/>
             </a:ln>
           </p:spPr>
           <p:txBody>
             <a:bodyPr/>
             <a:lstStyle/>
             <a:p>
-              <a:pPr defTabSz="914217">
+              <a:pPr defTabSz="914400">
                 <a:defRPr/>
               </a:pPr>
               <a:endParaRPr lang="en-US" dirty="0">
@@ -30036,9 +29223,7 @@
         <p:sp>
           <p:nvSpPr>
             <p:cNvPr id="142" name="Freeform 37"/>
-            <p:cNvSpPr>
-              <a:spLocks/>
-            </p:cNvSpPr>
+            <p:cNvSpPr/>
             <p:nvPr/>
           </p:nvSpPr>
           <p:spPr bwMode="auto">
@@ -30105,15 +29290,13 @@
               </a:solidFill>
               <a:prstDash val="solid"/>
               <a:round/>
-              <a:headEnd/>
-              <a:tailEnd/>
             </a:ln>
           </p:spPr>
           <p:txBody>
             <a:bodyPr/>
             <a:lstStyle/>
             <a:p>
-              <a:pPr defTabSz="914217">
+              <a:pPr defTabSz="914400">
                 <a:defRPr/>
               </a:pPr>
               <a:endParaRPr lang="en-US" dirty="0">
@@ -30128,9 +29311,7 @@
         <p:sp>
           <p:nvSpPr>
             <p:cNvPr id="143" name="Freeform 38"/>
-            <p:cNvSpPr>
-              <a:spLocks/>
-            </p:cNvSpPr>
+            <p:cNvSpPr/>
             <p:nvPr/>
           </p:nvSpPr>
           <p:spPr bwMode="auto">
@@ -30207,15 +29388,13 @@
               </a:solidFill>
               <a:prstDash val="solid"/>
               <a:round/>
-              <a:headEnd/>
-              <a:tailEnd/>
             </a:ln>
           </p:spPr>
           <p:txBody>
             <a:bodyPr/>
             <a:lstStyle/>
             <a:p>
-              <a:pPr defTabSz="914217">
+              <a:pPr defTabSz="914400">
                 <a:defRPr/>
               </a:pPr>
               <a:endParaRPr lang="en-US" dirty="0">
@@ -30230,13 +29409,7 @@
       </p:grpSp>
       <p:sp>
         <p:nvSpPr>
-          <p:cNvPr id="2" name="文本框 1">
-            <a:extLst>
-              <a:ext uri="{FF2B5EF4-FFF2-40B4-BE49-F238E27FC236}">
-                <a16:creationId xmlns:a16="http://schemas.microsoft.com/office/drawing/2014/main" id="{13E9C428-0B07-2E4B-9DBF-18EA6A6DD478}"/>
-              </a:ext>
-            </a:extLst>
-          </p:cNvPr>
+          <p:cNvPr id="2" name="文本框 1"/>
           <p:cNvSpPr txBox="1"/>
           <p:nvPr/>
         </p:nvSpPr>
@@ -30266,8 +29439,8 @@
                 <a:solidFill>
                   <a:srgbClr val="000000"/>
                 </a:solidFill>
-                <a:latin typeface="SimHei" panose="02010609060101010101" pitchFamily="49" charset="-122"/>
-                <a:ea typeface="SimHei" panose="02010609060101010101" pitchFamily="49" charset="-122"/>
+                <a:latin typeface="黑体" panose="02010609060101010101" pitchFamily="49" charset="-122"/>
+                <a:ea typeface="黑体" panose="02010609060101010101" pitchFamily="49" charset="-122"/>
               </a:rPr>
               <a:t>技术方案</a:t>
             </a:r>
@@ -30275,8 +29448,8 @@
               <a:solidFill>
                 <a:srgbClr val="000000"/>
               </a:solidFill>
-              <a:latin typeface="SimHei" panose="02010609060101010101" pitchFamily="49" charset="-122"/>
-              <a:ea typeface="SimHei" panose="02010609060101010101" pitchFamily="49" charset="-122"/>
+              <a:latin typeface="黑体" panose="02010609060101010101" pitchFamily="49" charset="-122"/>
+              <a:ea typeface="黑体" panose="02010609060101010101" pitchFamily="49" charset="-122"/>
             </a:endParaRPr>
           </a:p>
           <a:p>
@@ -30294,7 +29467,7 @@
               <a:t>前端：</a:t>
             </a:r>
             <a:r>
-              <a:rPr kumimoji="1" lang="en" altLang="zh-CN" dirty="0">
+              <a:rPr kumimoji="1" lang="en-GB" altLang="zh-CN" dirty="0">
                 <a:solidFill>
                   <a:srgbClr val="000000"/>
                 </a:solidFill>
@@ -30302,7 +29475,7 @@
               <a:t>Android</a:t>
             </a:r>
             <a:r>
-              <a:rPr kumimoji="1" lang="zh-CN" altLang="en" dirty="0">
+              <a:rPr kumimoji="1" lang="zh-CN" altLang="en-GB" dirty="0">
                 <a:solidFill>
                   <a:srgbClr val="000000"/>
                 </a:solidFill>
@@ -30310,7 +29483,7 @@
               <a:t>、</a:t>
             </a:r>
             <a:r>
-              <a:rPr kumimoji="1" lang="en" altLang="zh-CN" dirty="0" err="1">
+              <a:rPr kumimoji="1" lang="en-GB" altLang="zh-CN" dirty="0" err="1">
                 <a:solidFill>
                   <a:srgbClr val="000000"/>
                 </a:solidFill>
@@ -30318,7 +29491,7 @@
               <a:t>OKhttp</a:t>
             </a:r>
             <a:r>
-              <a:rPr kumimoji="1" lang="zh-CN" altLang="en" dirty="0">
+              <a:rPr kumimoji="1" lang="zh-CN" altLang="en-GB" dirty="0">
                 <a:solidFill>
                   <a:srgbClr val="000000"/>
                 </a:solidFill>
@@ -30326,14 +29499,14 @@
               <a:t>、</a:t>
             </a:r>
             <a:r>
-              <a:rPr kumimoji="1" lang="en" altLang="zh-CN" dirty="0" err="1">
+              <a:rPr kumimoji="1" lang="en-GB" altLang="zh-CN" dirty="0" err="1">
                 <a:solidFill>
                   <a:srgbClr val="000000"/>
                 </a:solidFill>
               </a:rPr>
               <a:t>vue</a:t>
             </a:r>
-            <a:endParaRPr kumimoji="1" lang="zh-CN" altLang="en" dirty="0">
+            <a:endParaRPr kumimoji="1" lang="zh-CN" altLang="en-GB" dirty="0">
               <a:solidFill>
                 <a:srgbClr val="000000"/>
               </a:solidFill>
@@ -30354,7 +29527,7 @@
               <a:t>后端：</a:t>
             </a:r>
             <a:r>
-              <a:rPr kumimoji="1" lang="en" altLang="zh-CN" dirty="0" err="1">
+              <a:rPr kumimoji="1" lang="en-GB" altLang="zh-CN" dirty="0" err="1">
                 <a:solidFill>
                   <a:srgbClr val="000000"/>
                 </a:solidFill>
@@ -30362,7 +29535,7 @@
               <a:t>springboot</a:t>
             </a:r>
             <a:r>
-              <a:rPr kumimoji="1" lang="zh-CN" altLang="en" dirty="0">
+              <a:rPr kumimoji="1" lang="zh-CN" altLang="en-GB" dirty="0">
                 <a:solidFill>
                   <a:srgbClr val="000000"/>
                 </a:solidFill>
@@ -30370,13 +29543,18 @@
               <a:t>、</a:t>
             </a:r>
             <a:r>
-              <a:rPr kumimoji="1" lang="en" altLang="zh-CN" dirty="0">
+              <a:rPr kumimoji="1" lang="en-GB" altLang="zh-CN" dirty="0">
                 <a:solidFill>
                   <a:srgbClr val="000000"/>
                 </a:solidFill>
               </a:rPr>
               <a:t>maven</a:t>
             </a:r>
+            <a:endParaRPr kumimoji="1" lang="en-GB" altLang="zh-CN" dirty="0">
+              <a:solidFill>
+                <a:srgbClr val="000000"/>
+              </a:solidFill>
+            </a:endParaRPr>
           </a:p>
           <a:p>
             <a:pPr>
@@ -30393,7 +29571,7 @@
               <a:t>数据库：</a:t>
             </a:r>
             <a:r>
-              <a:rPr kumimoji="1" lang="en" altLang="zh-CN" dirty="0" err="1">
+              <a:rPr kumimoji="1" lang="en-GB" altLang="zh-CN" dirty="0" err="1">
                 <a:solidFill>
                   <a:srgbClr val="000000"/>
                 </a:solidFill>
@@ -30409,13 +29587,18 @@
               <a:t> </a:t>
             </a:r>
             <a:r>
-              <a:rPr kumimoji="1" lang="en" altLang="zh-CN" dirty="0">
+              <a:rPr kumimoji="1" lang="en-GB" altLang="zh-CN" dirty="0">
                 <a:solidFill>
                   <a:srgbClr val="000000"/>
                 </a:solidFill>
               </a:rPr>
               <a:t>8.0</a:t>
             </a:r>
+            <a:endParaRPr kumimoji="1" lang="en-GB" altLang="zh-CN" dirty="0">
+              <a:solidFill>
+                <a:srgbClr val="000000"/>
+              </a:solidFill>
+            </a:endParaRPr>
           </a:p>
           <a:p>
             <a:pPr>
@@ -30432,7 +29615,7 @@
               <a:t>开发工具：</a:t>
             </a:r>
             <a:r>
-              <a:rPr kumimoji="1" lang="en" altLang="zh-CN" dirty="0">
+              <a:rPr kumimoji="1" lang="en-GB" altLang="zh-CN" dirty="0">
                 <a:solidFill>
                   <a:srgbClr val="000000"/>
                 </a:solidFill>
@@ -30440,7 +29623,7 @@
               <a:t>Android studio</a:t>
             </a:r>
             <a:r>
-              <a:rPr kumimoji="1" lang="zh-CN" altLang="en" dirty="0">
+              <a:rPr kumimoji="1" lang="zh-CN" altLang="en-GB" dirty="0">
                 <a:solidFill>
                   <a:srgbClr val="000000"/>
                 </a:solidFill>
@@ -30448,7 +29631,7 @@
               <a:t>、</a:t>
             </a:r>
             <a:r>
-              <a:rPr kumimoji="1" lang="en" altLang="zh-CN" dirty="0">
+              <a:rPr kumimoji="1" lang="en-GB" altLang="zh-CN" dirty="0">
                 <a:solidFill>
                   <a:srgbClr val="000000"/>
                 </a:solidFill>
@@ -30456,7 +29639,7 @@
               <a:t>idea</a:t>
             </a:r>
             <a:r>
-              <a:rPr kumimoji="1" lang="zh-CN" altLang="en" dirty="0">
+              <a:rPr kumimoji="1" lang="zh-CN" altLang="en-GB" dirty="0">
                 <a:solidFill>
                   <a:srgbClr val="000000"/>
                 </a:solidFill>
@@ -30464,7 +29647,7 @@
               <a:t>、</a:t>
             </a:r>
             <a:r>
-              <a:rPr kumimoji="1" lang="en" altLang="zh-CN" dirty="0" err="1">
+              <a:rPr kumimoji="1" lang="en-GB" altLang="zh-CN" dirty="0" err="1">
                 <a:solidFill>
                   <a:srgbClr val="000000"/>
                 </a:solidFill>
@@ -30480,22 +29663,17 @@
         </p:txBody>
       </p:sp>
     </p:spTree>
-    <p:extLst>
-      <p:ext uri="{BB962C8B-B14F-4D97-AF65-F5344CB8AC3E}">
-        <p14:creationId xmlns:p14="http://schemas.microsoft.com/office/powerpoint/2010/main" val="1321756868"/>
-      </p:ext>
-    </p:extLst>
   </p:cSld>
   <p:clrMapOvr>
     <a:masterClrMapping/>
   </p:clrMapOvr>
-  <mc:AlternateContent xmlns:mc="http://schemas.openxmlformats.org/markup-compatibility/2006" xmlns:p14="http://schemas.microsoft.com/office/powerpoint/2010/main">
-    <mc:Choice Requires="p14">
+  <mc:AlternateContent xmlns:mc="http://schemas.openxmlformats.org/markup-compatibility/2006">
+    <mc:Choice xmlns:p14="http://schemas.microsoft.com/office/powerpoint/2010/main" Requires="p14">
       <p:transition spd="slow" p14:dur="1500" advTm="2000">
         <p:random/>
       </p:transition>
     </mc:Choice>
-    <mc:Fallback xmlns="">
+    <mc:Fallback>
       <p:transition spd="slow" advTm="2000">
         <p:random/>
       </p:transition>
@@ -30504,7 +29682,7 @@
 </p:sld>
 </file>
 
-<file path=ppt/slides/slide7.xml><?xml version="1.0" encoding="utf-8"?>
+<file path=ppt/slides/slide6.xml><?xml version="1.0" encoding="utf-8"?>
 <p:sld xmlns:a="http://schemas.openxmlformats.org/drawingml/2006/main" xmlns:r="http://schemas.openxmlformats.org/officeDocument/2006/relationships" xmlns:p="http://schemas.openxmlformats.org/presentationml/2006/main">
   <p:cSld>
     <p:spTree>
@@ -30543,7 +29721,7 @@
           </a:bodyPr>
           <a:lstStyle/>
           <a:p>
-            <a:pPr defTabSz="914217"/>
+            <a:pPr defTabSz="914400"/>
             <a:r>
               <a:rPr lang="en-US" sz="14350" b="1" dirty="0">
                 <a:solidFill>
@@ -30557,6 +29735,16 @@
               </a:rPr>
               <a:t>meet our</a:t>
             </a:r>
+            <a:endParaRPr lang="en-US" sz="14350" b="1" dirty="0">
+              <a:solidFill>
+                <a:srgbClr val="FFFFFF">
+                  <a:lumMod val="95000"/>
+                </a:srgbClr>
+              </a:solidFill>
+              <a:latin typeface="Montserrat" charset="0"/>
+              <a:ea typeface="Montserrat" charset="0"/>
+              <a:cs typeface="Montserrat" charset="0"/>
+            </a:endParaRPr>
           </a:p>
         </p:txBody>
       </p:sp>
@@ -30582,7 +29770,7 @@
           </a:bodyPr>
           <a:lstStyle/>
           <a:p>
-            <a:pPr defTabSz="914217">
+            <a:pPr defTabSz="914400">
               <a:lnSpc>
                 <a:spcPts val="6000"/>
               </a:lnSpc>
@@ -30592,8 +29780,8 @@
                 <a:solidFill>
                   <a:srgbClr val="000000"/>
                 </a:solidFill>
-                <a:latin typeface="SimHei" panose="02010609060101010101" pitchFamily="49" charset="-122"/>
-                <a:ea typeface="SimHei" panose="02010609060101010101" pitchFamily="49" charset="-122"/>
+                <a:latin typeface="黑体" panose="02010609060101010101" pitchFamily="49" charset="-122"/>
+                <a:ea typeface="黑体" panose="02010609060101010101" pitchFamily="49" charset="-122"/>
                 <a:cs typeface="Montserrat" charset="0"/>
               </a:rPr>
               <a:t>3.</a:t>
@@ -30603,8 +29791,8 @@
                 <a:solidFill>
                   <a:srgbClr val="000000"/>
                 </a:solidFill>
-                <a:latin typeface="SimHei" panose="02010609060101010101" pitchFamily="49" charset="-122"/>
-                <a:ea typeface="SimHei" panose="02010609060101010101" pitchFamily="49" charset="-122"/>
+                <a:latin typeface="黑体" panose="02010609060101010101" pitchFamily="49" charset="-122"/>
+                <a:ea typeface="黑体" panose="02010609060101010101" pitchFamily="49" charset="-122"/>
                 <a:cs typeface="Montserrat" charset="0"/>
               </a:rPr>
               <a:t>功能列表</a:t>
@@ -30613,8 +29801,8 @@
               <a:solidFill>
                 <a:srgbClr val="000000"/>
               </a:solidFill>
-              <a:latin typeface="SimHei" panose="02010609060101010101" pitchFamily="49" charset="-122"/>
-              <a:ea typeface="SimHei" panose="02010609060101010101" pitchFamily="49" charset="-122"/>
+              <a:latin typeface="黑体" panose="02010609060101010101" pitchFamily="49" charset="-122"/>
+              <a:ea typeface="黑体" panose="02010609060101010101" pitchFamily="49" charset="-122"/>
               <a:cs typeface="Montserrat" charset="0"/>
             </a:endParaRPr>
           </a:p>
@@ -30661,7 +29849,7 @@
           <a:bodyPr rtlCol="0" anchor="ctr"/>
           <a:lstStyle/>
           <a:p>
-            <a:pPr algn="ctr" defTabSz="914217"/>
+            <a:pPr algn="ctr" defTabSz="914400"/>
             <a:endParaRPr lang="en-US">
               <a:solidFill>
                 <a:srgbClr val="FFFFFF"/>
@@ -30672,22 +29860,17 @@
         </p:txBody>
       </p:sp>
     </p:spTree>
-    <p:extLst>
-      <p:ext uri="{BB962C8B-B14F-4D97-AF65-F5344CB8AC3E}">
-        <p14:creationId xmlns:p14="http://schemas.microsoft.com/office/powerpoint/2010/main" val="158136104"/>
-      </p:ext>
-    </p:extLst>
   </p:cSld>
   <p:clrMapOvr>
     <a:masterClrMapping/>
   </p:clrMapOvr>
-  <mc:AlternateContent xmlns:mc="http://schemas.openxmlformats.org/markup-compatibility/2006" xmlns:p14="http://schemas.microsoft.com/office/powerpoint/2010/main">
-    <mc:Choice Requires="p14">
+  <mc:AlternateContent xmlns:mc="http://schemas.openxmlformats.org/markup-compatibility/2006">
+    <mc:Choice xmlns:p14="http://schemas.microsoft.com/office/powerpoint/2010/main" Requires="p14">
       <p:transition spd="slow" p14:dur="1500" advTm="2000">
         <p:random/>
       </p:transition>
     </mc:Choice>
-    <mc:Fallback xmlns="">
+    <mc:Fallback>
       <p:transition spd="slow" advTm="2000">
         <p:random/>
       </p:transition>
@@ -30696,7 +29879,7 @@
 </p:sld>
 </file>
 
-<file path=ppt/slides/slide8.xml><?xml version="1.0" encoding="utf-8"?>
+<file path=ppt/slides/slide7.xml><?xml version="1.0" encoding="utf-8"?>
 <p:sld xmlns:a="http://schemas.openxmlformats.org/drawingml/2006/main" xmlns:r="http://schemas.openxmlformats.org/officeDocument/2006/relationships" xmlns:p="http://schemas.openxmlformats.org/presentationml/2006/main">
   <p:cSld>
     <p:spTree>
@@ -30752,20 +29935,14 @@
       </p:cxnSp>
       <p:pic>
         <p:nvPicPr>
-          <p:cNvPr id="3" name="图片 2">
-            <a:extLst>
-              <a:ext uri="{FF2B5EF4-FFF2-40B4-BE49-F238E27FC236}">
-                <a16:creationId xmlns:a16="http://schemas.microsoft.com/office/drawing/2014/main" id="{5C2D3F62-B5E8-406E-B677-7C9103EBCF71}"/>
-              </a:ext>
-            </a:extLst>
-          </p:cNvPr>
+          <p:cNvPr id="3" name="图片 2"/>
           <p:cNvPicPr>
             <a:picLocks noChangeAspect="1"/>
           </p:cNvPicPr>
           <p:nvPr/>
         </p:nvPicPr>
         <p:blipFill>
-          <a:blip r:embed="rId2"/>
+          <a:blip r:embed="rId1"/>
           <a:stretch>
             <a:fillRect/>
           </a:stretch>
@@ -30781,22 +29958,17 @@
         </p:spPr>
       </p:pic>
     </p:spTree>
-    <p:extLst>
-      <p:ext uri="{BB962C8B-B14F-4D97-AF65-F5344CB8AC3E}">
-        <p14:creationId xmlns:p14="http://schemas.microsoft.com/office/powerpoint/2010/main" val="209473567"/>
-      </p:ext>
-    </p:extLst>
   </p:cSld>
   <p:clrMapOvr>
     <a:masterClrMapping/>
   </p:clrMapOvr>
-  <mc:AlternateContent xmlns:mc="http://schemas.openxmlformats.org/markup-compatibility/2006" xmlns:p14="http://schemas.microsoft.com/office/powerpoint/2010/main">
-    <mc:Choice Requires="p14">
+  <mc:AlternateContent xmlns:mc="http://schemas.openxmlformats.org/markup-compatibility/2006">
+    <mc:Choice xmlns:p14="http://schemas.microsoft.com/office/powerpoint/2010/main" Requires="p14">
       <p:transition spd="slow" p14:dur="1500" advTm="2000">
         <p:random/>
       </p:transition>
     </mc:Choice>
-    <mc:Fallback xmlns="">
+    <mc:Fallback>
       <p:transition spd="slow" advTm="2000">
         <p:random/>
       </p:transition>
@@ -30805,7 +29977,7 @@
 </p:sld>
 </file>
 
-<file path=ppt/slides/slide9.xml><?xml version="1.0" encoding="utf-8"?>
+<file path=ppt/slides/slide8.xml><?xml version="1.0" encoding="utf-8"?>
 <p:sld xmlns:a="http://schemas.openxmlformats.org/drawingml/2006/main" xmlns:r="http://schemas.openxmlformats.org/officeDocument/2006/relationships" xmlns:p="http://schemas.openxmlformats.org/presentationml/2006/main">
   <p:cSld>
     <p:spTree>
@@ -30844,7 +30016,7 @@
           </a:bodyPr>
           <a:lstStyle/>
           <a:p>
-            <a:pPr defTabSz="914217"/>
+            <a:pPr defTabSz="914400"/>
             <a:r>
               <a:rPr lang="en-US" sz="14350" b="1" dirty="0">
                 <a:solidFill>
@@ -30906,7 +30078,7 @@
           </a:bodyPr>
           <a:lstStyle/>
           <a:p>
-            <a:pPr defTabSz="914217">
+            <a:pPr defTabSz="914400">
               <a:lnSpc>
                 <a:spcPts val="6000"/>
               </a:lnSpc>
@@ -30916,8 +30088,8 @@
                 <a:solidFill>
                   <a:srgbClr val="000000"/>
                 </a:solidFill>
-                <a:latin typeface="SimHei" panose="02010609060101010101" pitchFamily="49" charset="-122"/>
-                <a:ea typeface="SimHei" panose="02010609060101010101" pitchFamily="49" charset="-122"/>
+                <a:latin typeface="黑体" panose="02010609060101010101" pitchFamily="49" charset="-122"/>
+                <a:ea typeface="黑体" panose="02010609060101010101" pitchFamily="49" charset="-122"/>
                 <a:cs typeface="Montserrat" charset="0"/>
               </a:rPr>
               <a:t>4.</a:t>
@@ -30927,8 +30099,8 @@
                 <a:solidFill>
                   <a:srgbClr val="000000"/>
                 </a:solidFill>
-                <a:latin typeface="SimHei" panose="02010609060101010101" pitchFamily="49" charset="-122"/>
-                <a:ea typeface="SimHei" panose="02010609060101010101" pitchFamily="49" charset="-122"/>
+                <a:latin typeface="黑体" panose="02010609060101010101" pitchFamily="49" charset="-122"/>
+                <a:ea typeface="黑体" panose="02010609060101010101" pitchFamily="49" charset="-122"/>
                 <a:cs typeface="Montserrat" charset="0"/>
               </a:rPr>
               <a:t>原型设计</a:t>
@@ -30937,8 +30109,8 @@
               <a:solidFill>
                 <a:srgbClr val="000000"/>
               </a:solidFill>
-              <a:latin typeface="SimHei" panose="02010609060101010101" pitchFamily="49" charset="-122"/>
-              <a:ea typeface="SimHei" panose="02010609060101010101" pitchFamily="49" charset="-122"/>
+              <a:latin typeface="黑体" panose="02010609060101010101" pitchFamily="49" charset="-122"/>
+              <a:ea typeface="黑体" panose="02010609060101010101" pitchFamily="49" charset="-122"/>
               <a:cs typeface="Montserrat" charset="0"/>
             </a:endParaRPr>
           </a:p>
@@ -30985,7 +30157,7 @@
           <a:bodyPr rtlCol="0" anchor="ctr"/>
           <a:lstStyle/>
           <a:p>
-            <a:pPr algn="ctr" defTabSz="914217"/>
+            <a:pPr algn="ctr" defTabSz="914400"/>
             <a:endParaRPr lang="en-US">
               <a:solidFill>
                 <a:srgbClr val="FFFFFF"/>
@@ -30996,28 +30168,135 @@
         </p:txBody>
       </p:sp>
     </p:spTree>
-    <p:extLst>
-      <p:ext uri="{BB962C8B-B14F-4D97-AF65-F5344CB8AC3E}">
-        <p14:creationId xmlns:p14="http://schemas.microsoft.com/office/powerpoint/2010/main" val="896925393"/>
-      </p:ext>
-    </p:extLst>
   </p:cSld>
   <p:clrMapOvr>
     <a:masterClrMapping/>
   </p:clrMapOvr>
-  <mc:AlternateContent xmlns:mc="http://schemas.openxmlformats.org/markup-compatibility/2006" xmlns:p14="http://schemas.microsoft.com/office/powerpoint/2010/main">
-    <mc:Choice Requires="p14">
+  <mc:AlternateContent xmlns:mc="http://schemas.openxmlformats.org/markup-compatibility/2006">
+    <mc:Choice xmlns:p14="http://schemas.microsoft.com/office/powerpoint/2010/main" Requires="p14">
       <p:transition spd="slow" p14:dur="1500" advTm="2000">
         <p:random/>
       </p:transition>
     </mc:Choice>
-    <mc:Fallback xmlns="">
+    <mc:Fallback>
       <p:transition spd="slow" advTm="2000">
         <p:random/>
       </p:transition>
     </mc:Fallback>
   </mc:AlternateContent>
 </p:sld>
+</file>
+
+<file path=ppt/slides/slide9.xml><?xml version="1.0" encoding="utf-8"?>
+<p:sld xmlns:a="http://schemas.openxmlformats.org/drawingml/2006/main" xmlns:r="http://schemas.openxmlformats.org/officeDocument/2006/relationships" xmlns:p="http://schemas.openxmlformats.org/presentationml/2006/main">
+  <p:cSld>
+    <p:spTree>
+      <p:nvGrpSpPr>
+        <p:cNvPr id="1" name=""/>
+        <p:cNvGrpSpPr/>
+        <p:nvPr/>
+      </p:nvGrpSpPr>
+      <p:grpSpPr>
+        <a:xfrm>
+          <a:off x="0" y="0"/>
+          <a:ext cx="0" cy="0"/>
+          <a:chOff x="0" y="0"/>
+          <a:chExt cx="0" cy="0"/>
+        </a:xfrm>
+      </p:grpSpPr>
+      <p:sp>
+        <p:nvSpPr>
+          <p:cNvPr id="25" name="TextBox 24"/>
+          <p:cNvSpPr txBox="1"/>
+          <p:nvPr/>
+        </p:nvSpPr>
+        <p:spPr>
+          <a:xfrm>
+            <a:off x="1251473" y="3010812"/>
+            <a:ext cx="5147310" cy="830997"/>
+          </a:xfrm>
+          <a:prstGeom prst="rect">
+            <a:avLst/>
+          </a:prstGeom>
+          <a:noFill/>
+        </p:spPr>
+        <p:txBody>
+          <a:bodyPr wrap="square" rtlCol="0">
+            <a:spAutoFit/>
+          </a:bodyPr>
+          <a:lstStyle/>
+          <a:p>
+            <a:pPr defTabSz="914400"/>
+            <a:r>
+              <a:rPr lang="en-US" sz="4800" b="1" dirty="0" err="1">
+                <a:solidFill>
+                  <a:srgbClr val="000000"/>
+                </a:solidFill>
+                <a:latin typeface="黑体" panose="02010609060101010101" pitchFamily="49" charset="-122"/>
+                <a:ea typeface="黑体" panose="02010609060101010101" pitchFamily="49" charset="-122"/>
+                <a:cs typeface="Montserrat" charset="0"/>
+              </a:rPr>
+              <a:t>登陆注册页面</a:t>
+            </a:r>
+            <a:endParaRPr lang="en-US" sz="4800" b="1" dirty="0">
+              <a:solidFill>
+                <a:srgbClr val="000000"/>
+              </a:solidFill>
+              <a:latin typeface="黑体" panose="02010609060101010101" pitchFamily="49" charset="-122"/>
+              <a:ea typeface="黑体" panose="02010609060101010101" pitchFamily="49" charset="-122"/>
+              <a:cs typeface="Montserrat" charset="0"/>
+            </a:endParaRPr>
+          </a:p>
+        </p:txBody>
+      </p:sp>
+      <p:pic>
+        <p:nvPicPr>
+          <p:cNvPr id="4" name="图片 3"/>
+          <p:cNvPicPr>
+            <a:picLocks noChangeAspect="1"/>
+          </p:cNvPicPr>
+          <p:nvPr/>
+        </p:nvPicPr>
+        <p:blipFill>
+          <a:blip r:embed="rId1"/>
+          <a:stretch>
+            <a:fillRect/>
+          </a:stretch>
+        </p:blipFill>
+        <p:spPr>
+          <a:xfrm>
+            <a:off x="6725920" y="187811"/>
+            <a:ext cx="4216400" cy="6477000"/>
+          </a:xfrm>
+          <a:prstGeom prst="rect">
+            <a:avLst/>
+          </a:prstGeom>
+        </p:spPr>
+      </p:pic>
+    </p:spTree>
+  </p:cSld>
+  <p:clrMapOvr>
+    <a:masterClrMapping/>
+  </p:clrMapOvr>
+  <mc:AlternateContent xmlns:mc="http://schemas.openxmlformats.org/markup-compatibility/2006">
+    <mc:Choice xmlns:p14="http://schemas.microsoft.com/office/powerpoint/2010/main" Requires="p14">
+      <p:transition spd="slow" p14:dur="1500" advTm="2000">
+        <p:random/>
+      </p:transition>
+    </mc:Choice>
+    <mc:Fallback>
+      <p:transition spd="slow" advTm="2000">
+        <p:random/>
+      </p:transition>
+    </mc:Fallback>
+  </mc:AlternateContent>
+</p:sld>
+</file>
+
+<file path=ppt/tags/tag1.xml><?xml version="1.0" encoding="utf-8"?>
+<p:tagLst xmlns:p="http://schemas.openxmlformats.org/presentationml/2006/main">
+  <p:tag name="COMMONDATA" val="eyJoZGlkIjoiZDMxYzgyOGY3NzI5ZGI1MmZhYTk4MThjZGE1NzVlMGEifQ=="/>
+</p:tagLst>
 </file>
 
 <file path=ppt/theme/theme1.xml><?xml version="1.0" encoding="utf-8"?>
@@ -31247,7 +30526,6 @@
       </a:style>
     </a:spDef>
   </a:objectDefaults>
-  <a:extraClrSchemeLst/>
   <a:extLst>
     <a:ext uri="{05A4C25C-085E-4340-85A3-A5531E510DB2}">
       <thm15:themeFamily xmlns:thm15="http://schemas.microsoft.com/office/thememl/2012/main" name="Office Theme" id="{62F939B6-93AF-4DB8-9C6B-D6C7DFDC589F}" vid="{4A3C46E8-61CC-4603-A589-7422A47A8E4A}"/>
@@ -31299,7 +30577,7 @@
     </a:clrScheme>
     <a:fontScheme name="Office">
       <a:majorFont>
-        <a:latin typeface="Calibri Light" panose="020F0302020204030204"/>
+        <a:latin typeface="Calibri Light"/>
         <a:ea typeface=""/>
         <a:cs typeface=""/>
         <a:font script="Jpan" typeface="游ゴシック Light"/>
@@ -31332,26 +30610,9 @@
         <a:font script="Viet" typeface="Times New Roman"/>
         <a:font script="Uigh" typeface="Microsoft Uighur"/>
         <a:font script="Geor" typeface="Sylfaen"/>
-        <a:font script="Armn" typeface="Arial"/>
-        <a:font script="Bugi" typeface="Leelawadee UI"/>
-        <a:font script="Bopo" typeface="Microsoft JhengHei"/>
-        <a:font script="Java" typeface="Javanese Text"/>
-        <a:font script="Lisu" typeface="Segoe UI"/>
-        <a:font script="Mymr" typeface="Myanmar Text"/>
-        <a:font script="Nkoo" typeface="Ebrima"/>
-        <a:font script="Olck" typeface="Nirmala UI"/>
-        <a:font script="Osma" typeface="Ebrima"/>
-        <a:font script="Phag" typeface="Phagspa"/>
-        <a:font script="Syrn" typeface="Estrangelo Edessa"/>
-        <a:font script="Syrj" typeface="Estrangelo Edessa"/>
-        <a:font script="Syre" typeface="Estrangelo Edessa"/>
-        <a:font script="Sora" typeface="Nirmala UI"/>
-        <a:font script="Tale" typeface="Microsoft Tai Le"/>
-        <a:font script="Talu" typeface="Microsoft New Tai Lue"/>
-        <a:font script="Tfng" typeface="Ebrima"/>
       </a:majorFont>
       <a:minorFont>
-        <a:latin typeface="Calibri" panose="020F0502020204030204"/>
+        <a:latin typeface="Calibri"/>
         <a:ea typeface=""/>
         <a:cs typeface=""/>
         <a:font script="Jpan" typeface="游ゴシック"/>
@@ -31384,23 +30645,6 @@
         <a:font script="Viet" typeface="Arial"/>
         <a:font script="Uigh" typeface="Microsoft Uighur"/>
         <a:font script="Geor" typeface="Sylfaen"/>
-        <a:font script="Armn" typeface="Arial"/>
-        <a:font script="Bugi" typeface="Leelawadee UI"/>
-        <a:font script="Bopo" typeface="Microsoft JhengHei"/>
-        <a:font script="Java" typeface="Javanese Text"/>
-        <a:font script="Lisu" typeface="Segoe UI"/>
-        <a:font script="Mymr" typeface="Myanmar Text"/>
-        <a:font script="Nkoo" typeface="Ebrima"/>
-        <a:font script="Olck" typeface="Nirmala UI"/>
-        <a:font script="Osma" typeface="Ebrima"/>
-        <a:font script="Phag" typeface="Phagspa"/>
-        <a:font script="Syrn" typeface="Estrangelo Edessa"/>
-        <a:font script="Syrj" typeface="Estrangelo Edessa"/>
-        <a:font script="Syre" typeface="Estrangelo Edessa"/>
-        <a:font script="Sora" typeface="Nirmala UI"/>
-        <a:font script="Tale" typeface="Microsoft Tai Le"/>
-        <a:font script="Talu" typeface="Microsoft New Tai Lue"/>
-        <a:font script="Tfng" typeface="Ebrima"/>
       </a:minorFont>
     </a:fontScheme>
     <a:fmtScheme name="Office">
@@ -31541,8 +30785,6 @@
       </a:bgFillStyleLst>
     </a:fmtScheme>
   </a:themeElements>
-  <a:objectDefaults/>
-  <a:extraClrSchemeLst/>
   <a:extLst>
     <a:ext uri="{05A4C25C-085E-4340-85A3-A5531E510DB2}">
       <thm15:themeFamily xmlns:thm15="http://schemas.microsoft.com/office/thememl/2012/main" name="Office Theme" id="{62F939B6-93AF-4DB8-9C6B-D6C7DFDC589F}" vid="{4A3C46E8-61CC-4603-A589-7422A47A8E4A}"/>
